--- a/(private) Tutor/Web Design - the Course.pptx
+++ b/(private) Tutor/Web Design - the Course.pptx
@@ -4,6 +4,9 @@
   <p:sldMasterIdLst>
     <p:sldMasterId id="2147483648" r:id="rId1"/>
   </p:sldMasterIdLst>
+  <p:notesMasterIdLst>
+    <p:notesMasterId r:id="rId11"/>
+  </p:notesMasterIdLst>
   <p:sldIdLst>
     <p:sldId id="256" r:id="rId2"/>
     <p:sldId id="264" r:id="rId3"/>
@@ -16,7 +19,7 @@
     <p:sldId id="263" r:id="rId10"/>
   </p:sldIdLst>
   <p:sldSz cx="12192000" cy="6858000"/>
-  <p:notesSz cx="6858000" cy="9144000"/>
+  <p:notesSz cx="9144000" cy="6858000"/>
   <p:defaultTextStyle>
     <a:defPPr>
       <a:defRPr lang="en-US"/>
@@ -120,10 +123,22 @@
 </p:presentation>
 </file>
 
+<file path=ppt/commentAuthors.xml><?xml version="1.0" encoding="utf-8"?>
+<p:cmAuthorLst xmlns:a="http://schemas.openxmlformats.org/drawingml/2006/main" xmlns:r="http://schemas.openxmlformats.org/officeDocument/2006/relationships" xmlns:p="http://schemas.openxmlformats.org/presentationml/2006/main">
+  <p:cmAuthor id="1" name="Bruno Ferreira" initials="BF" lastIdx="1" clrIdx="0">
+    <p:extLst>
+      <p:ext uri="{19B8F6BF-5375-455C-9EA6-DF929625EA0E}">
+        <p15:presenceInfo xmlns:p15="http://schemas.microsoft.com/office/powerpoint/2012/main" userId="Bruno Ferreira" providerId="None"/>
+      </p:ext>
+    </p:extLst>
+  </p:cmAuthor>
+</p:cmAuthorLst>
+</file>
+
 <file path=ppt/revisionInfo.xml><?xml version="1.0" encoding="utf-8"?>
 <p1510:revInfo xmlns:a="http://schemas.openxmlformats.org/drawingml/2006/main" xmlns:r="http://schemas.openxmlformats.org/officeDocument/2006/relationships" xmlns:p1510="http://schemas.microsoft.com/office/powerpoint/2015/10/main">
   <p1510:revLst>
-    <p1510:client id="{13E0F5FE-A7BD-43CB-BA26-0842A12E9231}" v="29" dt="2018-12-22T16:44:07.726"/>
+    <p1510:client id="{13E0F5FE-A7BD-43CB-BA26-0842A12E9231}" v="35" dt="2018-12-22T17:30:13.794"/>
   </p1510:revLst>
 </p1510:revInfo>
 </file>
@@ -132,8 +147,8 @@
 <pc:chgInfo xmlns:a="http://schemas.openxmlformats.org/drawingml/2006/main" xmlns:r="http://schemas.openxmlformats.org/officeDocument/2006/relationships" xmlns:ac="http://schemas.microsoft.com/office/drawing/2013/main/command" xmlns:pc="http://schemas.microsoft.com/office/powerpoint/2013/main/command">
   <pc:docChgLst>
     <pc:chgData name="Bruno Ferreira" userId="e06035ac-618b-470a-999a-b40cdd1b6397" providerId="ADAL" clId="{13E0F5FE-A7BD-43CB-BA26-0842A12E9231}"/>
-    <pc:docChg chg="undo custSel addSld delSld modSld">
-      <pc:chgData name="Bruno Ferreira" userId="e06035ac-618b-470a-999a-b40cdd1b6397" providerId="ADAL" clId="{13E0F5FE-A7BD-43CB-BA26-0842A12E9231}" dt="2018-12-22T16:52:23.582" v="894" actId="20577"/>
+    <pc:docChg chg="undo custSel addSld delSld modSld modNotesMaster">
+      <pc:chgData name="Bruno Ferreira" userId="e06035ac-618b-470a-999a-b40cdd1b6397" providerId="ADAL" clId="{13E0F5FE-A7BD-43CB-BA26-0842A12E9231}" dt="2018-12-22T17:38:00.941" v="1349" actId="20577"/>
       <pc:docMkLst>
         <pc:docMk/>
       </pc:docMkLst>
@@ -191,8 +206,8 @@
           </ac:spMkLst>
         </pc:spChg>
       </pc:sldChg>
-      <pc:sldChg chg="addSp modSp">
-        <pc:chgData name="Bruno Ferreira" userId="e06035ac-618b-470a-999a-b40cdd1b6397" providerId="ADAL" clId="{13E0F5FE-A7BD-43CB-BA26-0842A12E9231}" dt="2018-12-22T16:52:17.729" v="891" actId="20577"/>
+      <pc:sldChg chg="addSp modSp modNotesTx">
+        <pc:chgData name="Bruno Ferreira" userId="e06035ac-618b-470a-999a-b40cdd1b6397" providerId="ADAL" clId="{13E0F5FE-A7BD-43CB-BA26-0842A12E9231}" dt="2018-12-22T17:38:00.941" v="1349" actId="20577"/>
         <pc:sldMkLst>
           <pc:docMk/>
           <pc:sldMk cId="1198208792" sldId="258"/>
@@ -206,7 +221,7 @@
           </ac:spMkLst>
         </pc:spChg>
         <pc:spChg chg="mod">
-          <ac:chgData name="Bruno Ferreira" userId="e06035ac-618b-470a-999a-b40cdd1b6397" providerId="ADAL" clId="{13E0F5FE-A7BD-43CB-BA26-0842A12E9231}" dt="2018-12-22T16:46:09.117" v="827" actId="6549"/>
+          <ac:chgData name="Bruno Ferreira" userId="e06035ac-618b-470a-999a-b40cdd1b6397" providerId="ADAL" clId="{13E0F5FE-A7BD-43CB-BA26-0842A12E9231}" dt="2018-12-22T17:37:12.492" v="1230" actId="20577"/>
           <ac:spMkLst>
             <pc:docMk/>
             <pc:sldMk cId="1198208792" sldId="258"/>
@@ -222,8 +237,8 @@
           </ac:spMkLst>
         </pc:spChg>
       </pc:sldChg>
-      <pc:sldChg chg="addSp modSp">
-        <pc:chgData name="Bruno Ferreira" userId="e06035ac-618b-470a-999a-b40cdd1b6397" providerId="ADAL" clId="{13E0F5FE-A7BD-43CB-BA26-0842A12E9231}" dt="2018-12-22T16:52:23.582" v="894" actId="20577"/>
+      <pc:sldChg chg="addSp modSp modNotesTx">
+        <pc:chgData name="Bruno Ferreira" userId="e06035ac-618b-470a-999a-b40cdd1b6397" providerId="ADAL" clId="{13E0F5FE-A7BD-43CB-BA26-0842A12E9231}" dt="2018-12-22T17:30:28.055" v="1192" actId="20577"/>
         <pc:sldMkLst>
           <pc:docMk/>
           <pc:sldMk cId="1395947075" sldId="259"/>
@@ -368,8 +383,8 @@
           </ac:spMkLst>
         </pc:spChg>
       </pc:sldChg>
-      <pc:sldChg chg="addSp modSp add">
-        <pc:chgData name="Bruno Ferreira" userId="e06035ac-618b-470a-999a-b40cdd1b6397" providerId="ADAL" clId="{13E0F5FE-A7BD-43CB-BA26-0842A12E9231}" dt="2018-12-22T16:52:11.285" v="888" actId="20577"/>
+      <pc:sldChg chg="addSp modSp add addCm delCm">
+        <pc:chgData name="Bruno Ferreira" userId="e06035ac-618b-470a-999a-b40cdd1b6397" providerId="ADAL" clId="{13E0F5FE-A7BD-43CB-BA26-0842A12E9231}" dt="2018-12-22T17:24:18.030" v="992"/>
         <pc:sldMkLst>
           <pc:docMk/>
           <pc:sldMk cId="2855701414" sldId="265"/>
@@ -383,7 +398,7 @@
           </ac:spMkLst>
         </pc:spChg>
         <pc:spChg chg="mod">
-          <ac:chgData name="Bruno Ferreira" userId="e06035ac-618b-470a-999a-b40cdd1b6397" providerId="ADAL" clId="{13E0F5FE-A7BD-43CB-BA26-0842A12E9231}" dt="2018-12-22T16:45:52.153" v="818" actId="20577"/>
+          <ac:chgData name="Bruno Ferreira" userId="e06035ac-618b-470a-999a-b40cdd1b6397" providerId="ADAL" clId="{13E0F5FE-A7BD-43CB-BA26-0842A12E9231}" dt="2018-12-22T17:23:59.522" v="990" actId="20577"/>
           <ac:spMkLst>
             <pc:docMk/>
             <pc:sldMk cId="2855701414" sldId="265"/>
@@ -426,6 +441,653 @@
     </pc:docChg>
   </pc:docChgLst>
 </pc:chgInfo>
+</file>
+
+<file path=ppt/notesMasters/notesMaster1.xml><?xml version="1.0" encoding="utf-8"?>
+<p:notesMaster xmlns:a="http://schemas.openxmlformats.org/drawingml/2006/main" xmlns:r="http://schemas.openxmlformats.org/officeDocument/2006/relationships" xmlns:p="http://schemas.openxmlformats.org/presentationml/2006/main">
+  <p:cSld>
+    <p:bg>
+      <p:bgRef idx="1001">
+        <a:schemeClr val="bg1"/>
+      </p:bgRef>
+    </p:bg>
+    <p:spTree>
+      <p:nvGrpSpPr>
+        <p:cNvPr id="1" name=""/>
+        <p:cNvGrpSpPr/>
+        <p:nvPr/>
+      </p:nvGrpSpPr>
+      <p:grpSpPr>
+        <a:xfrm>
+          <a:off x="0" y="0"/>
+          <a:ext cx="0" cy="0"/>
+          <a:chOff x="0" y="0"/>
+          <a:chExt cx="0" cy="0"/>
+        </a:xfrm>
+      </p:grpSpPr>
+      <p:sp>
+        <p:nvSpPr>
+          <p:cNvPr id="2" name="Header Placeholder 1"/>
+          <p:cNvSpPr>
+            <a:spLocks noGrp="1"/>
+          </p:cNvSpPr>
+          <p:nvPr>
+            <p:ph type="hdr" sz="quarter"/>
+          </p:nvPr>
+        </p:nvSpPr>
+        <p:spPr>
+          <a:xfrm>
+            <a:off x="0" y="1"/>
+            <a:ext cx="3962400" cy="344091"/>
+          </a:xfrm>
+          <a:prstGeom prst="rect">
+            <a:avLst/>
+          </a:prstGeom>
+        </p:spPr>
+        <p:txBody>
+          <a:bodyPr vert="horz" lIns="91440" tIns="45720" rIns="91440" bIns="45720" rtlCol="0"/>
+          <a:lstStyle>
+            <a:lvl1pPr algn="l">
+              <a:defRPr sz="1200"/>
+            </a:lvl1pPr>
+          </a:lstStyle>
+          <a:p>
+            <a:endParaRPr lang="en-NZ"/>
+          </a:p>
+        </p:txBody>
+      </p:sp>
+      <p:sp>
+        <p:nvSpPr>
+          <p:cNvPr id="3" name="Date Placeholder 2"/>
+          <p:cNvSpPr>
+            <a:spLocks noGrp="1"/>
+          </p:cNvSpPr>
+          <p:nvPr>
+            <p:ph type="dt" idx="1"/>
+          </p:nvPr>
+        </p:nvSpPr>
+        <p:spPr>
+          <a:xfrm>
+            <a:off x="5179484" y="1"/>
+            <a:ext cx="3962400" cy="344091"/>
+          </a:xfrm>
+          <a:prstGeom prst="rect">
+            <a:avLst/>
+          </a:prstGeom>
+        </p:spPr>
+        <p:txBody>
+          <a:bodyPr vert="horz" lIns="91440" tIns="45720" rIns="91440" bIns="45720" rtlCol="0"/>
+          <a:lstStyle>
+            <a:lvl1pPr algn="r">
+              <a:defRPr sz="1200"/>
+            </a:lvl1pPr>
+          </a:lstStyle>
+          <a:p>
+            <a:fld id="{5B676EBF-CB16-4FAA-8958-8D96423B0B15}" type="datetimeFigureOut">
+              <a:rPr lang="en-NZ" smtClean="0"/>
+              <a:t>22/12/2018</a:t>
+            </a:fld>
+            <a:endParaRPr lang="en-NZ"/>
+          </a:p>
+        </p:txBody>
+      </p:sp>
+      <p:sp>
+        <p:nvSpPr>
+          <p:cNvPr id="4" name="Slide Image Placeholder 3"/>
+          <p:cNvSpPr>
+            <a:spLocks noGrp="1" noRot="1" noChangeAspect="1"/>
+          </p:cNvSpPr>
+          <p:nvPr>
+            <p:ph type="sldImg" idx="2"/>
+          </p:nvPr>
+        </p:nvSpPr>
+        <p:spPr>
+          <a:xfrm>
+            <a:off x="2514600" y="857250"/>
+            <a:ext cx="4114800" cy="2314575"/>
+          </a:xfrm>
+          <a:prstGeom prst="rect">
+            <a:avLst/>
+          </a:prstGeom>
+          <a:noFill/>
+          <a:ln w="12700">
+            <a:solidFill>
+              <a:prstClr val="black"/>
+            </a:solidFill>
+          </a:ln>
+        </p:spPr>
+        <p:txBody>
+          <a:bodyPr vert="horz" lIns="91440" tIns="45720" rIns="91440" bIns="45720" rtlCol="0" anchor="ctr"/>
+          <a:lstStyle/>
+          <a:p>
+            <a:endParaRPr lang="en-NZ"/>
+          </a:p>
+        </p:txBody>
+      </p:sp>
+      <p:sp>
+        <p:nvSpPr>
+          <p:cNvPr id="5" name="Notes Placeholder 4"/>
+          <p:cNvSpPr>
+            <a:spLocks noGrp="1"/>
+          </p:cNvSpPr>
+          <p:nvPr>
+            <p:ph type="body" sz="quarter" idx="3"/>
+          </p:nvPr>
+        </p:nvSpPr>
+        <p:spPr>
+          <a:xfrm>
+            <a:off x="914400" y="3300412"/>
+            <a:ext cx="7315200" cy="2700338"/>
+          </a:xfrm>
+          <a:prstGeom prst="rect">
+            <a:avLst/>
+          </a:prstGeom>
+        </p:spPr>
+        <p:txBody>
+          <a:bodyPr vert="horz" lIns="91440" tIns="45720" rIns="91440" bIns="45720" rtlCol="0"/>
+          <a:lstStyle/>
+          <a:p>
+            <a:pPr lvl="0"/>
+            <a:r>
+              <a:rPr lang="en-US"/>
+              <a:t>Edit Master text styles</a:t>
+            </a:r>
+          </a:p>
+          <a:p>
+            <a:pPr lvl="1"/>
+            <a:r>
+              <a:rPr lang="en-US"/>
+              <a:t>Second level</a:t>
+            </a:r>
+          </a:p>
+          <a:p>
+            <a:pPr lvl="2"/>
+            <a:r>
+              <a:rPr lang="en-US"/>
+              <a:t>Third level</a:t>
+            </a:r>
+          </a:p>
+          <a:p>
+            <a:pPr lvl="3"/>
+            <a:r>
+              <a:rPr lang="en-US"/>
+              <a:t>Fourth level</a:t>
+            </a:r>
+          </a:p>
+          <a:p>
+            <a:pPr lvl="4"/>
+            <a:r>
+              <a:rPr lang="en-US"/>
+              <a:t>Fifth level</a:t>
+            </a:r>
+            <a:endParaRPr lang="en-NZ"/>
+          </a:p>
+        </p:txBody>
+      </p:sp>
+      <p:sp>
+        <p:nvSpPr>
+          <p:cNvPr id="6" name="Footer Placeholder 5"/>
+          <p:cNvSpPr>
+            <a:spLocks noGrp="1"/>
+          </p:cNvSpPr>
+          <p:nvPr>
+            <p:ph type="ftr" sz="quarter" idx="4"/>
+          </p:nvPr>
+        </p:nvSpPr>
+        <p:spPr>
+          <a:xfrm>
+            <a:off x="0" y="6513910"/>
+            <a:ext cx="3962400" cy="344090"/>
+          </a:xfrm>
+          <a:prstGeom prst="rect">
+            <a:avLst/>
+          </a:prstGeom>
+        </p:spPr>
+        <p:txBody>
+          <a:bodyPr vert="horz" lIns="91440" tIns="45720" rIns="91440" bIns="45720" rtlCol="0" anchor="b"/>
+          <a:lstStyle>
+            <a:lvl1pPr algn="l">
+              <a:defRPr sz="1200"/>
+            </a:lvl1pPr>
+          </a:lstStyle>
+          <a:p>
+            <a:endParaRPr lang="en-NZ"/>
+          </a:p>
+        </p:txBody>
+      </p:sp>
+      <p:sp>
+        <p:nvSpPr>
+          <p:cNvPr id="7" name="Slide Number Placeholder 6"/>
+          <p:cNvSpPr>
+            <a:spLocks noGrp="1"/>
+          </p:cNvSpPr>
+          <p:nvPr>
+            <p:ph type="sldNum" sz="quarter" idx="5"/>
+          </p:nvPr>
+        </p:nvSpPr>
+        <p:spPr>
+          <a:xfrm>
+            <a:off x="5179484" y="6513910"/>
+            <a:ext cx="3962400" cy="344090"/>
+          </a:xfrm>
+          <a:prstGeom prst="rect">
+            <a:avLst/>
+          </a:prstGeom>
+        </p:spPr>
+        <p:txBody>
+          <a:bodyPr vert="horz" lIns="91440" tIns="45720" rIns="91440" bIns="45720" rtlCol="0" anchor="b"/>
+          <a:lstStyle>
+            <a:lvl1pPr algn="r">
+              <a:defRPr sz="1200"/>
+            </a:lvl1pPr>
+          </a:lstStyle>
+          <a:p>
+            <a:fld id="{AA6AEB39-020A-432B-83F5-EFCAD66B5A24}" type="slidenum">
+              <a:rPr lang="en-NZ" smtClean="0"/>
+              <a:t>‹#›</a:t>
+            </a:fld>
+            <a:endParaRPr lang="en-NZ"/>
+          </a:p>
+        </p:txBody>
+      </p:sp>
+    </p:spTree>
+    <p:extLst>
+      <p:ext uri="{BB962C8B-B14F-4D97-AF65-F5344CB8AC3E}">
+        <p14:creationId xmlns:p14="http://schemas.microsoft.com/office/powerpoint/2010/main" val="3210095503"/>
+      </p:ext>
+    </p:extLst>
+  </p:cSld>
+  <p:clrMap bg1="lt1" tx1="dk1" bg2="lt2" tx2="dk2" accent1="accent1" accent2="accent2" accent3="accent3" accent4="accent4" accent5="accent5" accent6="accent6" hlink="hlink" folHlink="folHlink"/>
+  <p:notesStyle>
+    <a:lvl1pPr marL="0" algn="l" defTabSz="914400" rtl="0" eaLnBrk="1" latinLnBrk="0" hangingPunct="1">
+      <a:defRPr sz="1200" kern="1200">
+        <a:solidFill>
+          <a:schemeClr val="tx1"/>
+        </a:solidFill>
+        <a:latin typeface="+mn-lt"/>
+        <a:ea typeface="+mn-ea"/>
+        <a:cs typeface="+mn-cs"/>
+      </a:defRPr>
+    </a:lvl1pPr>
+    <a:lvl2pPr marL="457200" algn="l" defTabSz="914400" rtl="0" eaLnBrk="1" latinLnBrk="0" hangingPunct="1">
+      <a:defRPr sz="1200" kern="1200">
+        <a:solidFill>
+          <a:schemeClr val="tx1"/>
+        </a:solidFill>
+        <a:latin typeface="+mn-lt"/>
+        <a:ea typeface="+mn-ea"/>
+        <a:cs typeface="+mn-cs"/>
+      </a:defRPr>
+    </a:lvl2pPr>
+    <a:lvl3pPr marL="914400" algn="l" defTabSz="914400" rtl="0" eaLnBrk="1" latinLnBrk="0" hangingPunct="1">
+      <a:defRPr sz="1200" kern="1200">
+        <a:solidFill>
+          <a:schemeClr val="tx1"/>
+        </a:solidFill>
+        <a:latin typeface="+mn-lt"/>
+        <a:ea typeface="+mn-ea"/>
+        <a:cs typeface="+mn-cs"/>
+      </a:defRPr>
+    </a:lvl3pPr>
+    <a:lvl4pPr marL="1371600" algn="l" defTabSz="914400" rtl="0" eaLnBrk="1" latinLnBrk="0" hangingPunct="1">
+      <a:defRPr sz="1200" kern="1200">
+        <a:solidFill>
+          <a:schemeClr val="tx1"/>
+        </a:solidFill>
+        <a:latin typeface="+mn-lt"/>
+        <a:ea typeface="+mn-ea"/>
+        <a:cs typeface="+mn-cs"/>
+      </a:defRPr>
+    </a:lvl4pPr>
+    <a:lvl5pPr marL="1828800" algn="l" defTabSz="914400" rtl="0" eaLnBrk="1" latinLnBrk="0" hangingPunct="1">
+      <a:defRPr sz="1200" kern="1200">
+        <a:solidFill>
+          <a:schemeClr val="tx1"/>
+        </a:solidFill>
+        <a:latin typeface="+mn-lt"/>
+        <a:ea typeface="+mn-ea"/>
+        <a:cs typeface="+mn-cs"/>
+      </a:defRPr>
+    </a:lvl5pPr>
+    <a:lvl6pPr marL="2286000" algn="l" defTabSz="914400" rtl="0" eaLnBrk="1" latinLnBrk="0" hangingPunct="1">
+      <a:defRPr sz="1200" kern="1200">
+        <a:solidFill>
+          <a:schemeClr val="tx1"/>
+        </a:solidFill>
+        <a:latin typeface="+mn-lt"/>
+        <a:ea typeface="+mn-ea"/>
+        <a:cs typeface="+mn-cs"/>
+      </a:defRPr>
+    </a:lvl6pPr>
+    <a:lvl7pPr marL="2743200" algn="l" defTabSz="914400" rtl="0" eaLnBrk="1" latinLnBrk="0" hangingPunct="1">
+      <a:defRPr sz="1200" kern="1200">
+        <a:solidFill>
+          <a:schemeClr val="tx1"/>
+        </a:solidFill>
+        <a:latin typeface="+mn-lt"/>
+        <a:ea typeface="+mn-ea"/>
+        <a:cs typeface="+mn-cs"/>
+      </a:defRPr>
+    </a:lvl7pPr>
+    <a:lvl8pPr marL="3200400" algn="l" defTabSz="914400" rtl="0" eaLnBrk="1" latinLnBrk="0" hangingPunct="1">
+      <a:defRPr sz="1200" kern="1200">
+        <a:solidFill>
+          <a:schemeClr val="tx1"/>
+        </a:solidFill>
+        <a:latin typeface="+mn-lt"/>
+        <a:ea typeface="+mn-ea"/>
+        <a:cs typeface="+mn-cs"/>
+      </a:defRPr>
+    </a:lvl8pPr>
+    <a:lvl9pPr marL="3657600" algn="l" defTabSz="914400" rtl="0" eaLnBrk="1" latinLnBrk="0" hangingPunct="1">
+      <a:defRPr sz="1200" kern="1200">
+        <a:solidFill>
+          <a:schemeClr val="tx1"/>
+        </a:solidFill>
+        <a:latin typeface="+mn-lt"/>
+        <a:ea typeface="+mn-ea"/>
+        <a:cs typeface="+mn-cs"/>
+      </a:defRPr>
+    </a:lvl9pPr>
+  </p:notesStyle>
+</p:notesMaster>
+</file>
+
+<file path=ppt/notesSlides/notesSlide1.xml><?xml version="1.0" encoding="utf-8"?>
+<p:notes xmlns:a="http://schemas.openxmlformats.org/drawingml/2006/main" xmlns:r="http://schemas.openxmlformats.org/officeDocument/2006/relationships" xmlns:p="http://schemas.openxmlformats.org/presentationml/2006/main">
+  <p:cSld>
+    <p:spTree>
+      <p:nvGrpSpPr>
+        <p:cNvPr id="1" name=""/>
+        <p:cNvGrpSpPr/>
+        <p:nvPr/>
+      </p:nvGrpSpPr>
+      <p:grpSpPr>
+        <a:xfrm>
+          <a:off x="0" y="0"/>
+          <a:ext cx="0" cy="0"/>
+          <a:chOff x="0" y="0"/>
+          <a:chExt cx="0" cy="0"/>
+        </a:xfrm>
+      </p:grpSpPr>
+      <p:sp>
+        <p:nvSpPr>
+          <p:cNvPr id="2" name="Slide Image Placeholder 1"/>
+          <p:cNvSpPr>
+            <a:spLocks noGrp="1" noRot="1" noChangeAspect="1"/>
+          </p:cNvSpPr>
+          <p:nvPr>
+            <p:ph type="sldImg"/>
+          </p:nvPr>
+        </p:nvSpPr>
+        <p:spPr/>
+      </p:sp>
+      <p:sp>
+        <p:nvSpPr>
+          <p:cNvPr id="3" name="Notes Placeholder 2"/>
+          <p:cNvSpPr>
+            <a:spLocks noGrp="1"/>
+          </p:cNvSpPr>
+          <p:nvPr>
+            <p:ph type="body" idx="1"/>
+          </p:nvPr>
+        </p:nvSpPr>
+        <p:spPr/>
+        <p:txBody>
+          <a:bodyPr/>
+          <a:lstStyle/>
+          <a:p>
+            <a:endParaRPr lang="en-NZ" dirty="0"/>
+          </a:p>
+        </p:txBody>
+      </p:sp>
+      <p:sp>
+        <p:nvSpPr>
+          <p:cNvPr id="4" name="Slide Number Placeholder 3"/>
+          <p:cNvSpPr>
+            <a:spLocks noGrp="1"/>
+          </p:cNvSpPr>
+          <p:nvPr>
+            <p:ph type="sldNum" sz="quarter" idx="5"/>
+          </p:nvPr>
+        </p:nvSpPr>
+        <p:spPr/>
+        <p:txBody>
+          <a:bodyPr/>
+          <a:lstStyle/>
+          <a:p>
+            <a:fld id="{AA6AEB39-020A-432B-83F5-EFCAD66B5A24}" type="slidenum">
+              <a:rPr lang="en-NZ" smtClean="0"/>
+              <a:t>4</a:t>
+            </a:fld>
+            <a:endParaRPr lang="en-NZ"/>
+          </a:p>
+        </p:txBody>
+      </p:sp>
+    </p:spTree>
+    <p:extLst>
+      <p:ext uri="{BB962C8B-B14F-4D97-AF65-F5344CB8AC3E}">
+        <p14:creationId xmlns:p14="http://schemas.microsoft.com/office/powerpoint/2010/main" val="3038168858"/>
+      </p:ext>
+    </p:extLst>
+  </p:cSld>
+  <p:clrMapOvr>
+    <a:masterClrMapping/>
+  </p:clrMapOvr>
+</p:notes>
+</file>
+
+<file path=ppt/notesSlides/notesSlide2.xml><?xml version="1.0" encoding="utf-8"?>
+<p:notes xmlns:a="http://schemas.openxmlformats.org/drawingml/2006/main" xmlns:r="http://schemas.openxmlformats.org/officeDocument/2006/relationships" xmlns:p="http://schemas.openxmlformats.org/presentationml/2006/main">
+  <p:cSld>
+    <p:spTree>
+      <p:nvGrpSpPr>
+        <p:cNvPr id="1" name=""/>
+        <p:cNvGrpSpPr/>
+        <p:nvPr/>
+      </p:nvGrpSpPr>
+      <p:grpSpPr>
+        <a:xfrm>
+          <a:off x="0" y="0"/>
+          <a:ext cx="0" cy="0"/>
+          <a:chOff x="0" y="0"/>
+          <a:chExt cx="0" cy="0"/>
+        </a:xfrm>
+      </p:grpSpPr>
+      <p:sp>
+        <p:nvSpPr>
+          <p:cNvPr id="2" name="Slide Image Placeholder 1"/>
+          <p:cNvSpPr>
+            <a:spLocks noGrp="1" noRot="1" noChangeAspect="1"/>
+          </p:cNvSpPr>
+          <p:nvPr>
+            <p:ph type="sldImg"/>
+          </p:nvPr>
+        </p:nvSpPr>
+        <p:spPr/>
+      </p:sp>
+      <p:sp>
+        <p:nvSpPr>
+          <p:cNvPr id="3" name="Notes Placeholder 2"/>
+          <p:cNvSpPr>
+            <a:spLocks noGrp="1"/>
+          </p:cNvSpPr>
+          <p:nvPr>
+            <p:ph type="body" idx="1"/>
+          </p:nvPr>
+        </p:nvSpPr>
+        <p:spPr/>
+        <p:txBody>
+          <a:bodyPr/>
+          <a:lstStyle/>
+          <a:p>
+            <a:pPr marL="171450" indent="-171450">
+              <a:buFont typeface="Arial" panose="020B0604020202020204" pitchFamily="34" charset="0"/>
+              <a:buChar char="•"/>
+            </a:pPr>
+            <a:r>
+              <a:rPr lang="en-NZ" dirty="0"/>
+              <a:t>affecting of specific selectors/objects - </a:t>
+            </a:r>
+            <a:r>
+              <a:rPr lang="en-NZ" dirty="0" err="1"/>
+              <a:t>ie</a:t>
+            </a:r>
+            <a:r>
+              <a:rPr lang="en-NZ" dirty="0"/>
+              <a:t>: “.class &gt; tag: (further options such as nth-child(odd))”</a:t>
+            </a:r>
+          </a:p>
+          <a:p>
+            <a:pPr marL="171450" indent="-171450">
+              <a:buFont typeface="Arial" panose="020B0604020202020204" pitchFamily="34" charset="0"/>
+              <a:buChar char="•"/>
+            </a:pPr>
+            <a:r>
+              <a:rPr lang="en-NZ" dirty="0"/>
+              <a:t>Using fractions (</a:t>
+            </a:r>
+            <a:r>
+              <a:rPr lang="en-NZ" dirty="0" err="1"/>
+              <a:t>fr</a:t>
+            </a:r>
+            <a:r>
+              <a:rPr lang="en-NZ" dirty="0"/>
+              <a:t>) as a measurement is useful when laying out a page using </a:t>
+            </a:r>
+            <a:r>
+              <a:rPr lang="en-NZ"/>
+              <a:t>CSS Grid</a:t>
+            </a:r>
+            <a:endParaRPr lang="en-NZ" dirty="0"/>
+          </a:p>
+        </p:txBody>
+      </p:sp>
+      <p:sp>
+        <p:nvSpPr>
+          <p:cNvPr id="4" name="Slide Number Placeholder 3"/>
+          <p:cNvSpPr>
+            <a:spLocks noGrp="1"/>
+          </p:cNvSpPr>
+          <p:nvPr>
+            <p:ph type="sldNum" sz="quarter" idx="5"/>
+          </p:nvPr>
+        </p:nvSpPr>
+        <p:spPr/>
+        <p:txBody>
+          <a:bodyPr/>
+          <a:lstStyle/>
+          <a:p>
+            <a:fld id="{AA6AEB39-020A-432B-83F5-EFCAD66B5A24}" type="slidenum">
+              <a:rPr lang="en-NZ" smtClean="0"/>
+              <a:t>5</a:t>
+            </a:fld>
+            <a:endParaRPr lang="en-NZ"/>
+          </a:p>
+        </p:txBody>
+      </p:sp>
+    </p:spTree>
+    <p:extLst>
+      <p:ext uri="{BB962C8B-B14F-4D97-AF65-F5344CB8AC3E}">
+        <p14:creationId xmlns:p14="http://schemas.microsoft.com/office/powerpoint/2010/main" val="460663038"/>
+      </p:ext>
+    </p:extLst>
+  </p:cSld>
+  <p:clrMapOvr>
+    <a:masterClrMapping/>
+  </p:clrMapOvr>
+</p:notes>
+</file>
+
+<file path=ppt/notesSlides/notesSlide3.xml><?xml version="1.0" encoding="utf-8"?>
+<p:notes xmlns:a="http://schemas.openxmlformats.org/drawingml/2006/main" xmlns:r="http://schemas.openxmlformats.org/officeDocument/2006/relationships" xmlns:p="http://schemas.openxmlformats.org/presentationml/2006/main">
+  <p:cSld>
+    <p:spTree>
+      <p:nvGrpSpPr>
+        <p:cNvPr id="1" name=""/>
+        <p:cNvGrpSpPr/>
+        <p:nvPr/>
+      </p:nvGrpSpPr>
+      <p:grpSpPr>
+        <a:xfrm>
+          <a:off x="0" y="0"/>
+          <a:ext cx="0" cy="0"/>
+          <a:chOff x="0" y="0"/>
+          <a:chExt cx="0" cy="0"/>
+        </a:xfrm>
+      </p:grpSpPr>
+      <p:sp>
+        <p:nvSpPr>
+          <p:cNvPr id="2" name="Slide Image Placeholder 1"/>
+          <p:cNvSpPr>
+            <a:spLocks noGrp="1" noRot="1" noChangeAspect="1"/>
+          </p:cNvSpPr>
+          <p:nvPr>
+            <p:ph type="sldImg"/>
+          </p:nvPr>
+        </p:nvSpPr>
+        <p:spPr/>
+      </p:sp>
+      <p:sp>
+        <p:nvSpPr>
+          <p:cNvPr id="3" name="Notes Placeholder 2"/>
+          <p:cNvSpPr>
+            <a:spLocks noGrp="1"/>
+          </p:cNvSpPr>
+          <p:nvPr>
+            <p:ph type="body" idx="1"/>
+          </p:nvPr>
+        </p:nvSpPr>
+        <p:spPr/>
+        <p:txBody>
+          <a:bodyPr/>
+          <a:lstStyle/>
+          <a:p>
+            <a:pPr marL="171450" indent="-171450">
+              <a:buFont typeface="Arial" panose="020B0604020202020204" pitchFamily="34" charset="0"/>
+              <a:buChar char="•"/>
+            </a:pPr>
+            <a:r>
+              <a:rPr lang="en-NZ" dirty="0"/>
+              <a:t>Watch podcast “CSS Grid Layout Crash Course.mp4”</a:t>
+            </a:r>
+          </a:p>
+        </p:txBody>
+      </p:sp>
+      <p:sp>
+        <p:nvSpPr>
+          <p:cNvPr id="4" name="Slide Number Placeholder 3"/>
+          <p:cNvSpPr>
+            <a:spLocks noGrp="1"/>
+          </p:cNvSpPr>
+          <p:nvPr>
+            <p:ph type="sldNum" sz="quarter" idx="5"/>
+          </p:nvPr>
+        </p:nvSpPr>
+        <p:spPr/>
+        <p:txBody>
+          <a:bodyPr/>
+          <a:lstStyle/>
+          <a:p>
+            <a:fld id="{AA6AEB39-020A-432B-83F5-EFCAD66B5A24}" type="slidenum">
+              <a:rPr lang="en-NZ" smtClean="0"/>
+              <a:t>6</a:t>
+            </a:fld>
+            <a:endParaRPr lang="en-NZ"/>
+          </a:p>
+        </p:txBody>
+      </p:sp>
+    </p:spTree>
+    <p:extLst>
+      <p:ext uri="{BB962C8B-B14F-4D97-AF65-F5344CB8AC3E}">
+        <p14:creationId xmlns:p14="http://schemas.microsoft.com/office/powerpoint/2010/main" val="245842613"/>
+      </p:ext>
+    </p:extLst>
+  </p:cSld>
+  <p:clrMapOvr>
+    <a:masterClrMapping/>
+  </p:clrMapOvr>
+</p:notes>
 </file>
 
 <file path=ppt/slideLayouts/slideLayout1.xml><?xml version="1.0" encoding="utf-8"?>
@@ -8592,55 +9254,67 @@
         <p:spPr/>
         <p:txBody>
           <a:bodyPr>
-            <a:normAutofit/>
+            <a:normAutofit lnSpcReduction="10000"/>
           </a:bodyPr>
           <a:lstStyle/>
           <a:p>
             <a:r>
               <a:rPr lang="en-NZ" dirty="0"/>
-              <a:t>	Inline, Embedded, External CSS</a:t>
+              <a:t> Inline, Embedded, External CSS</a:t>
             </a:r>
           </a:p>
           <a:p>
             <a:r>
               <a:rPr lang="en-NZ" dirty="0"/>
-              <a:t>	Selectors and attributes</a:t>
+              <a:t> Classes &amp; Id’s</a:t>
             </a:r>
           </a:p>
           <a:p>
             <a:r>
               <a:rPr lang="en-NZ" dirty="0"/>
-              <a:t>	Fonts and web safe fonts</a:t>
+              <a:t> Selectors and attributes</a:t>
             </a:r>
           </a:p>
           <a:p>
             <a:r>
               <a:rPr lang="en-NZ" dirty="0"/>
-              <a:t>	Why style the different parts of the site</a:t>
+              <a:t> Fonts and web safe fonts</a:t>
             </a:r>
           </a:p>
           <a:p>
             <a:r>
               <a:rPr lang="en-NZ" dirty="0"/>
-              <a:t>	Colours / Graphics / images formats</a:t>
+              <a:t> Why style the different parts of the site</a:t>
             </a:r>
           </a:p>
           <a:p>
             <a:r>
               <a:rPr lang="en-NZ" dirty="0"/>
-              <a:t>	Inserting graphics into HTML</a:t>
+              <a:t> Colours / Graphics / images formats</a:t>
             </a:r>
           </a:p>
           <a:p>
             <a:r>
               <a:rPr lang="en-NZ" dirty="0"/>
-              <a:t>	Adding background images</a:t>
+              <a:t> Inserting graphics into HTML</a:t>
             </a:r>
           </a:p>
           <a:p>
             <a:r>
               <a:rPr lang="en-NZ" dirty="0"/>
-              <a:t>	Hyperlinks (internal/external)</a:t>
+              <a:t> Adding background images</a:t>
+            </a:r>
+          </a:p>
+          <a:p>
+            <a:r>
+              <a:rPr lang="en-NZ" dirty="0"/>
+              <a:t> Hyperlinks (internal/external)</a:t>
+            </a:r>
+          </a:p>
+          <a:p>
+            <a:r>
+              <a:rPr lang="en-NZ" dirty="0"/>
+              <a:t>Units of measure (1px, 1em, 1%, 1fr)</a:t>
             </a:r>
           </a:p>
         </p:txBody>
@@ -9516,4 +10190,299 @@
     </a:ext>
   </a:extLst>
 </a:theme>
+</file>
+
+<file path=ppt/theme/theme2.xml><?xml version="1.0" encoding="utf-8"?>
+<a:theme xmlns:a="http://schemas.openxmlformats.org/drawingml/2006/main" name="Office Theme">
+  <a:themeElements>
+    <a:clrScheme name="Office">
+      <a:dk1>
+        <a:sysClr val="windowText" lastClr="000000"/>
+      </a:dk1>
+      <a:lt1>
+        <a:sysClr val="window" lastClr="FFFFFF"/>
+      </a:lt1>
+      <a:dk2>
+        <a:srgbClr val="44546A"/>
+      </a:dk2>
+      <a:lt2>
+        <a:srgbClr val="E7E6E6"/>
+      </a:lt2>
+      <a:accent1>
+        <a:srgbClr val="4472C4"/>
+      </a:accent1>
+      <a:accent2>
+        <a:srgbClr val="ED7D31"/>
+      </a:accent2>
+      <a:accent3>
+        <a:srgbClr val="A5A5A5"/>
+      </a:accent3>
+      <a:accent4>
+        <a:srgbClr val="FFC000"/>
+      </a:accent4>
+      <a:accent5>
+        <a:srgbClr val="5B9BD5"/>
+      </a:accent5>
+      <a:accent6>
+        <a:srgbClr val="70AD47"/>
+      </a:accent6>
+      <a:hlink>
+        <a:srgbClr val="0563C1"/>
+      </a:hlink>
+      <a:folHlink>
+        <a:srgbClr val="954F72"/>
+      </a:folHlink>
+    </a:clrScheme>
+    <a:fontScheme name="Office">
+      <a:majorFont>
+        <a:latin typeface="Calibri Light" panose="020F0302020204030204"/>
+        <a:ea typeface=""/>
+        <a:cs typeface=""/>
+        <a:font script="Jpan" typeface="游ゴシック Light"/>
+        <a:font script="Hang" typeface="맑은 고딕"/>
+        <a:font script="Hans" typeface="等线 Light"/>
+        <a:font script="Hant" typeface="新細明體"/>
+        <a:font script="Arab" typeface="Times New Roman"/>
+        <a:font script="Hebr" typeface="Times New Roman"/>
+        <a:font script="Thai" typeface="Angsana New"/>
+        <a:font script="Ethi" typeface="Nyala"/>
+        <a:font script="Beng" typeface="Vrinda"/>
+        <a:font script="Gujr" typeface="Shruti"/>
+        <a:font script="Khmr" typeface="MoolBoran"/>
+        <a:font script="Knda" typeface="Tunga"/>
+        <a:font script="Guru" typeface="Raavi"/>
+        <a:font script="Cans" typeface="Euphemia"/>
+        <a:font script="Cher" typeface="Plantagenet Cherokee"/>
+        <a:font script="Yiii" typeface="Microsoft Yi Baiti"/>
+        <a:font script="Tibt" typeface="Microsoft Himalaya"/>
+        <a:font script="Thaa" typeface="MV Boli"/>
+        <a:font script="Deva" typeface="Mangal"/>
+        <a:font script="Telu" typeface="Gautami"/>
+        <a:font script="Taml" typeface="Latha"/>
+        <a:font script="Syrc" typeface="Estrangelo Edessa"/>
+        <a:font script="Orya" typeface="Kalinga"/>
+        <a:font script="Mlym" typeface="Kartika"/>
+        <a:font script="Laoo" typeface="DokChampa"/>
+        <a:font script="Sinh" typeface="Iskoola Pota"/>
+        <a:font script="Mong" typeface="Mongolian Baiti"/>
+        <a:font script="Viet" typeface="Times New Roman"/>
+        <a:font script="Uigh" typeface="Microsoft Uighur"/>
+        <a:font script="Geor" typeface="Sylfaen"/>
+        <a:font script="Armn" typeface="Arial"/>
+        <a:font script="Bugi" typeface="Leelawadee UI"/>
+        <a:font script="Bopo" typeface="Microsoft JhengHei"/>
+        <a:font script="Java" typeface="Javanese Text"/>
+        <a:font script="Lisu" typeface="Segoe UI"/>
+        <a:font script="Mymr" typeface="Myanmar Text"/>
+        <a:font script="Nkoo" typeface="Ebrima"/>
+        <a:font script="Olck" typeface="Nirmala UI"/>
+        <a:font script="Osma" typeface="Ebrima"/>
+        <a:font script="Phag" typeface="Phagspa"/>
+        <a:font script="Syrn" typeface="Estrangelo Edessa"/>
+        <a:font script="Syrj" typeface="Estrangelo Edessa"/>
+        <a:font script="Syre" typeface="Estrangelo Edessa"/>
+        <a:font script="Sora" typeface="Nirmala UI"/>
+        <a:font script="Tale" typeface="Microsoft Tai Le"/>
+        <a:font script="Talu" typeface="Microsoft New Tai Lue"/>
+        <a:font script="Tfng" typeface="Ebrima"/>
+      </a:majorFont>
+      <a:minorFont>
+        <a:latin typeface="Calibri" panose="020F0502020204030204"/>
+        <a:ea typeface=""/>
+        <a:cs typeface=""/>
+        <a:font script="Jpan" typeface="游ゴシック"/>
+        <a:font script="Hang" typeface="맑은 고딕"/>
+        <a:font script="Hans" typeface="等线"/>
+        <a:font script="Hant" typeface="新細明體"/>
+        <a:font script="Arab" typeface="Arial"/>
+        <a:font script="Hebr" typeface="Arial"/>
+        <a:font script="Thai" typeface="Cordia New"/>
+        <a:font script="Ethi" typeface="Nyala"/>
+        <a:font script="Beng" typeface="Vrinda"/>
+        <a:font script="Gujr" typeface="Shruti"/>
+        <a:font script="Khmr" typeface="DaunPenh"/>
+        <a:font script="Knda" typeface="Tunga"/>
+        <a:font script="Guru" typeface="Raavi"/>
+        <a:font script="Cans" typeface="Euphemia"/>
+        <a:font script="Cher" typeface="Plantagenet Cherokee"/>
+        <a:font script="Yiii" typeface="Microsoft Yi Baiti"/>
+        <a:font script="Tibt" typeface="Microsoft Himalaya"/>
+        <a:font script="Thaa" typeface="MV Boli"/>
+        <a:font script="Deva" typeface="Mangal"/>
+        <a:font script="Telu" typeface="Gautami"/>
+        <a:font script="Taml" typeface="Latha"/>
+        <a:font script="Syrc" typeface="Estrangelo Edessa"/>
+        <a:font script="Orya" typeface="Kalinga"/>
+        <a:font script="Mlym" typeface="Kartika"/>
+        <a:font script="Laoo" typeface="DokChampa"/>
+        <a:font script="Sinh" typeface="Iskoola Pota"/>
+        <a:font script="Mong" typeface="Mongolian Baiti"/>
+        <a:font script="Viet" typeface="Arial"/>
+        <a:font script="Uigh" typeface="Microsoft Uighur"/>
+        <a:font script="Geor" typeface="Sylfaen"/>
+        <a:font script="Armn" typeface="Arial"/>
+        <a:font script="Bugi" typeface="Leelawadee UI"/>
+        <a:font script="Bopo" typeface="Microsoft JhengHei"/>
+        <a:font script="Java" typeface="Javanese Text"/>
+        <a:font script="Lisu" typeface="Segoe UI"/>
+        <a:font script="Mymr" typeface="Myanmar Text"/>
+        <a:font script="Nkoo" typeface="Ebrima"/>
+        <a:font script="Olck" typeface="Nirmala UI"/>
+        <a:font script="Osma" typeface="Ebrima"/>
+        <a:font script="Phag" typeface="Phagspa"/>
+        <a:font script="Syrn" typeface="Estrangelo Edessa"/>
+        <a:font script="Syrj" typeface="Estrangelo Edessa"/>
+        <a:font script="Syre" typeface="Estrangelo Edessa"/>
+        <a:font script="Sora" typeface="Nirmala UI"/>
+        <a:font script="Tale" typeface="Microsoft Tai Le"/>
+        <a:font script="Talu" typeface="Microsoft New Tai Lue"/>
+        <a:font script="Tfng" typeface="Ebrima"/>
+      </a:minorFont>
+    </a:fontScheme>
+    <a:fmtScheme name="Office">
+      <a:fillStyleLst>
+        <a:solidFill>
+          <a:schemeClr val="phClr"/>
+        </a:solidFill>
+        <a:gradFill rotWithShape="1">
+          <a:gsLst>
+            <a:gs pos="0">
+              <a:schemeClr val="phClr">
+                <a:lumMod val="110000"/>
+                <a:satMod val="105000"/>
+                <a:tint val="67000"/>
+              </a:schemeClr>
+            </a:gs>
+            <a:gs pos="50000">
+              <a:schemeClr val="phClr">
+                <a:lumMod val="105000"/>
+                <a:satMod val="103000"/>
+                <a:tint val="73000"/>
+              </a:schemeClr>
+            </a:gs>
+            <a:gs pos="100000">
+              <a:schemeClr val="phClr">
+                <a:lumMod val="105000"/>
+                <a:satMod val="109000"/>
+                <a:tint val="81000"/>
+              </a:schemeClr>
+            </a:gs>
+          </a:gsLst>
+          <a:lin ang="5400000" scaled="0"/>
+        </a:gradFill>
+        <a:gradFill rotWithShape="1">
+          <a:gsLst>
+            <a:gs pos="0">
+              <a:schemeClr val="phClr">
+                <a:satMod val="103000"/>
+                <a:lumMod val="102000"/>
+                <a:tint val="94000"/>
+              </a:schemeClr>
+            </a:gs>
+            <a:gs pos="50000">
+              <a:schemeClr val="phClr">
+                <a:satMod val="110000"/>
+                <a:lumMod val="100000"/>
+                <a:shade val="100000"/>
+              </a:schemeClr>
+            </a:gs>
+            <a:gs pos="100000">
+              <a:schemeClr val="phClr">
+                <a:lumMod val="99000"/>
+                <a:satMod val="120000"/>
+                <a:shade val="78000"/>
+              </a:schemeClr>
+            </a:gs>
+          </a:gsLst>
+          <a:lin ang="5400000" scaled="0"/>
+        </a:gradFill>
+      </a:fillStyleLst>
+      <a:lnStyleLst>
+        <a:ln w="6350" cap="flat" cmpd="sng" algn="ctr">
+          <a:solidFill>
+            <a:schemeClr val="phClr"/>
+          </a:solidFill>
+          <a:prstDash val="solid"/>
+          <a:miter lim="800000"/>
+        </a:ln>
+        <a:ln w="12700" cap="flat" cmpd="sng" algn="ctr">
+          <a:solidFill>
+            <a:schemeClr val="phClr"/>
+          </a:solidFill>
+          <a:prstDash val="solid"/>
+          <a:miter lim="800000"/>
+        </a:ln>
+        <a:ln w="19050" cap="flat" cmpd="sng" algn="ctr">
+          <a:solidFill>
+            <a:schemeClr val="phClr"/>
+          </a:solidFill>
+          <a:prstDash val="solid"/>
+          <a:miter lim="800000"/>
+        </a:ln>
+      </a:lnStyleLst>
+      <a:effectStyleLst>
+        <a:effectStyle>
+          <a:effectLst/>
+        </a:effectStyle>
+        <a:effectStyle>
+          <a:effectLst/>
+        </a:effectStyle>
+        <a:effectStyle>
+          <a:effectLst>
+            <a:outerShdw blurRad="57150" dist="19050" dir="5400000" algn="ctr" rotWithShape="0">
+              <a:srgbClr val="000000">
+                <a:alpha val="63000"/>
+              </a:srgbClr>
+            </a:outerShdw>
+          </a:effectLst>
+        </a:effectStyle>
+      </a:effectStyleLst>
+      <a:bgFillStyleLst>
+        <a:solidFill>
+          <a:schemeClr val="phClr"/>
+        </a:solidFill>
+        <a:solidFill>
+          <a:schemeClr val="phClr">
+            <a:tint val="95000"/>
+            <a:satMod val="170000"/>
+          </a:schemeClr>
+        </a:solidFill>
+        <a:gradFill rotWithShape="1">
+          <a:gsLst>
+            <a:gs pos="0">
+              <a:schemeClr val="phClr">
+                <a:tint val="93000"/>
+                <a:satMod val="150000"/>
+                <a:shade val="98000"/>
+                <a:lumMod val="102000"/>
+              </a:schemeClr>
+            </a:gs>
+            <a:gs pos="50000">
+              <a:schemeClr val="phClr">
+                <a:tint val="98000"/>
+                <a:satMod val="130000"/>
+                <a:shade val="90000"/>
+                <a:lumMod val="103000"/>
+              </a:schemeClr>
+            </a:gs>
+            <a:gs pos="100000">
+              <a:schemeClr val="phClr">
+                <a:shade val="63000"/>
+                <a:satMod val="120000"/>
+              </a:schemeClr>
+            </a:gs>
+          </a:gsLst>
+          <a:lin ang="5400000" scaled="0"/>
+        </a:gradFill>
+      </a:bgFillStyleLst>
+    </a:fmtScheme>
+  </a:themeElements>
+  <a:objectDefaults/>
+  <a:extraClrSchemeLst/>
+  <a:extLst>
+    <a:ext uri="{05A4C25C-085E-4340-85A3-A5531E510DB2}">
+      <thm15:themeFamily xmlns:thm15="http://schemas.microsoft.com/office/thememl/2012/main" name="Office Theme" id="{62F939B6-93AF-4DB8-9C6B-D6C7DFDC589F}" vid="{4A3C46E8-61CC-4603-A589-7422A47A8E4A}"/>
+    </a:ext>
+  </a:extLst>
+</a:theme>
 </file>
--- a/(private) Tutor/Web Design - the Course.pptx
+++ b/(private) Tutor/Web Design - the Course.pptx
@@ -119,6 +119,9 @@
     <p:ext uri="{EFAFB233-063F-42B5-8137-9DF3F51BA10A}">
       <p15:sldGuideLst xmlns:p15="http://schemas.microsoft.com/office/powerpoint/2012/main"/>
     </p:ext>
+    <p:ext uri="{2D200454-40CA-4A62-9FC3-DE9A4176ACB9}">
+      <p15:notesGuideLst xmlns:p15="http://schemas.microsoft.com/office/powerpoint/2012/main"/>
+    </p:ext>
   </p:extLst>
 </p:presentation>
 </file>
@@ -138,7 +141,7 @@
 <file path=ppt/revisionInfo.xml><?xml version="1.0" encoding="utf-8"?>
 <p1510:revInfo xmlns:a="http://schemas.openxmlformats.org/drawingml/2006/main" xmlns:r="http://schemas.openxmlformats.org/officeDocument/2006/relationships" xmlns:p1510="http://schemas.microsoft.com/office/powerpoint/2015/10/main">
   <p1510:revLst>
-    <p1510:client id="{13E0F5FE-A7BD-43CB-BA26-0842A12E9231}" v="35" dt="2018-12-22T17:30:13.794"/>
+    <p1510:client id="{13E0F5FE-A7BD-43CB-BA26-0842A12E9231}" v="95" dt="2019-01-03T15:51:16.503"/>
   </p1510:revLst>
 </p1510:revInfo>
 </file>
@@ -148,7 +151,7 @@
   <pc:docChgLst>
     <pc:chgData name="Bruno Ferreira" userId="e06035ac-618b-470a-999a-b40cdd1b6397" providerId="ADAL" clId="{13E0F5FE-A7BD-43CB-BA26-0842A12E9231}"/>
     <pc:docChg chg="undo custSel addSld delSld modSld modNotesMaster">
-      <pc:chgData name="Bruno Ferreira" userId="e06035ac-618b-470a-999a-b40cdd1b6397" providerId="ADAL" clId="{13E0F5FE-A7BD-43CB-BA26-0842A12E9231}" dt="2018-12-22T17:38:00.941" v="1349" actId="20577"/>
+      <pc:chgData name="Bruno Ferreira" userId="e06035ac-618b-470a-999a-b40cdd1b6397" providerId="ADAL" clId="{13E0F5FE-A7BD-43CB-BA26-0842A12E9231}" dt="2019-01-02T18:20:42.403" v="1362"/>
       <pc:docMkLst>
         <pc:docMk/>
       </pc:docMkLst>
@@ -269,7 +272,7 @@
         </pc:spChg>
       </pc:sldChg>
       <pc:sldChg chg="addSp modSp">
-        <pc:chgData name="Bruno Ferreira" userId="e06035ac-618b-470a-999a-b40cdd1b6397" providerId="ADAL" clId="{13E0F5FE-A7BD-43CB-BA26-0842A12E9231}" dt="2018-12-22T16:51:40.479" v="880" actId="20577"/>
+        <pc:chgData name="Bruno Ferreira" userId="e06035ac-618b-470a-999a-b40cdd1b6397" providerId="ADAL" clId="{13E0F5FE-A7BD-43CB-BA26-0842A12E9231}" dt="2019-01-02T18:14:40.721" v="1360"/>
         <pc:sldMkLst>
           <pc:docMk/>
           <pc:sldMk cId="614287263" sldId="260"/>
@@ -283,7 +286,7 @@
           </ac:spMkLst>
         </pc:spChg>
         <pc:spChg chg="mod">
-          <ac:chgData name="Bruno Ferreira" userId="e06035ac-618b-470a-999a-b40cdd1b6397" providerId="ADAL" clId="{13E0F5FE-A7BD-43CB-BA26-0842A12E9231}" dt="2018-12-22T16:46:51.205" v="866" actId="20577"/>
+          <ac:chgData name="Bruno Ferreira" userId="e06035ac-618b-470a-999a-b40cdd1b6397" providerId="ADAL" clId="{13E0F5FE-A7BD-43CB-BA26-0842A12E9231}" dt="2019-01-02T18:14:40.721" v="1360"/>
           <ac:spMkLst>
             <pc:docMk/>
             <pc:sldMk cId="614287263" sldId="260"/>
@@ -330,13 +333,6 @@
           </ac:spMkLst>
         </pc:spChg>
       </pc:sldChg>
-      <pc:sldChg chg="del">
-        <pc:chgData name="Bruno Ferreira" userId="e06035ac-618b-470a-999a-b40cdd1b6397" providerId="ADAL" clId="{13E0F5FE-A7BD-43CB-BA26-0842A12E9231}" dt="2018-12-22T16:24:18.865" v="167" actId="2696"/>
-        <pc:sldMkLst>
-          <pc:docMk/>
-          <pc:sldMk cId="701397642" sldId="262"/>
-        </pc:sldMkLst>
-      </pc:sldChg>
       <pc:sldChg chg="addSp modSp">
         <pc:chgData name="Bruno Ferreira" userId="e06035ac-618b-470a-999a-b40cdd1b6397" providerId="ADAL" clId="{13E0F5FE-A7BD-43CB-BA26-0842A12E9231}" dt="2018-12-22T16:51:55.079" v="882" actId="20577"/>
         <pc:sldMkLst>
@@ -369,13 +365,13 @@
         </pc:spChg>
       </pc:sldChg>
       <pc:sldChg chg="modSp">
-        <pc:chgData name="Bruno Ferreira" userId="e06035ac-618b-470a-999a-b40cdd1b6397" providerId="ADAL" clId="{13E0F5FE-A7BD-43CB-BA26-0842A12E9231}" dt="2018-12-22T16:45:09.094" v="785" actId="20577"/>
+        <pc:chgData name="Bruno Ferreira" userId="e06035ac-618b-470a-999a-b40cdd1b6397" providerId="ADAL" clId="{13E0F5FE-A7BD-43CB-BA26-0842A12E9231}" dt="2019-01-02T18:20:42.403" v="1362"/>
         <pc:sldMkLst>
           <pc:docMk/>
           <pc:sldMk cId="1669805612" sldId="264"/>
         </pc:sldMkLst>
         <pc:spChg chg="mod">
-          <ac:chgData name="Bruno Ferreira" userId="e06035ac-618b-470a-999a-b40cdd1b6397" providerId="ADAL" clId="{13E0F5FE-A7BD-43CB-BA26-0842A12E9231}" dt="2018-12-22T16:45:09.094" v="785" actId="20577"/>
+          <ac:chgData name="Bruno Ferreira" userId="e06035ac-618b-470a-999a-b40cdd1b6397" providerId="ADAL" clId="{13E0F5FE-A7BD-43CB-BA26-0842A12E9231}" dt="2019-01-02T18:20:42.403" v="1362"/>
           <ac:spMkLst>
             <pc:docMk/>
             <pc:sldMk cId="1669805612" sldId="264"/>
@@ -413,6 +409,13 @@
             <ac:spMk id="4" creationId="{F63419ED-0D20-4F68-871F-E84CED6AA58C}"/>
           </ac:spMkLst>
         </pc:spChg>
+      </pc:sldChg>
+      <pc:sldChg chg="add">
+        <pc:chgData name="Bruno Ferreira" userId="e06035ac-618b-470a-999a-b40cdd1b6397" providerId="ADAL" clId="{13E0F5FE-A7BD-43CB-BA26-0842A12E9231}" dt="2019-01-02T15:24:43.185" v="1350"/>
+        <pc:sldMkLst>
+          <pc:docMk/>
+          <pc:sldMk cId="2493794739" sldId="266"/>
+        </pc:sldMkLst>
       </pc:sldChg>
     </pc:docChg>
   </pc:docChgLst>
@@ -525,7 +528,7 @@
           <a:p>
             <a:fld id="{5B676EBF-CB16-4FAA-8958-8D96423B0B15}" type="datetimeFigureOut">
               <a:rPr lang="en-NZ" smtClean="0"/>
-              <a:t>22/12/2018</a:t>
+              <a:t>3/01/2019</a:t>
             </a:fld>
             <a:endParaRPr lang="en-NZ"/>
           </a:p>
@@ -858,7 +861,7 @@
           <a:p>
             <a:fld id="{AA6AEB39-020A-432B-83F5-EFCAD66B5A24}" type="slidenum">
               <a:rPr lang="en-NZ" smtClean="0"/>
-              <a:t>4</a:t>
+              <a:t>1</a:t>
             </a:fld>
             <a:endParaRPr lang="en-NZ"/>
           </a:p>
@@ -867,7 +870,7 @@
     </p:spTree>
     <p:extLst>
       <p:ext uri="{BB962C8B-B14F-4D97-AF65-F5344CB8AC3E}">
-        <p14:creationId xmlns:p14="http://schemas.microsoft.com/office/powerpoint/2010/main" val="3038168858"/>
+        <p14:creationId xmlns:p14="http://schemas.microsoft.com/office/powerpoint/2010/main" val="817662365"/>
       </p:ext>
     </p:extLst>
   </p:cSld>
@@ -921,44 +924,6 @@
           <a:bodyPr/>
           <a:lstStyle/>
           <a:p>
-            <a:pPr marL="171450" indent="-171450">
-              <a:buFont typeface="Arial" panose="020B0604020202020204" pitchFamily="34" charset="0"/>
-              <a:buChar char="•"/>
-            </a:pPr>
-            <a:r>
-              <a:rPr lang="en-NZ" dirty="0"/>
-              <a:t>affecting of specific selectors/objects - </a:t>
-            </a:r>
-            <a:r>
-              <a:rPr lang="en-NZ" dirty="0" err="1"/>
-              <a:t>ie</a:t>
-            </a:r>
-            <a:r>
-              <a:rPr lang="en-NZ" dirty="0"/>
-              <a:t>: “.class &gt; tag: (further options such as nth-child(odd))”</a:t>
-            </a:r>
-          </a:p>
-          <a:p>
-            <a:pPr marL="171450" indent="-171450">
-              <a:buFont typeface="Arial" panose="020B0604020202020204" pitchFamily="34" charset="0"/>
-              <a:buChar char="•"/>
-            </a:pPr>
-            <a:r>
-              <a:rPr lang="en-NZ" dirty="0"/>
-              <a:t>Using fractions (</a:t>
-            </a:r>
-            <a:r>
-              <a:rPr lang="en-NZ" dirty="0" err="1"/>
-              <a:t>fr</a:t>
-            </a:r>
-            <a:r>
-              <a:rPr lang="en-NZ" dirty="0"/>
-              <a:t>) as a measurement is useful when laying out a page using </a:t>
-            </a:r>
-            <a:r>
-              <a:rPr lang="en-NZ"/>
-              <a:t>CSS Grid</a:t>
-            </a:r>
             <a:endParaRPr lang="en-NZ" dirty="0"/>
           </a:p>
         </p:txBody>
@@ -980,7 +945,7 @@
           <a:p>
             <a:fld id="{AA6AEB39-020A-432B-83F5-EFCAD66B5A24}" type="slidenum">
               <a:rPr lang="en-NZ" smtClean="0"/>
-              <a:t>5</a:t>
+              <a:t>2</a:t>
             </a:fld>
             <a:endParaRPr lang="en-NZ"/>
           </a:p>
@@ -989,7 +954,7 @@
     </p:spTree>
     <p:extLst>
       <p:ext uri="{BB962C8B-B14F-4D97-AF65-F5344CB8AC3E}">
-        <p14:creationId xmlns:p14="http://schemas.microsoft.com/office/powerpoint/2010/main" val="460663038"/>
+        <p14:creationId xmlns:p14="http://schemas.microsoft.com/office/powerpoint/2010/main" val="2753547213"/>
       </p:ext>
     </p:extLst>
   </p:cSld>
@@ -1049,8 +1014,282 @@
             </a:pPr>
             <a:r>
               <a:rPr lang="en-NZ" dirty="0"/>
-              <a:t>Watch podcast “CSS Grid Layout Crash Course.mp4”</a:t>
-            </a:r>
+              <a:t>Explain what is HTML</a:t>
+            </a:r>
+          </a:p>
+          <a:p>
+            <a:pPr marL="0" indent="0">
+              <a:buFont typeface="Arial" panose="020B0604020202020204" pitchFamily="34" charset="0"/>
+              <a:buNone/>
+            </a:pPr>
+            <a:endParaRPr lang="en-NZ" dirty="0"/>
+          </a:p>
+          <a:p>
+            <a:pPr marL="628650" lvl="1" indent="-171450">
+              <a:buFont typeface="Arial" panose="020B0604020202020204" pitchFamily="34" charset="0"/>
+              <a:buChar char="•"/>
+            </a:pPr>
+            <a:r>
+              <a:rPr lang="en-NZ" dirty="0"/>
+              <a:t>strict presentation with no programming logic</a:t>
+            </a:r>
+          </a:p>
+          <a:p>
+            <a:pPr marL="628650" lvl="1" indent="-171450">
+              <a:buFont typeface="Arial" panose="020B0604020202020204" pitchFamily="34" charset="0"/>
+              <a:buChar char="•"/>
+            </a:pPr>
+            <a:r>
+              <a:rPr lang="en-NZ" dirty="0"/>
+              <a:t>Used to display content in the browser</a:t>
+            </a:r>
+          </a:p>
+          <a:p>
+            <a:pPr marL="457200" lvl="1" indent="0">
+              <a:buFont typeface="Arial" panose="020B0604020202020204" pitchFamily="34" charset="0"/>
+              <a:buNone/>
+            </a:pPr>
+            <a:endParaRPr lang="en-NZ" dirty="0"/>
+          </a:p>
+          <a:p>
+            <a:pPr marL="171450" lvl="0" indent="-171450">
+              <a:buFont typeface="Arial" panose="020B0604020202020204" pitchFamily="34" charset="0"/>
+              <a:buChar char="•"/>
+            </a:pPr>
+            <a:r>
+              <a:rPr lang="en-NZ" dirty="0"/>
+              <a:t>What is needed to start with HTML:</a:t>
+            </a:r>
+          </a:p>
+          <a:p>
+            <a:pPr marL="171450" lvl="0" indent="-171450">
+              <a:buFont typeface="Arial" panose="020B0604020202020204" pitchFamily="34" charset="0"/>
+              <a:buChar char="•"/>
+            </a:pPr>
+            <a:endParaRPr lang="en-NZ" dirty="0"/>
+          </a:p>
+          <a:p>
+            <a:pPr marL="628650" lvl="1" indent="-171450">
+              <a:buFont typeface="Arial" panose="020B0604020202020204" pitchFamily="34" charset="0"/>
+              <a:buChar char="•"/>
+            </a:pPr>
+            <a:r>
+              <a:rPr lang="en-NZ" dirty="0"/>
+              <a:t>A browser (Chrome, </a:t>
+            </a:r>
+            <a:r>
+              <a:rPr lang="en-NZ" dirty="0" err="1"/>
+              <a:t>FireFox</a:t>
+            </a:r>
+            <a:r>
+              <a:rPr lang="en-NZ" dirty="0"/>
+              <a:t>, etc)</a:t>
+            </a:r>
+          </a:p>
+          <a:p>
+            <a:pPr marL="628650" lvl="1" indent="-171450">
+              <a:buFont typeface="Arial" panose="020B0604020202020204" pitchFamily="34" charset="0"/>
+              <a:buChar char="•"/>
+            </a:pPr>
+            <a:r>
+              <a:rPr lang="en-NZ" dirty="0"/>
+              <a:t>Any text editor of preferred choice - we’ll be installing Sublime Text</a:t>
+            </a:r>
+          </a:p>
+          <a:p>
+            <a:pPr marL="628650" lvl="1" indent="-171450">
+              <a:buFont typeface="Arial" panose="020B0604020202020204" pitchFamily="34" charset="0"/>
+              <a:buChar char="•"/>
+            </a:pPr>
+            <a:r>
+              <a:rPr lang="en-NZ" dirty="0"/>
+              <a:t>Does not need a Server to run.</a:t>
+            </a:r>
+          </a:p>
+          <a:p>
+            <a:pPr marL="628650" lvl="1" indent="-171450">
+              <a:buFont typeface="Arial" panose="020B0604020202020204" pitchFamily="34" charset="0"/>
+              <a:buChar char="•"/>
+            </a:pPr>
+            <a:r>
+              <a:rPr lang="en-NZ" dirty="0"/>
+              <a:t>(typically) created a index.html to use as home</a:t>
+            </a:r>
+          </a:p>
+          <a:p>
+            <a:pPr marL="628650" lvl="1" indent="-171450">
+              <a:buFont typeface="Arial" panose="020B0604020202020204" pitchFamily="34" charset="0"/>
+              <a:buChar char="•"/>
+            </a:pPr>
+            <a:endParaRPr lang="en-NZ" dirty="0"/>
+          </a:p>
+          <a:p>
+            <a:pPr marL="171450" lvl="0" indent="-171450">
+              <a:buFont typeface="Arial" panose="020B0604020202020204" pitchFamily="34" charset="0"/>
+              <a:buChar char="•"/>
+            </a:pPr>
+            <a:r>
+              <a:rPr lang="en-NZ" dirty="0"/>
+              <a:t>Explain what is a HTML Tag</a:t>
+            </a:r>
+          </a:p>
+          <a:p>
+            <a:pPr marL="171450" lvl="0" indent="-171450">
+              <a:buFont typeface="Arial" panose="020B0604020202020204" pitchFamily="34" charset="0"/>
+              <a:buChar char="•"/>
+            </a:pPr>
+            <a:endParaRPr lang="en-NZ" dirty="0"/>
+          </a:p>
+          <a:p>
+            <a:pPr marL="628650" lvl="1" indent="-171450">
+              <a:buFont typeface="Arial" panose="020B0604020202020204" pitchFamily="34" charset="0"/>
+              <a:buChar char="•"/>
+            </a:pPr>
+            <a:r>
+              <a:rPr lang="en-NZ" dirty="0"/>
+              <a:t>Use &lt;&gt; to surround the tag name</a:t>
+            </a:r>
+          </a:p>
+          <a:p>
+            <a:pPr marL="628650" lvl="1" indent="-171450">
+              <a:buFont typeface="Arial" panose="020B0604020202020204" pitchFamily="34" charset="0"/>
+              <a:buChar char="•"/>
+            </a:pPr>
+            <a:r>
+              <a:rPr lang="en-NZ" dirty="0"/>
+              <a:t>Tags normally come in pairs: start and end tag.</a:t>
+            </a:r>
+          </a:p>
+          <a:p>
+            <a:pPr marL="628650" lvl="1" indent="-171450">
+              <a:buFont typeface="Arial" panose="020B0604020202020204" pitchFamily="34" charset="0"/>
+              <a:buChar char="•"/>
+            </a:pPr>
+            <a:r>
+              <a:rPr lang="en-NZ" dirty="0"/>
+              <a:t>There’s exceptions of tag that only require a single tag (to open)</a:t>
+            </a:r>
+          </a:p>
+          <a:p>
+            <a:pPr marL="628650" lvl="1" indent="-171450">
+              <a:buFont typeface="Arial" panose="020B0604020202020204" pitchFamily="34" charset="0"/>
+              <a:buChar char="•"/>
+            </a:pPr>
+            <a:r>
+              <a:rPr lang="en-NZ" dirty="0"/>
+              <a:t>Explain that Tags may have attributes such as styling</a:t>
+            </a:r>
+          </a:p>
+          <a:p>
+            <a:pPr marL="457200" lvl="1" indent="0">
+              <a:buFont typeface="Arial" panose="020B0604020202020204" pitchFamily="34" charset="0"/>
+              <a:buNone/>
+            </a:pPr>
+            <a:endParaRPr lang="en-NZ" dirty="0"/>
+          </a:p>
+          <a:p>
+            <a:pPr marL="171450" lvl="0" indent="-171450">
+              <a:buFont typeface="Arial" panose="020B0604020202020204" pitchFamily="34" charset="0"/>
+              <a:buChar char="•"/>
+            </a:pPr>
+            <a:r>
+              <a:rPr lang="en-NZ" dirty="0"/>
+              <a:t>Explain the structure of a HTML Document (probably need a slide for this)</a:t>
+            </a:r>
+          </a:p>
+          <a:p>
+            <a:pPr marL="0" lvl="0" indent="0">
+              <a:buFont typeface="Arial" panose="020B0604020202020204" pitchFamily="34" charset="0"/>
+              <a:buNone/>
+            </a:pPr>
+            <a:endParaRPr lang="en-NZ" dirty="0"/>
+          </a:p>
+          <a:p>
+            <a:pPr marL="628650" lvl="1" indent="-171450">
+              <a:buFont typeface="Arial" panose="020B0604020202020204" pitchFamily="34" charset="0"/>
+              <a:buChar char="•"/>
+            </a:pPr>
+            <a:r>
+              <a:rPr lang="en-NZ" dirty="0"/>
+              <a:t>HTML</a:t>
+            </a:r>
+          </a:p>
+          <a:p>
+            <a:pPr marL="1085850" lvl="2" indent="-171450">
+              <a:buFont typeface="Arial" panose="020B0604020202020204" pitchFamily="34" charset="0"/>
+              <a:buChar char="•"/>
+            </a:pPr>
+            <a:r>
+              <a:rPr lang="en-NZ" dirty="0"/>
+              <a:t>Head</a:t>
+            </a:r>
+          </a:p>
+          <a:p>
+            <a:pPr marL="1543050" lvl="3" indent="-171450">
+              <a:buFont typeface="Arial" panose="020B0604020202020204" pitchFamily="34" charset="0"/>
+              <a:buChar char="•"/>
+            </a:pPr>
+            <a:r>
+              <a:rPr lang="en-NZ" dirty="0"/>
+              <a:t>Title</a:t>
+            </a:r>
+          </a:p>
+          <a:p>
+            <a:pPr marL="1543050" lvl="3" indent="-171450">
+              <a:buFont typeface="Arial" panose="020B0604020202020204" pitchFamily="34" charset="0"/>
+              <a:buChar char="•"/>
+            </a:pPr>
+            <a:r>
+              <a:rPr lang="en-NZ" dirty="0"/>
+              <a:t>Meta tags</a:t>
+            </a:r>
+          </a:p>
+          <a:p>
+            <a:pPr marL="1543050" lvl="3" indent="-171450">
+              <a:buFont typeface="Arial" panose="020B0604020202020204" pitchFamily="34" charset="0"/>
+              <a:buChar char="•"/>
+            </a:pPr>
+            <a:r>
+              <a:rPr lang="en-NZ" dirty="0"/>
+              <a:t>Links</a:t>
+            </a:r>
+          </a:p>
+          <a:p>
+            <a:pPr marL="1543050" lvl="3" indent="-171450">
+              <a:buFont typeface="Arial" panose="020B0604020202020204" pitchFamily="34" charset="0"/>
+              <a:buChar char="•"/>
+            </a:pPr>
+            <a:r>
+              <a:rPr lang="en-NZ" dirty="0"/>
+              <a:t>Scripts</a:t>
+            </a:r>
+          </a:p>
+          <a:p>
+            <a:pPr marL="1085850" lvl="2" indent="-171450">
+              <a:buFont typeface="Arial" panose="020B0604020202020204" pitchFamily="34" charset="0"/>
+              <a:buChar char="•"/>
+            </a:pPr>
+            <a:r>
+              <a:rPr lang="en-NZ" dirty="0"/>
+              <a:t>Body</a:t>
+            </a:r>
+          </a:p>
+          <a:p>
+            <a:pPr marL="1543050" lvl="3" indent="-171450">
+              <a:buFont typeface="Arial" panose="020B0604020202020204" pitchFamily="34" charset="0"/>
+              <a:buChar char="•"/>
+            </a:pPr>
+            <a:r>
+              <a:rPr lang="en-NZ" dirty="0"/>
+              <a:t>All the specific HTML tags (covered next)</a:t>
+            </a:r>
+          </a:p>
+          <a:p>
+            <a:pPr marL="171450" indent="-171450">
+              <a:buFont typeface="Arial" panose="020B0604020202020204" pitchFamily="34" charset="0"/>
+              <a:buChar char="•"/>
+            </a:pPr>
+            <a:endParaRPr lang="en-NZ" dirty="0"/>
           </a:p>
         </p:txBody>
       </p:sp>
@@ -1071,6 +1310,3120 @@
           <a:p>
             <a:fld id="{AA6AEB39-020A-432B-83F5-EFCAD66B5A24}" type="slidenum">
               <a:rPr lang="en-NZ" smtClean="0"/>
+              <a:t>3</a:t>
+            </a:fld>
+            <a:endParaRPr lang="en-NZ"/>
+          </a:p>
+        </p:txBody>
+      </p:sp>
+    </p:spTree>
+    <p:extLst>
+      <p:ext uri="{BB962C8B-B14F-4D97-AF65-F5344CB8AC3E}">
+        <p14:creationId xmlns:p14="http://schemas.microsoft.com/office/powerpoint/2010/main" val="1790994374"/>
+      </p:ext>
+    </p:extLst>
+  </p:cSld>
+  <p:clrMapOvr>
+    <a:masterClrMapping/>
+  </p:clrMapOvr>
+</p:notes>
+</file>
+
+<file path=ppt/notesSlides/notesSlide4.xml><?xml version="1.0" encoding="utf-8"?>
+<p:notes xmlns:a="http://schemas.openxmlformats.org/drawingml/2006/main" xmlns:r="http://schemas.openxmlformats.org/officeDocument/2006/relationships" xmlns:p="http://schemas.openxmlformats.org/presentationml/2006/main">
+  <p:cSld>
+    <p:spTree>
+      <p:nvGrpSpPr>
+        <p:cNvPr id="1" name=""/>
+        <p:cNvGrpSpPr/>
+        <p:nvPr/>
+      </p:nvGrpSpPr>
+      <p:grpSpPr>
+        <a:xfrm>
+          <a:off x="0" y="0"/>
+          <a:ext cx="0" cy="0"/>
+          <a:chOff x="0" y="0"/>
+          <a:chExt cx="0" cy="0"/>
+        </a:xfrm>
+      </p:grpSpPr>
+      <p:sp>
+        <p:nvSpPr>
+          <p:cNvPr id="2" name="Slide Image Placeholder 1"/>
+          <p:cNvSpPr>
+            <a:spLocks noGrp="1" noRot="1" noChangeAspect="1"/>
+          </p:cNvSpPr>
+          <p:nvPr>
+            <p:ph type="sldImg"/>
+          </p:nvPr>
+        </p:nvSpPr>
+        <p:spPr/>
+      </p:sp>
+      <p:sp>
+        <p:nvSpPr>
+          <p:cNvPr id="3" name="Notes Placeholder 2"/>
+          <p:cNvSpPr>
+            <a:spLocks noGrp="1"/>
+          </p:cNvSpPr>
+          <p:nvPr>
+            <p:ph type="body" idx="1"/>
+          </p:nvPr>
+        </p:nvSpPr>
+        <p:spPr/>
+        <p:txBody>
+          <a:bodyPr/>
+          <a:lstStyle/>
+          <a:p>
+            <a:pPr marL="171450" indent="-171450">
+              <a:buFont typeface="Arial" panose="020B0604020202020204" pitchFamily="34" charset="0"/>
+              <a:buChar char="•"/>
+            </a:pPr>
+            <a:r>
+              <a:rPr lang="en-NZ" dirty="0"/>
+              <a:t>Start with a new cheat-sheet from scratch:</a:t>
+            </a:r>
+          </a:p>
+          <a:p>
+            <a:pPr marL="628650" lvl="1" indent="-171450">
+              <a:buFont typeface="Arial" panose="020B0604020202020204" pitchFamily="34" charset="0"/>
+              <a:buChar char="•"/>
+            </a:pPr>
+            <a:endParaRPr lang="en-NZ" dirty="0"/>
+          </a:p>
+          <a:p>
+            <a:pPr marL="457200" lvl="1" indent="0">
+              <a:buFont typeface="Arial" panose="020B0604020202020204" pitchFamily="34" charset="0"/>
+              <a:buNone/>
+            </a:pPr>
+            <a:r>
+              <a:rPr lang="en-NZ" b="1" u="sng" dirty="0"/>
+              <a:t>HTML generic tags:</a:t>
+            </a:r>
+          </a:p>
+          <a:p>
+            <a:pPr marL="628650" lvl="1" indent="-171450">
+              <a:buFont typeface="Arial" panose="020B0604020202020204" pitchFamily="34" charset="0"/>
+              <a:buChar char="•"/>
+            </a:pPr>
+            <a:endParaRPr lang="en-NZ" dirty="0"/>
+          </a:p>
+          <a:p>
+            <a:pPr marL="628650" lvl="1" indent="-171450">
+              <a:buFont typeface="Arial" panose="020B0604020202020204" pitchFamily="34" charset="0"/>
+              <a:buChar char="•"/>
+            </a:pPr>
+            <a:r>
+              <a:rPr lang="en-NZ" dirty="0"/>
+              <a:t>New File called index.html</a:t>
+            </a:r>
+          </a:p>
+          <a:p>
+            <a:pPr marL="628650" lvl="1" indent="-171450">
+              <a:buFont typeface="Arial" panose="020B0604020202020204" pitchFamily="34" charset="0"/>
+              <a:buChar char="•"/>
+            </a:pPr>
+            <a:r>
+              <a:rPr lang="en-NZ" dirty="0" err="1"/>
+              <a:t>DocType</a:t>
+            </a:r>
+            <a:r>
+              <a:rPr lang="en-NZ" dirty="0"/>
+              <a:t>: &lt;!DOCTYPE html&gt;</a:t>
+            </a:r>
+          </a:p>
+          <a:p>
+            <a:pPr marL="628650" lvl="1" indent="-171450">
+              <a:buFont typeface="Arial" panose="020B0604020202020204" pitchFamily="34" charset="0"/>
+              <a:buChar char="•"/>
+            </a:pPr>
+            <a:r>
+              <a:rPr lang="en-NZ" dirty="0"/>
+              <a:t>&lt;head&gt;:</a:t>
+            </a:r>
+          </a:p>
+          <a:p>
+            <a:pPr marL="1085850" lvl="2" indent="-171450">
+              <a:buFont typeface="Arial" panose="020B0604020202020204" pitchFamily="34" charset="0"/>
+              <a:buChar char="•"/>
+            </a:pPr>
+            <a:r>
+              <a:rPr lang="en-NZ" dirty="0"/>
+              <a:t>&lt;title&gt;</a:t>
+            </a:r>
+          </a:p>
+          <a:p>
+            <a:pPr marL="1085850" lvl="2" indent="-171450">
+              <a:buFont typeface="Arial" panose="020B0604020202020204" pitchFamily="34" charset="0"/>
+              <a:buChar char="•"/>
+            </a:pPr>
+            <a:r>
+              <a:rPr lang="en-NZ" dirty="0"/>
+              <a:t>Meta Tags: </a:t>
+            </a:r>
+          </a:p>
+          <a:p>
+            <a:pPr marL="1543050" lvl="3" indent="-171450">
+              <a:buFont typeface="Arial" panose="020B0604020202020204" pitchFamily="34" charset="0"/>
+              <a:buChar char="•"/>
+            </a:pPr>
+            <a:r>
+              <a:rPr lang="en-NZ" sz="1200" b="0" i="0" u="none" strike="noStrike" kern="1200" dirty="0">
+                <a:solidFill>
+                  <a:schemeClr val="tx1"/>
+                </a:solidFill>
+                <a:effectLst/>
+                <a:latin typeface="+mn-lt"/>
+                <a:ea typeface="+mn-ea"/>
+                <a:cs typeface="+mn-cs"/>
+              </a:rPr>
+              <a:t>&lt;meta charset="UTF-8"&gt; </a:t>
+            </a:r>
+          </a:p>
+          <a:p>
+            <a:pPr marL="1543050" lvl="3" indent="-171450">
+              <a:buFont typeface="Arial" panose="020B0604020202020204" pitchFamily="34" charset="0"/>
+              <a:buChar char="•"/>
+            </a:pPr>
+            <a:r>
+              <a:rPr lang="en-NZ" sz="1200" b="0" i="0" u="none" strike="noStrike" kern="1200" dirty="0">
+                <a:solidFill>
+                  <a:schemeClr val="tx1"/>
+                </a:solidFill>
+                <a:effectLst/>
+                <a:latin typeface="+mn-lt"/>
+                <a:ea typeface="+mn-ea"/>
+                <a:cs typeface="+mn-cs"/>
+              </a:rPr>
+              <a:t>&lt;meta name=“description” content=“Awesome Blog </a:t>
+            </a:r>
+            <a:r>
+              <a:rPr lang="en-NZ" sz="1200" b="0" i="0" u="none" strike="noStrike" kern="1200" dirty="0" err="1">
+                <a:solidFill>
+                  <a:schemeClr val="tx1"/>
+                </a:solidFill>
+                <a:effectLst/>
+                <a:latin typeface="+mn-lt"/>
+                <a:ea typeface="+mn-ea"/>
+                <a:cs typeface="+mn-cs"/>
+              </a:rPr>
+              <a:t>bla</a:t>
+            </a:r>
+            <a:r>
+              <a:rPr lang="en-NZ" sz="1200" b="0" i="0" u="none" strike="noStrike" kern="1200" dirty="0">
+                <a:solidFill>
+                  <a:schemeClr val="tx1"/>
+                </a:solidFill>
+                <a:effectLst/>
+                <a:latin typeface="+mn-lt"/>
+                <a:ea typeface="+mn-ea"/>
+                <a:cs typeface="+mn-cs"/>
+              </a:rPr>
+              <a:t>…”&gt;</a:t>
+            </a:r>
+          </a:p>
+          <a:p>
+            <a:pPr marL="1543050" lvl="3" indent="-171450">
+              <a:buFont typeface="Arial" panose="020B0604020202020204" pitchFamily="34" charset="0"/>
+              <a:buChar char="•"/>
+            </a:pPr>
+            <a:r>
+              <a:rPr lang="en-NZ" sz="1200" b="0" i="0" u="none" strike="noStrike" kern="1200" dirty="0">
+                <a:solidFill>
+                  <a:schemeClr val="tx1"/>
+                </a:solidFill>
+                <a:effectLst/>
+                <a:latin typeface="+mn-lt"/>
+                <a:ea typeface="+mn-ea"/>
+                <a:cs typeface="+mn-cs"/>
+              </a:rPr>
+              <a:t>&lt;meta type=“keywords” content=“web, web design, blog, company name, etc”&gt; (useful for search engines)</a:t>
+            </a:r>
+          </a:p>
+          <a:p>
+            <a:pPr marL="1543050" lvl="3" indent="-171450">
+              <a:buFont typeface="Arial" panose="020B0604020202020204" pitchFamily="34" charset="0"/>
+              <a:buChar char="•"/>
+            </a:pPr>
+            <a:r>
+              <a:rPr lang="en-NZ" sz="1200" b="0" i="0" kern="1200" dirty="0">
+                <a:solidFill>
+                  <a:schemeClr val="tx1"/>
+                </a:solidFill>
+                <a:effectLst/>
+                <a:latin typeface="+mn-lt"/>
+                <a:ea typeface="+mn-ea"/>
+                <a:cs typeface="+mn-cs"/>
+              </a:rPr>
+              <a:t>&lt;link </a:t>
+            </a:r>
+            <a:r>
+              <a:rPr lang="en-NZ" sz="1200" b="0" i="0" kern="1200" dirty="0" err="1">
+                <a:solidFill>
+                  <a:schemeClr val="tx1"/>
+                </a:solidFill>
+                <a:effectLst/>
+                <a:latin typeface="+mn-lt"/>
+                <a:ea typeface="+mn-ea"/>
+                <a:cs typeface="+mn-cs"/>
+              </a:rPr>
+              <a:t>href</a:t>
+            </a:r>
+            <a:r>
+              <a:rPr lang="en-NZ" sz="1200" b="0" i="0" kern="1200" dirty="0">
+                <a:solidFill>
+                  <a:schemeClr val="tx1"/>
+                </a:solidFill>
+                <a:effectLst/>
+                <a:latin typeface="+mn-lt"/>
+                <a:ea typeface="+mn-ea"/>
+                <a:cs typeface="+mn-cs"/>
+              </a:rPr>
+              <a:t>="https://fonts.googleapis.com/</a:t>
+            </a:r>
+            <a:r>
+              <a:rPr lang="en-NZ" sz="1200" b="0" i="0" kern="1200" dirty="0" err="1">
+                <a:solidFill>
+                  <a:schemeClr val="tx1"/>
+                </a:solidFill>
+                <a:effectLst/>
+                <a:latin typeface="+mn-lt"/>
+                <a:ea typeface="+mn-ea"/>
+                <a:cs typeface="+mn-cs"/>
+              </a:rPr>
+              <a:t>css?family</a:t>
+            </a:r>
+            <a:r>
+              <a:rPr lang="en-NZ" sz="1200" b="0" i="0" kern="1200" dirty="0">
+                <a:solidFill>
+                  <a:schemeClr val="tx1"/>
+                </a:solidFill>
+                <a:effectLst/>
+                <a:latin typeface="+mn-lt"/>
+                <a:ea typeface="+mn-ea"/>
+                <a:cs typeface="+mn-cs"/>
+              </a:rPr>
+              <a:t>=</a:t>
+            </a:r>
+            <a:r>
+              <a:rPr lang="en-NZ" sz="1200" b="1" i="0" kern="1200" dirty="0" err="1">
+                <a:solidFill>
+                  <a:schemeClr val="tx1"/>
+                </a:solidFill>
+                <a:effectLst/>
+                <a:latin typeface="+mn-lt"/>
+                <a:ea typeface="+mn-ea"/>
+                <a:cs typeface="+mn-cs"/>
+              </a:rPr>
+              <a:t>Lato</a:t>
+            </a:r>
+            <a:r>
+              <a:rPr lang="en-NZ" sz="1200" b="0" i="0" kern="1200" dirty="0">
+                <a:solidFill>
+                  <a:schemeClr val="tx1"/>
+                </a:solidFill>
+                <a:effectLst/>
+                <a:latin typeface="+mn-lt"/>
+                <a:ea typeface="+mn-ea"/>
+                <a:cs typeface="+mn-cs"/>
+              </a:rPr>
+              <a:t>" </a:t>
+            </a:r>
+            <a:r>
+              <a:rPr lang="en-NZ" sz="1200" b="0" i="0" kern="1200" dirty="0" err="1">
+                <a:solidFill>
+                  <a:schemeClr val="tx1"/>
+                </a:solidFill>
+                <a:effectLst/>
+                <a:latin typeface="+mn-lt"/>
+                <a:ea typeface="+mn-ea"/>
+                <a:cs typeface="+mn-cs"/>
+              </a:rPr>
+              <a:t>rel</a:t>
+            </a:r>
+            <a:r>
+              <a:rPr lang="en-NZ" sz="1200" b="0" i="0" kern="1200" dirty="0">
+                <a:solidFill>
+                  <a:schemeClr val="tx1"/>
+                </a:solidFill>
+                <a:effectLst/>
+                <a:latin typeface="+mn-lt"/>
+                <a:ea typeface="+mn-ea"/>
+                <a:cs typeface="+mn-cs"/>
+              </a:rPr>
+              <a:t>="stylesheet"&gt;</a:t>
+            </a:r>
+            <a:endParaRPr lang="en-NZ" dirty="0"/>
+          </a:p>
+          <a:p>
+            <a:pPr marL="628650" lvl="1" indent="-171450">
+              <a:buFont typeface="Arial" panose="020B0604020202020204" pitchFamily="34" charset="0"/>
+              <a:buChar char="•"/>
+            </a:pPr>
+            <a:r>
+              <a:rPr lang="en-NZ" dirty="0"/>
+              <a:t>&lt;body&gt;:</a:t>
+            </a:r>
+          </a:p>
+          <a:p>
+            <a:pPr marL="1085850" lvl="2" indent="-171450">
+              <a:buFont typeface="Arial" panose="020B0604020202020204" pitchFamily="34" charset="0"/>
+              <a:buChar char="•"/>
+            </a:pPr>
+            <a:r>
+              <a:rPr lang="en-NZ" dirty="0"/>
+              <a:t>&lt;!– Comments --&gt;</a:t>
+            </a:r>
+          </a:p>
+          <a:p>
+            <a:pPr marL="1085850" lvl="2" indent="-171450">
+              <a:buFont typeface="Arial" panose="020B0604020202020204" pitchFamily="34" charset="0"/>
+              <a:buChar char="•"/>
+            </a:pPr>
+            <a:r>
+              <a:rPr lang="en-NZ" dirty="0"/>
+              <a:t>Headings: &lt;h1&gt;, &lt;h2&gt;, &lt;h3&gt;, &lt;h4&gt;, &lt;h5&gt;, &lt;h6&gt;</a:t>
+            </a:r>
+          </a:p>
+          <a:p>
+            <a:pPr marL="1085850" lvl="2" indent="-171450">
+              <a:buFont typeface="Arial" panose="020B0604020202020204" pitchFamily="34" charset="0"/>
+              <a:buChar char="•"/>
+            </a:pPr>
+            <a:r>
+              <a:rPr lang="en-NZ" dirty="0"/>
+              <a:t>Paragraphs: &lt;p&gt; (already has default styling such as block, new line, margin, etc)</a:t>
+            </a:r>
+          </a:p>
+          <a:p>
+            <a:pPr marL="1543050" lvl="3" indent="-171450">
+              <a:buFont typeface="Arial" panose="020B0604020202020204" pitchFamily="34" charset="0"/>
+              <a:buChar char="•"/>
+            </a:pPr>
+            <a:r>
+              <a:rPr lang="en-NZ" dirty="0"/>
+              <a:t>&lt;strong&gt;</a:t>
+            </a:r>
+          </a:p>
+          <a:p>
+            <a:pPr marL="1543050" lvl="3" indent="-171450">
+              <a:buFont typeface="Arial" panose="020B0604020202020204" pitchFamily="34" charset="0"/>
+              <a:buChar char="•"/>
+            </a:pPr>
+            <a:r>
+              <a:rPr lang="en-NZ" dirty="0"/>
+              <a:t>&lt;</a:t>
+            </a:r>
+            <a:r>
+              <a:rPr lang="en-NZ" dirty="0" err="1"/>
+              <a:t>em</a:t>
+            </a:r>
+            <a:r>
+              <a:rPr lang="en-NZ" dirty="0"/>
+              <a:t>&gt; (italic)</a:t>
+            </a:r>
+          </a:p>
+          <a:p>
+            <a:pPr marL="1543050" lvl="3" indent="-171450">
+              <a:buFont typeface="Arial" panose="020B0604020202020204" pitchFamily="34" charset="0"/>
+              <a:buChar char="•"/>
+            </a:pPr>
+            <a:r>
+              <a:rPr lang="en-NZ" dirty="0"/>
+              <a:t>&lt;small&gt;</a:t>
+            </a:r>
+          </a:p>
+          <a:p>
+            <a:pPr marL="1543050" lvl="3" indent="-171450">
+              <a:buFont typeface="Arial" panose="020B0604020202020204" pitchFamily="34" charset="0"/>
+              <a:buChar char="•"/>
+            </a:pPr>
+            <a:r>
+              <a:rPr lang="en-NZ" dirty="0"/>
+              <a:t>&lt;</a:t>
+            </a:r>
+            <a:r>
+              <a:rPr lang="en-NZ" dirty="0" err="1"/>
+              <a:t>br</a:t>
+            </a:r>
+            <a:r>
+              <a:rPr lang="en-NZ" dirty="0"/>
+              <a:t>&gt; as alternative to paragraph</a:t>
+            </a:r>
+          </a:p>
+          <a:p>
+            <a:pPr marL="1543050" lvl="3" indent="-171450">
+              <a:buFont typeface="Arial" panose="020B0604020202020204" pitchFamily="34" charset="0"/>
+              <a:buChar char="•"/>
+            </a:pPr>
+            <a:r>
+              <a:rPr lang="en-NZ" dirty="0"/>
+              <a:t>&lt;hr&gt;</a:t>
+            </a:r>
+          </a:p>
+          <a:p>
+            <a:pPr marL="914400" lvl="2" indent="0">
+              <a:buFont typeface="Arial" panose="020B0604020202020204" pitchFamily="34" charset="0"/>
+              <a:buNone/>
+            </a:pPr>
+            <a:r>
+              <a:rPr lang="en-NZ" dirty="0"/>
+              <a:t>note: Inline vs Block level elements, </a:t>
+            </a:r>
+            <a:r>
+              <a:rPr lang="en-NZ" dirty="0" err="1"/>
+              <a:t>i.e</a:t>
+            </a:r>
+            <a:r>
+              <a:rPr lang="en-NZ" dirty="0"/>
+              <a:t>:</a:t>
+            </a:r>
+          </a:p>
+          <a:p>
+            <a:pPr marL="1543050" lvl="3" indent="-171450">
+              <a:buFont typeface="Arial" panose="020B0604020202020204" pitchFamily="34" charset="0"/>
+              <a:buChar char="•"/>
+            </a:pPr>
+            <a:r>
+              <a:rPr lang="en-NZ" dirty="0"/>
+              <a:t>Inline: &lt;span&gt; &lt;</a:t>
+            </a:r>
+            <a:r>
+              <a:rPr lang="en-NZ" dirty="0" err="1"/>
+              <a:t>img</a:t>
+            </a:r>
+            <a:r>
+              <a:rPr lang="en-NZ" dirty="0"/>
+              <a:t>&gt; &lt;a&gt;</a:t>
+            </a:r>
+          </a:p>
+          <a:p>
+            <a:pPr marL="1543050" lvl="3" indent="-171450">
+              <a:buFont typeface="Arial" panose="020B0604020202020204" pitchFamily="34" charset="0"/>
+              <a:buChar char="•"/>
+            </a:pPr>
+            <a:r>
+              <a:rPr lang="en-NZ" dirty="0"/>
+              <a:t>Block: &lt;div&gt;, &lt;p&gt;, &lt;h&gt;, &lt;forms&gt;</a:t>
+            </a:r>
+          </a:p>
+          <a:p>
+            <a:pPr marL="1085850" lvl="2" indent="-171450">
+              <a:buFont typeface="Arial" panose="020B0604020202020204" pitchFamily="34" charset="0"/>
+              <a:buChar char="•"/>
+            </a:pPr>
+            <a:r>
+              <a:rPr lang="en-NZ" dirty="0"/>
+              <a:t>Links: &lt;a&gt; with attributes:</a:t>
+            </a:r>
+          </a:p>
+          <a:p>
+            <a:pPr marL="1543050" lvl="3" indent="-171450">
+              <a:buFont typeface="Arial" panose="020B0604020202020204" pitchFamily="34" charset="0"/>
+              <a:buChar char="•"/>
+            </a:pPr>
+            <a:r>
+              <a:rPr lang="en-NZ" dirty="0" err="1"/>
+              <a:t>Href</a:t>
+            </a:r>
+            <a:r>
+              <a:rPr lang="en-NZ" dirty="0"/>
+              <a:t>=“www.google.com”</a:t>
+            </a:r>
+          </a:p>
+          <a:p>
+            <a:pPr marL="1543050" lvl="3" indent="-171450">
+              <a:buFont typeface="Arial" panose="020B0604020202020204" pitchFamily="34" charset="0"/>
+              <a:buChar char="•"/>
+            </a:pPr>
+            <a:r>
+              <a:rPr lang="en-NZ" dirty="0"/>
+              <a:t>Target=“_blank” to open on a new webpage</a:t>
+            </a:r>
+          </a:p>
+          <a:p>
+            <a:pPr marL="1085850" lvl="2" indent="-171450">
+              <a:buFont typeface="Arial" panose="020B0604020202020204" pitchFamily="34" charset="0"/>
+              <a:buChar char="•"/>
+            </a:pPr>
+            <a:r>
+              <a:rPr lang="en-NZ" dirty="0"/>
+              <a:t>Lists:</a:t>
+            </a:r>
+          </a:p>
+          <a:p>
+            <a:pPr marL="1543050" lvl="3" indent="-171450">
+              <a:buFont typeface="Arial" panose="020B0604020202020204" pitchFamily="34" charset="0"/>
+              <a:buChar char="•"/>
+            </a:pPr>
+            <a:r>
+              <a:rPr lang="en-NZ" dirty="0"/>
+              <a:t>Unordered: &lt;ul&gt; used with &lt;li&gt;</a:t>
+            </a:r>
+          </a:p>
+          <a:p>
+            <a:pPr marL="1543050" lvl="3" indent="-171450">
+              <a:buFont typeface="Arial" panose="020B0604020202020204" pitchFamily="34" charset="0"/>
+              <a:buChar char="•"/>
+            </a:pPr>
+            <a:r>
+              <a:rPr lang="en-NZ" dirty="0"/>
+              <a:t>Ordered: &lt;</a:t>
+            </a:r>
+            <a:r>
+              <a:rPr lang="en-NZ" dirty="0" err="1"/>
+              <a:t>ol</a:t>
+            </a:r>
+            <a:r>
+              <a:rPr lang="en-NZ" dirty="0"/>
+              <a:t>&gt;</a:t>
+            </a:r>
+          </a:p>
+          <a:p>
+            <a:pPr marL="1085850" lvl="2" indent="-171450">
+              <a:buFont typeface="Arial" panose="020B0604020202020204" pitchFamily="34" charset="0"/>
+              <a:buChar char="•"/>
+            </a:pPr>
+            <a:r>
+              <a:rPr lang="en-NZ" dirty="0"/>
+              <a:t>Tables: &lt;table&gt;</a:t>
+            </a:r>
+          </a:p>
+          <a:p>
+            <a:pPr marL="1543050" lvl="3" indent="-171450">
+              <a:buFont typeface="Arial" panose="020B0604020202020204" pitchFamily="34" charset="0"/>
+              <a:buChar char="•"/>
+            </a:pPr>
+            <a:r>
+              <a:rPr lang="en-NZ" dirty="0"/>
+              <a:t>Head: &lt;</a:t>
+            </a:r>
+            <a:r>
+              <a:rPr lang="en-NZ" dirty="0" err="1"/>
+              <a:t>thead</a:t>
+            </a:r>
+            <a:r>
+              <a:rPr lang="en-NZ" dirty="0"/>
+              <a:t>&gt; used with &lt;tr&gt; and &lt;</a:t>
+            </a:r>
+            <a:r>
+              <a:rPr lang="en-NZ" dirty="0" err="1"/>
+              <a:t>th</a:t>
+            </a:r>
+            <a:r>
+              <a:rPr lang="en-NZ" dirty="0"/>
+              <a:t>&gt;</a:t>
+            </a:r>
+          </a:p>
+          <a:p>
+            <a:pPr marL="1543050" lvl="3" indent="-171450">
+              <a:buFont typeface="Arial" panose="020B0604020202020204" pitchFamily="34" charset="0"/>
+              <a:buChar char="•"/>
+            </a:pPr>
+            <a:r>
+              <a:rPr lang="en-NZ" dirty="0"/>
+              <a:t>Body: &lt;</a:t>
+            </a:r>
+            <a:r>
+              <a:rPr lang="en-NZ" dirty="0" err="1"/>
+              <a:t>tbody</a:t>
+            </a:r>
+            <a:r>
+              <a:rPr lang="en-NZ" dirty="0"/>
+              <a:t>&gt; used with &lt;tr&gt; and &lt;td&gt;</a:t>
+            </a:r>
+          </a:p>
+          <a:p>
+            <a:pPr marL="1085850" lvl="2" indent="-171450">
+              <a:buFont typeface="Arial" panose="020B0604020202020204" pitchFamily="34" charset="0"/>
+              <a:buChar char="•"/>
+            </a:pPr>
+            <a:r>
+              <a:rPr lang="en-NZ" dirty="0" err="1"/>
+              <a:t>Divs</a:t>
+            </a:r>
+            <a:r>
+              <a:rPr lang="en-NZ" dirty="0"/>
+              <a:t>: &lt;div&gt;</a:t>
+            </a:r>
+          </a:p>
+          <a:p>
+            <a:pPr marL="1085850" lvl="2" indent="-171450">
+              <a:buFont typeface="Arial" panose="020B0604020202020204" pitchFamily="34" charset="0"/>
+              <a:buChar char="•"/>
+            </a:pPr>
+            <a:r>
+              <a:rPr lang="en-NZ" dirty="0"/>
+              <a:t>Forms: &lt;form&gt;</a:t>
+            </a:r>
+          </a:p>
+          <a:p>
+            <a:pPr marL="1543050" lvl="3" indent="-171450">
+              <a:buFont typeface="Arial" panose="020B0604020202020204" pitchFamily="34" charset="0"/>
+              <a:buChar char="•"/>
+            </a:pPr>
+            <a:r>
+              <a:rPr lang="en-NZ" dirty="0"/>
+              <a:t>(attribute) action=“</a:t>
+            </a:r>
+            <a:r>
+              <a:rPr lang="en-NZ" dirty="0" err="1"/>
+              <a:t>bla.php</a:t>
+            </a:r>
+            <a:r>
+              <a:rPr lang="en-NZ" dirty="0"/>
+              <a:t>”, method=“POST/GET”</a:t>
+            </a:r>
+          </a:p>
+          <a:p>
+            <a:pPr marL="1543050" lvl="3" indent="-171450">
+              <a:buFont typeface="Arial" panose="020B0604020202020204" pitchFamily="34" charset="0"/>
+              <a:buChar char="•"/>
+            </a:pPr>
+            <a:r>
+              <a:rPr lang="en-NZ" dirty="0"/>
+              <a:t>Label: &lt;label&gt;</a:t>
+            </a:r>
+          </a:p>
+          <a:p>
+            <a:pPr marL="1543050" lvl="3" indent="-171450">
+              <a:buFont typeface="Arial" panose="020B0604020202020204" pitchFamily="34" charset="0"/>
+              <a:buChar char="•"/>
+            </a:pPr>
+            <a:r>
+              <a:rPr lang="en-NZ" dirty="0"/>
+              <a:t>Text: &lt;input type=“text” name=”</a:t>
+            </a:r>
+            <a:r>
+              <a:rPr lang="en-NZ" dirty="0" err="1"/>
+              <a:t>bla</a:t>
+            </a:r>
+            <a:r>
+              <a:rPr lang="en-NZ" dirty="0"/>
+              <a:t>’’ placeholder=“Enter first name”&gt;</a:t>
+            </a:r>
+          </a:p>
+          <a:p>
+            <a:pPr marL="1543050" lvl="3" indent="-171450">
+              <a:buFont typeface="Arial" panose="020B0604020202020204" pitchFamily="34" charset="0"/>
+              <a:buChar char="•"/>
+            </a:pPr>
+            <a:r>
+              <a:rPr lang="en-NZ" dirty="0"/>
+              <a:t>Email: &lt;input type=“email” name=”</a:t>
+            </a:r>
+            <a:r>
+              <a:rPr lang="en-NZ" dirty="0" err="1"/>
+              <a:t>bla</a:t>
+            </a:r>
+            <a:r>
+              <a:rPr lang="en-NZ" dirty="0"/>
+              <a:t>’’&gt;</a:t>
+            </a:r>
+          </a:p>
+          <a:p>
+            <a:pPr marL="1543050" lvl="3" indent="-171450">
+              <a:buFont typeface="Arial" panose="020B0604020202020204" pitchFamily="34" charset="0"/>
+              <a:buChar char="•"/>
+            </a:pPr>
+            <a:r>
+              <a:rPr lang="en-NZ" dirty="0" err="1"/>
+              <a:t>TextArea</a:t>
+            </a:r>
+            <a:r>
+              <a:rPr lang="en-NZ" dirty="0"/>
+              <a:t>: &lt;</a:t>
+            </a:r>
+            <a:r>
+              <a:rPr lang="en-NZ" dirty="0" err="1"/>
+              <a:t>textarea</a:t>
+            </a:r>
+            <a:r>
+              <a:rPr lang="en-NZ" dirty="0"/>
+              <a:t> name=”</a:t>
+            </a:r>
+            <a:r>
+              <a:rPr lang="en-NZ" dirty="0" err="1"/>
+              <a:t>bla</a:t>
+            </a:r>
+            <a:r>
+              <a:rPr lang="en-NZ" dirty="0"/>
+              <a:t>’’&gt;</a:t>
+            </a:r>
+          </a:p>
+          <a:p>
+            <a:pPr marL="1543050" lvl="3" indent="-171450">
+              <a:buFont typeface="Arial" panose="020B0604020202020204" pitchFamily="34" charset="0"/>
+              <a:buChar char="•"/>
+            </a:pPr>
+            <a:r>
+              <a:rPr lang="en-NZ" dirty="0"/>
+              <a:t>Select List: &lt;select name=“</a:t>
+            </a:r>
+            <a:r>
+              <a:rPr lang="en-NZ" dirty="0" err="1"/>
+              <a:t>bla</a:t>
+            </a:r>
+            <a:r>
+              <a:rPr lang="en-NZ" dirty="0"/>
+              <a:t>”&gt; used with &lt;option value=“</a:t>
+            </a:r>
+            <a:r>
+              <a:rPr lang="en-NZ" dirty="0" err="1"/>
+              <a:t>bla</a:t>
+            </a:r>
+            <a:r>
+              <a:rPr lang="en-NZ" dirty="0"/>
+              <a:t>”&gt;</a:t>
+            </a:r>
+            <a:r>
+              <a:rPr lang="en-NZ" dirty="0" err="1"/>
+              <a:t>bla</a:t>
+            </a:r>
+            <a:endParaRPr lang="en-NZ" dirty="0"/>
+          </a:p>
+          <a:p>
+            <a:pPr marL="1543050" lvl="3" indent="-171450">
+              <a:buFont typeface="Arial" panose="020B0604020202020204" pitchFamily="34" charset="0"/>
+              <a:buChar char="•"/>
+            </a:pPr>
+            <a:r>
+              <a:rPr lang="en-NZ" dirty="0"/>
+              <a:t>Radio Button: &lt;input type=“radio” name=“gender” value=“male”&gt; (x2) &lt;input type=“radio” name=“gender” value=“female”&gt; </a:t>
+            </a:r>
+          </a:p>
+          <a:p>
+            <a:pPr marL="1543050" lvl="3" indent="-171450">
+              <a:buFont typeface="Arial" panose="020B0604020202020204" pitchFamily="34" charset="0"/>
+              <a:buChar char="•"/>
+            </a:pPr>
+            <a:r>
+              <a:rPr lang="en-NZ" dirty="0"/>
+              <a:t>Check-Box: &lt;input type=“checkbox” name=“food” value=“bacon”&gt; (x2) &lt;input type=“checkbox” name=“food” value=“ham”&gt;</a:t>
+            </a:r>
+          </a:p>
+          <a:p>
+            <a:pPr marL="1543050" lvl="3" indent="-171450">
+              <a:buFont typeface="Arial" panose="020B0604020202020204" pitchFamily="34" charset="0"/>
+              <a:buChar char="•"/>
+            </a:pPr>
+            <a:r>
+              <a:rPr lang="en-NZ" dirty="0"/>
+              <a:t>Number: &lt;input type=“number” name=“</a:t>
+            </a:r>
+            <a:r>
+              <a:rPr lang="en-NZ" dirty="0" err="1"/>
+              <a:t>bla</a:t>
+            </a:r>
+            <a:r>
+              <a:rPr lang="en-NZ" dirty="0"/>
+              <a:t>” value=“30”&gt;30</a:t>
+            </a:r>
+          </a:p>
+          <a:p>
+            <a:pPr marL="1543050" marR="0" lvl="3" indent="-171450" algn="l" defTabSz="914400" rtl="0" eaLnBrk="1" fontAlgn="auto" latinLnBrk="0" hangingPunct="1">
+              <a:lnSpc>
+                <a:spcPct val="100000"/>
+              </a:lnSpc>
+              <a:spcBef>
+                <a:spcPts val="0"/>
+              </a:spcBef>
+              <a:spcAft>
+                <a:spcPts val="0"/>
+              </a:spcAft>
+              <a:buClrTx/>
+              <a:buSzTx/>
+              <a:buFont typeface="Arial" panose="020B0604020202020204" pitchFamily="34" charset="0"/>
+              <a:buChar char="•"/>
+              <a:tabLst/>
+              <a:defRPr/>
+            </a:pPr>
+            <a:r>
+              <a:rPr lang="en-NZ" dirty="0"/>
+              <a:t>Date: &lt;input type=“date” name=“birthdate” &gt;30-12-2018</a:t>
+            </a:r>
+          </a:p>
+          <a:p>
+            <a:pPr marL="1543050" marR="0" lvl="3" indent="-171450" algn="l" defTabSz="914400" rtl="0" eaLnBrk="1" fontAlgn="auto" latinLnBrk="0" hangingPunct="1">
+              <a:lnSpc>
+                <a:spcPct val="100000"/>
+              </a:lnSpc>
+              <a:spcBef>
+                <a:spcPts val="0"/>
+              </a:spcBef>
+              <a:spcAft>
+                <a:spcPts val="0"/>
+              </a:spcAft>
+              <a:buClrTx/>
+              <a:buSzTx/>
+              <a:buFont typeface="Arial" panose="020B0604020202020204" pitchFamily="34" charset="0"/>
+              <a:buChar char="•"/>
+              <a:tabLst/>
+              <a:defRPr/>
+            </a:pPr>
+            <a:r>
+              <a:rPr lang="en-NZ" dirty="0"/>
+              <a:t>Submit: &lt;input type=“submit” name=“</a:t>
+            </a:r>
+            <a:r>
+              <a:rPr lang="en-NZ" dirty="0" err="1"/>
+              <a:t>bla</a:t>
+            </a:r>
+            <a:r>
+              <a:rPr lang="en-NZ" dirty="0"/>
+              <a:t>” value=“submit”&gt;</a:t>
+            </a:r>
+          </a:p>
+          <a:p>
+            <a:pPr marL="1543050" marR="0" lvl="3" indent="-171450" algn="l" defTabSz="914400" rtl="0" eaLnBrk="1" fontAlgn="auto" latinLnBrk="0" hangingPunct="1">
+              <a:lnSpc>
+                <a:spcPct val="100000"/>
+              </a:lnSpc>
+              <a:spcBef>
+                <a:spcPts val="0"/>
+              </a:spcBef>
+              <a:spcAft>
+                <a:spcPts val="0"/>
+              </a:spcAft>
+              <a:buClrTx/>
+              <a:buSzTx/>
+              <a:buFont typeface="Arial" panose="020B0604020202020204" pitchFamily="34" charset="0"/>
+              <a:buChar char="•"/>
+              <a:tabLst/>
+              <a:defRPr/>
+            </a:pPr>
+            <a:r>
+              <a:rPr lang="en-NZ" dirty="0"/>
+              <a:t>Buttons: &lt;button onclick=“function </a:t>
+            </a:r>
+            <a:r>
+              <a:rPr lang="en-NZ" dirty="0" err="1"/>
+              <a:t>bla</a:t>
+            </a:r>
+            <a:r>
+              <a:rPr lang="en-NZ" dirty="0"/>
+              <a:t>”&gt;Click me</a:t>
+            </a:r>
+          </a:p>
+          <a:p>
+            <a:pPr marL="1085850" lvl="2" indent="-171450">
+              <a:buFont typeface="Arial" panose="020B0604020202020204" pitchFamily="34" charset="0"/>
+              <a:buChar char="•"/>
+            </a:pPr>
+            <a:r>
+              <a:rPr lang="en-NZ" dirty="0"/>
+              <a:t>Images (self closing tag): &lt;</a:t>
+            </a:r>
+            <a:r>
+              <a:rPr lang="en-NZ" dirty="0" err="1"/>
+              <a:t>img</a:t>
+            </a:r>
+            <a:r>
+              <a:rPr lang="en-NZ" dirty="0"/>
+              <a:t>&gt;</a:t>
+            </a:r>
+          </a:p>
+          <a:p>
+            <a:pPr marL="1543050" lvl="3" indent="-171450">
+              <a:buFont typeface="Arial" panose="020B0604020202020204" pitchFamily="34" charset="0"/>
+              <a:buChar char="•"/>
+            </a:pPr>
+            <a:r>
+              <a:rPr lang="en-NZ" dirty="0"/>
+              <a:t>(attribute) </a:t>
+            </a:r>
+            <a:r>
+              <a:rPr lang="en-NZ" dirty="0" err="1"/>
+              <a:t>src</a:t>
+            </a:r>
+            <a:r>
+              <a:rPr lang="en-NZ" dirty="0"/>
+              <a:t>=“sample.jpeg”</a:t>
+            </a:r>
+          </a:p>
+          <a:p>
+            <a:pPr marL="1543050" lvl="3" indent="-171450">
+              <a:buFont typeface="Arial" panose="020B0604020202020204" pitchFamily="34" charset="0"/>
+              <a:buChar char="•"/>
+            </a:pPr>
+            <a:r>
+              <a:rPr lang="en-NZ" dirty="0"/>
+              <a:t>(attribute what to display if image is not available) alt=“My Sample Image”</a:t>
+            </a:r>
+          </a:p>
+          <a:p>
+            <a:pPr marL="1543050" lvl="3" indent="-171450">
+              <a:buFont typeface="Arial" panose="020B0604020202020204" pitchFamily="34" charset="0"/>
+              <a:buChar char="•"/>
+            </a:pPr>
+            <a:r>
+              <a:rPr lang="en-NZ" dirty="0"/>
+              <a:t>(attribute size) width=“200” height is auto by default</a:t>
+            </a:r>
+          </a:p>
+          <a:p>
+            <a:pPr marL="1371600" lvl="3" indent="0">
+              <a:buFont typeface="Arial" panose="020B0604020202020204" pitchFamily="34" charset="0"/>
+              <a:buNone/>
+            </a:pPr>
+            <a:r>
+              <a:rPr lang="en-NZ" dirty="0"/>
+              <a:t>Note: wrap link around the image, use images in a separate folder</a:t>
+            </a:r>
+          </a:p>
+          <a:p>
+            <a:pPr marL="1085850" lvl="2" indent="-171450">
+              <a:buFont typeface="Arial" panose="020B0604020202020204" pitchFamily="34" charset="0"/>
+              <a:buChar char="•"/>
+            </a:pPr>
+            <a:r>
+              <a:rPr lang="en-NZ" dirty="0"/>
+              <a:t>Quotations:</a:t>
+            </a:r>
+          </a:p>
+          <a:p>
+            <a:pPr marL="1543050" lvl="3" indent="-171450">
+              <a:buFont typeface="Arial" panose="020B0604020202020204" pitchFamily="34" charset="0"/>
+              <a:buChar char="•"/>
+            </a:pPr>
+            <a:r>
+              <a:rPr lang="en-NZ" dirty="0"/>
+              <a:t>&lt;blockquote cite=“http://www.bla.com”&gt; Text </a:t>
+            </a:r>
+            <a:r>
+              <a:rPr lang="en-NZ" dirty="0" err="1"/>
+              <a:t>bla</a:t>
+            </a:r>
+            <a:endParaRPr lang="en-NZ" dirty="0"/>
+          </a:p>
+          <a:p>
+            <a:pPr marL="1543050" lvl="3" indent="-171450">
+              <a:buFont typeface="Arial" panose="020B0604020202020204" pitchFamily="34" charset="0"/>
+              <a:buChar char="•"/>
+            </a:pPr>
+            <a:r>
+              <a:rPr lang="en-NZ" dirty="0"/>
+              <a:t>&lt;</a:t>
+            </a:r>
+            <a:r>
+              <a:rPr lang="en-NZ" dirty="0" err="1"/>
+              <a:t>abbr</a:t>
+            </a:r>
+            <a:r>
+              <a:rPr lang="en-NZ" dirty="0"/>
+              <a:t> title=“This is the World Wide Web”&gt;WWW</a:t>
+            </a:r>
+          </a:p>
+          <a:p>
+            <a:pPr marL="1543050" lvl="3" indent="-171450">
+              <a:buFont typeface="Arial" panose="020B0604020202020204" pitchFamily="34" charset="0"/>
+              <a:buChar char="•"/>
+            </a:pPr>
+            <a:r>
+              <a:rPr lang="en-NZ" dirty="0"/>
+              <a:t>&lt;cite&gt;HTML crash course&lt;/cite&gt; by </a:t>
+            </a:r>
+            <a:r>
+              <a:rPr lang="en-NZ" dirty="0" err="1"/>
+              <a:t>blabla</a:t>
+            </a:r>
+            <a:endParaRPr lang="en-NZ" b="0" u="none" dirty="0"/>
+          </a:p>
+          <a:p>
+            <a:pPr marL="1543050" lvl="3" indent="-171450">
+              <a:buFont typeface="Arial" panose="020B0604020202020204" pitchFamily="34" charset="0"/>
+              <a:buChar char="•"/>
+            </a:pPr>
+            <a:endParaRPr lang="en-NZ" b="0" u="none" dirty="0"/>
+          </a:p>
+          <a:p>
+            <a:pPr marL="457200" lvl="1" indent="0">
+              <a:buFont typeface="Arial" panose="020B0604020202020204" pitchFamily="34" charset="0"/>
+              <a:buNone/>
+            </a:pPr>
+            <a:r>
+              <a:rPr lang="en-NZ" b="1" u="sng" dirty="0"/>
+              <a:t>HTML5 Semantic tags</a:t>
+            </a:r>
+            <a:r>
+              <a:rPr lang="en-NZ" b="0" u="none" dirty="0"/>
+              <a:t> (need to include a slide)</a:t>
+            </a:r>
+            <a:r>
+              <a:rPr lang="en-NZ" b="1" u="sng" dirty="0"/>
+              <a:t>:</a:t>
+            </a:r>
+          </a:p>
+          <a:p>
+            <a:pPr marL="457200" lvl="1" indent="0">
+              <a:buFont typeface="Arial" panose="020B0604020202020204" pitchFamily="34" charset="0"/>
+              <a:buNone/>
+            </a:pPr>
+            <a:endParaRPr lang="en-NZ" b="1" u="sng" dirty="0"/>
+          </a:p>
+          <a:p>
+            <a:pPr marL="457200" lvl="1" indent="0">
+              <a:buFont typeface="Arial" panose="020B0604020202020204" pitchFamily="34" charset="0"/>
+              <a:buNone/>
+            </a:pPr>
+            <a:r>
+              <a:rPr lang="en-NZ" b="0" u="none" dirty="0"/>
+              <a:t>Newly introduced with HTML5. They both describe the meaning to both the developer and the browser</a:t>
+            </a:r>
+          </a:p>
+          <a:p>
+            <a:pPr marL="457200" lvl="1" indent="0">
+              <a:buFont typeface="Arial" panose="020B0604020202020204" pitchFamily="34" charset="0"/>
+              <a:buNone/>
+            </a:pPr>
+            <a:endParaRPr lang="en-NZ" b="1" u="sng" dirty="0"/>
+          </a:p>
+          <a:p>
+            <a:pPr marL="1085850" lvl="2" indent="-171450">
+              <a:buFont typeface="Arial" panose="020B0604020202020204" pitchFamily="34" charset="0"/>
+              <a:buChar char="•"/>
+            </a:pPr>
+            <a:r>
+              <a:rPr lang="en-NZ" b="0" u="none" dirty="0"/>
+              <a:t>Header (top): good to use with &lt;h1&gt;</a:t>
+            </a:r>
+          </a:p>
+          <a:p>
+            <a:pPr marL="1085850" lvl="2" indent="-171450">
+              <a:buFont typeface="Arial" panose="020B0604020202020204" pitchFamily="34" charset="0"/>
+              <a:buChar char="•"/>
+            </a:pPr>
+            <a:r>
+              <a:rPr lang="en-NZ" b="0" u="none" dirty="0"/>
+              <a:t>Navigation (next top)</a:t>
+            </a:r>
+          </a:p>
+          <a:p>
+            <a:pPr marL="1085850" lvl="2" indent="-171450">
+              <a:buFont typeface="Arial" panose="020B0604020202020204" pitchFamily="34" charset="0"/>
+              <a:buChar char="•"/>
+            </a:pPr>
+            <a:r>
+              <a:rPr lang="en-NZ" b="0" u="none" dirty="0"/>
+              <a:t>Section (left): good to use with &lt;h3&gt;, some lorem text, link to the full article and add a </a:t>
+            </a:r>
+            <a:r>
+              <a:rPr lang="en-NZ" b="0" u="none" dirty="0" err="1"/>
+              <a:t>css</a:t>
+            </a:r>
+            <a:r>
+              <a:rPr lang="en-NZ" b="0" u="none" dirty="0"/>
+              <a:t> class for further styling</a:t>
+            </a:r>
+          </a:p>
+          <a:p>
+            <a:pPr marL="1085850" lvl="2" indent="-171450">
+              <a:buFont typeface="Arial" panose="020B0604020202020204" pitchFamily="34" charset="0"/>
+              <a:buChar char="•"/>
+            </a:pPr>
+            <a:r>
+              <a:rPr lang="en-NZ" b="0" u="none" dirty="0"/>
+              <a:t>Article (left)</a:t>
+            </a:r>
+          </a:p>
+          <a:p>
+            <a:pPr marL="1085850" lvl="2" indent="-171450">
+              <a:buFont typeface="Arial" panose="020B0604020202020204" pitchFamily="34" charset="0"/>
+              <a:buChar char="•"/>
+            </a:pPr>
+            <a:r>
+              <a:rPr lang="en-NZ" b="0" u="none" dirty="0"/>
+              <a:t>Aside (right): good to use with &lt;h3&gt;, and use a &lt;nav&gt; to wrap an unorder list to display categories</a:t>
+            </a:r>
+          </a:p>
+          <a:p>
+            <a:pPr marL="1085850" lvl="2" indent="-171450">
+              <a:buFont typeface="Arial" panose="020B0604020202020204" pitchFamily="34" charset="0"/>
+              <a:buChar char="•"/>
+            </a:pPr>
+            <a:r>
+              <a:rPr lang="en-NZ" b="0" u="none" dirty="0"/>
+              <a:t>Footer (bottom): good use with Copyright text and symbols (HTML entities)</a:t>
+            </a:r>
+          </a:p>
+          <a:p>
+            <a:pPr marL="1085850" lvl="2" indent="-171450">
+              <a:buFont typeface="Arial" panose="020B0604020202020204" pitchFamily="34" charset="0"/>
+              <a:buChar char="•"/>
+            </a:pPr>
+            <a:endParaRPr lang="en-NZ" b="0" u="none" dirty="0"/>
+          </a:p>
+        </p:txBody>
+      </p:sp>
+      <p:sp>
+        <p:nvSpPr>
+          <p:cNvPr id="4" name="Slide Number Placeholder 3"/>
+          <p:cNvSpPr>
+            <a:spLocks noGrp="1"/>
+          </p:cNvSpPr>
+          <p:nvPr>
+            <p:ph type="sldNum" sz="quarter" idx="5"/>
+          </p:nvPr>
+        </p:nvSpPr>
+        <p:spPr/>
+        <p:txBody>
+          <a:bodyPr/>
+          <a:lstStyle/>
+          <a:p>
+            <a:fld id="{AA6AEB39-020A-432B-83F5-EFCAD66B5A24}" type="slidenum">
+              <a:rPr lang="en-NZ" smtClean="0"/>
+              <a:t>4</a:t>
+            </a:fld>
+            <a:endParaRPr lang="en-NZ"/>
+          </a:p>
+        </p:txBody>
+      </p:sp>
+    </p:spTree>
+    <p:extLst>
+      <p:ext uri="{BB962C8B-B14F-4D97-AF65-F5344CB8AC3E}">
+        <p14:creationId xmlns:p14="http://schemas.microsoft.com/office/powerpoint/2010/main" val="3038168858"/>
+      </p:ext>
+    </p:extLst>
+  </p:cSld>
+  <p:clrMapOvr>
+    <a:masterClrMapping/>
+  </p:clrMapOvr>
+</p:notes>
+</file>
+
+<file path=ppt/notesSlides/notesSlide5.xml><?xml version="1.0" encoding="utf-8"?>
+<p:notes xmlns:a="http://schemas.openxmlformats.org/drawingml/2006/main" xmlns:r="http://schemas.openxmlformats.org/officeDocument/2006/relationships" xmlns:p="http://schemas.openxmlformats.org/presentationml/2006/main">
+  <p:cSld>
+    <p:spTree>
+      <p:nvGrpSpPr>
+        <p:cNvPr id="1" name=""/>
+        <p:cNvGrpSpPr/>
+        <p:nvPr/>
+      </p:nvGrpSpPr>
+      <p:grpSpPr>
+        <a:xfrm>
+          <a:off x="0" y="0"/>
+          <a:ext cx="0" cy="0"/>
+          <a:chOff x="0" y="0"/>
+          <a:chExt cx="0" cy="0"/>
+        </a:xfrm>
+      </p:grpSpPr>
+      <p:sp>
+        <p:nvSpPr>
+          <p:cNvPr id="2" name="Slide Image Placeholder 1"/>
+          <p:cNvSpPr>
+            <a:spLocks noGrp="1" noRot="1" noChangeAspect="1"/>
+          </p:cNvSpPr>
+          <p:nvPr>
+            <p:ph type="sldImg"/>
+          </p:nvPr>
+        </p:nvSpPr>
+        <p:spPr/>
+      </p:sp>
+      <p:sp>
+        <p:nvSpPr>
+          <p:cNvPr id="3" name="Notes Placeholder 2"/>
+          <p:cNvSpPr>
+            <a:spLocks noGrp="1"/>
+          </p:cNvSpPr>
+          <p:nvPr>
+            <p:ph type="body" idx="1"/>
+          </p:nvPr>
+        </p:nvSpPr>
+        <p:spPr/>
+        <p:txBody>
+          <a:bodyPr/>
+          <a:lstStyle/>
+          <a:p>
+            <a:pPr marL="171450" indent="-171450">
+              <a:buFont typeface="Arial" panose="020B0604020202020204" pitchFamily="34" charset="0"/>
+              <a:buChar char="•"/>
+            </a:pPr>
+            <a:r>
+              <a:rPr lang="en-NZ" dirty="0"/>
+              <a:t>What is CSS</a:t>
+            </a:r>
+          </a:p>
+          <a:p>
+            <a:pPr marL="628650" lvl="1" indent="-171450">
+              <a:buFont typeface="Arial" panose="020B0604020202020204" pitchFamily="34" charset="0"/>
+              <a:buChar char="•"/>
+            </a:pPr>
+            <a:r>
+              <a:rPr lang="en-NZ" dirty="0"/>
+              <a:t>Not a programming language</a:t>
+            </a:r>
+          </a:p>
+          <a:p>
+            <a:pPr marL="628650" lvl="1" indent="-171450">
+              <a:buFont typeface="Arial" panose="020B0604020202020204" pitchFamily="34" charset="0"/>
+              <a:buChar char="•"/>
+            </a:pPr>
+            <a:r>
+              <a:rPr lang="en-NZ" dirty="0"/>
+              <a:t>Applies styling to HTML pages, colours, formatting, alignment etc</a:t>
+            </a:r>
+          </a:p>
+          <a:p>
+            <a:pPr marL="628650" lvl="1" indent="-171450">
+              <a:buFont typeface="Arial" panose="020B0604020202020204" pitchFamily="34" charset="0"/>
+              <a:buChar char="•"/>
+            </a:pPr>
+            <a:endParaRPr lang="en-NZ" dirty="0"/>
+          </a:p>
+          <a:p>
+            <a:pPr marL="171450" marR="0" lvl="0" indent="-171450" algn="l" defTabSz="914400" rtl="0" eaLnBrk="1" fontAlgn="auto" latinLnBrk="0" hangingPunct="1">
+              <a:lnSpc>
+                <a:spcPct val="100000"/>
+              </a:lnSpc>
+              <a:spcBef>
+                <a:spcPts val="0"/>
+              </a:spcBef>
+              <a:spcAft>
+                <a:spcPts val="0"/>
+              </a:spcAft>
+              <a:buClrTx/>
+              <a:buSzTx/>
+              <a:buFont typeface="Arial" panose="020B0604020202020204" pitchFamily="34" charset="0"/>
+              <a:buChar char="•"/>
+              <a:tabLst/>
+              <a:defRPr/>
+            </a:pPr>
+            <a:r>
+              <a:rPr lang="en-NZ" dirty="0"/>
+              <a:t>Start with a new cheat-sheet from scratch:</a:t>
+            </a:r>
+          </a:p>
+          <a:p>
+            <a:pPr marL="628650" marR="0" lvl="1" indent="-171450" algn="l" defTabSz="914400" rtl="0" eaLnBrk="1" fontAlgn="auto" latinLnBrk="0" hangingPunct="1">
+              <a:lnSpc>
+                <a:spcPct val="100000"/>
+              </a:lnSpc>
+              <a:spcBef>
+                <a:spcPts val="0"/>
+              </a:spcBef>
+              <a:spcAft>
+                <a:spcPts val="0"/>
+              </a:spcAft>
+              <a:buClrTx/>
+              <a:buSzTx/>
+              <a:buFont typeface="Arial" panose="020B0604020202020204" pitchFamily="34" charset="0"/>
+              <a:buChar char="•"/>
+              <a:tabLst/>
+              <a:defRPr/>
+            </a:pPr>
+            <a:r>
+              <a:rPr lang="en-NZ" dirty="0"/>
+              <a:t>Talk about the 3 types of adding CSS and explain their main differences. Inline, Internal and External. Demo by </a:t>
+            </a:r>
+            <a:r>
+              <a:rPr lang="en-NZ" dirty="0" err="1"/>
+              <a:t>creting</a:t>
+            </a:r>
+            <a:r>
+              <a:rPr lang="en-NZ" dirty="0"/>
+              <a:t> a &lt;h1&gt; element and add styling to it by: a. using the style attribute, b. add a &lt;style type=“text/</a:t>
+            </a:r>
+            <a:r>
+              <a:rPr lang="en-NZ" dirty="0" err="1"/>
+              <a:t>css</a:t>
+            </a:r>
+            <a:r>
+              <a:rPr lang="en-NZ" dirty="0"/>
+              <a:t>”&gt;, c. adding an external </a:t>
+            </a:r>
+            <a:r>
+              <a:rPr lang="en-NZ" dirty="0" err="1"/>
+              <a:t>css</a:t>
+            </a:r>
+            <a:r>
+              <a:rPr lang="en-NZ" dirty="0"/>
+              <a:t> file and link it using a &lt;link </a:t>
+            </a:r>
+            <a:r>
+              <a:rPr lang="en-NZ" dirty="0" err="1"/>
+              <a:t>rel</a:t>
+            </a:r>
+            <a:r>
+              <a:rPr lang="en-NZ" dirty="0"/>
+              <a:t>=“stylesheet” type=“text/</a:t>
+            </a:r>
+            <a:r>
+              <a:rPr lang="en-NZ" dirty="0" err="1"/>
+              <a:t>css</a:t>
+            </a:r>
+            <a:r>
+              <a:rPr lang="en-NZ" dirty="0"/>
+              <a:t>” </a:t>
+            </a:r>
+            <a:r>
+              <a:rPr lang="en-NZ" dirty="0" err="1"/>
+              <a:t>href</a:t>
+            </a:r>
+            <a:r>
+              <a:rPr lang="en-NZ" dirty="0"/>
+              <a:t>=“</a:t>
+            </a:r>
+            <a:r>
+              <a:rPr lang="en-NZ" dirty="0" err="1"/>
+              <a:t>css</a:t>
+            </a:r>
+            <a:r>
+              <a:rPr lang="en-NZ" dirty="0"/>
+              <a:t>/mycss.css”&gt;</a:t>
+            </a:r>
+          </a:p>
+          <a:p>
+            <a:pPr marL="628650" marR="0" lvl="1" indent="-171450" algn="l" defTabSz="914400" rtl="0" eaLnBrk="1" fontAlgn="auto" latinLnBrk="0" hangingPunct="1">
+              <a:lnSpc>
+                <a:spcPct val="100000"/>
+              </a:lnSpc>
+              <a:spcBef>
+                <a:spcPts val="0"/>
+              </a:spcBef>
+              <a:spcAft>
+                <a:spcPts val="0"/>
+              </a:spcAft>
+              <a:buClrTx/>
+              <a:buSzTx/>
+              <a:buFont typeface="Arial" panose="020B0604020202020204" pitchFamily="34" charset="0"/>
+              <a:buChar char="•"/>
+              <a:tabLst/>
+              <a:defRPr/>
+            </a:pPr>
+            <a:r>
+              <a:rPr lang="en-NZ" dirty="0"/>
+              <a:t>Show the syntax used to apply styling: Selector {property-</a:t>
+            </a:r>
+            <a:r>
+              <a:rPr lang="en-NZ" dirty="0" err="1"/>
+              <a:t>bla</a:t>
+            </a:r>
+            <a:r>
+              <a:rPr lang="en-NZ" dirty="0"/>
+              <a:t>: value;}</a:t>
+            </a:r>
+          </a:p>
+          <a:p>
+            <a:pPr marL="628650" marR="0" lvl="1" indent="-171450" algn="l" defTabSz="914400" rtl="0" eaLnBrk="1" fontAlgn="auto" latinLnBrk="0" hangingPunct="1">
+              <a:lnSpc>
+                <a:spcPct val="100000"/>
+              </a:lnSpc>
+              <a:spcBef>
+                <a:spcPts val="0"/>
+              </a:spcBef>
+              <a:spcAft>
+                <a:spcPts val="0"/>
+              </a:spcAft>
+              <a:buClrTx/>
+              <a:buSzTx/>
+              <a:buFont typeface="Arial" panose="020B0604020202020204" pitchFamily="34" charset="0"/>
+              <a:buChar char="•"/>
+              <a:tabLst/>
+              <a:defRPr/>
+            </a:pPr>
+            <a:r>
+              <a:rPr lang="en-NZ" dirty="0"/>
+              <a:t>Using a &lt;body&gt;:</a:t>
+            </a:r>
+          </a:p>
+          <a:p>
+            <a:pPr marL="1085850" marR="0" lvl="2" indent="-171450" algn="l" defTabSz="914400" rtl="0" eaLnBrk="1" fontAlgn="auto" latinLnBrk="0" hangingPunct="1">
+              <a:lnSpc>
+                <a:spcPct val="100000"/>
+              </a:lnSpc>
+              <a:spcBef>
+                <a:spcPts val="0"/>
+              </a:spcBef>
+              <a:spcAft>
+                <a:spcPts val="0"/>
+              </a:spcAft>
+              <a:buClrTx/>
+              <a:buSzTx/>
+              <a:buFont typeface="Arial" panose="020B0604020202020204" pitchFamily="34" charset="0"/>
+              <a:buChar char="•"/>
+              <a:tabLst/>
+              <a:defRPr/>
+            </a:pPr>
+            <a:r>
+              <a:rPr lang="en-NZ" dirty="0"/>
+              <a:t>{Background-</a:t>
+            </a:r>
+            <a:r>
+              <a:rPr lang="en-NZ" dirty="0" err="1"/>
+              <a:t>color</a:t>
+            </a:r>
+            <a:r>
+              <a:rPr lang="en-NZ" dirty="0"/>
+              <a:t> : red;} (explain that RGB, </a:t>
+            </a:r>
+            <a:r>
+              <a:rPr lang="en-NZ" dirty="0" err="1"/>
+              <a:t>Hexa</a:t>
+            </a:r>
+            <a:r>
+              <a:rPr lang="en-NZ" dirty="0"/>
+              <a:t> or </a:t>
+            </a:r>
+            <a:r>
+              <a:rPr lang="en-NZ" dirty="0" err="1"/>
+              <a:t>color</a:t>
+            </a:r>
+            <a:r>
+              <a:rPr lang="en-NZ" dirty="0"/>
+              <a:t> names can be used)</a:t>
+            </a:r>
+          </a:p>
+          <a:p>
+            <a:pPr marL="1085850" marR="0" lvl="2" indent="-171450" algn="l" defTabSz="914400" rtl="0" eaLnBrk="1" fontAlgn="auto" latinLnBrk="0" hangingPunct="1">
+              <a:lnSpc>
+                <a:spcPct val="100000"/>
+              </a:lnSpc>
+              <a:spcBef>
+                <a:spcPts val="0"/>
+              </a:spcBef>
+              <a:spcAft>
+                <a:spcPts val="0"/>
+              </a:spcAft>
+              <a:buClrTx/>
+              <a:buSzTx/>
+              <a:buFont typeface="Arial" panose="020B0604020202020204" pitchFamily="34" charset="0"/>
+              <a:buChar char="•"/>
+              <a:tabLst/>
+              <a:defRPr/>
+            </a:pPr>
+            <a:r>
+              <a:rPr lang="en-NZ" dirty="0"/>
+              <a:t>{</a:t>
+            </a:r>
+            <a:r>
+              <a:rPr lang="en-NZ" dirty="0" err="1"/>
+              <a:t>Color</a:t>
+            </a:r>
+            <a:r>
+              <a:rPr lang="en-NZ" dirty="0"/>
+              <a:t>: Blue;}</a:t>
+            </a:r>
+          </a:p>
+          <a:p>
+            <a:pPr marL="1085850" marR="0" lvl="2" indent="-171450" algn="l" defTabSz="914400" rtl="0" eaLnBrk="1" fontAlgn="auto" latinLnBrk="0" hangingPunct="1">
+              <a:lnSpc>
+                <a:spcPct val="100000"/>
+              </a:lnSpc>
+              <a:spcBef>
+                <a:spcPts val="0"/>
+              </a:spcBef>
+              <a:spcAft>
+                <a:spcPts val="0"/>
+              </a:spcAft>
+              <a:buClrTx/>
+              <a:buSzTx/>
+              <a:buFont typeface="Arial" panose="020B0604020202020204" pitchFamily="34" charset="0"/>
+              <a:buChar char="•"/>
+              <a:tabLst/>
+              <a:defRPr/>
+            </a:pPr>
+            <a:r>
+              <a:rPr lang="en-NZ" dirty="0"/>
+              <a:t>{Font-Family: Arial, Helvetica, Sans-Serif;} (explain Web-safe fonts and show them – need a slide for this)</a:t>
+            </a:r>
+          </a:p>
+          <a:p>
+            <a:pPr marL="1085850" marR="0" lvl="2" indent="-171450" algn="l" defTabSz="914400" rtl="0" eaLnBrk="1" fontAlgn="auto" latinLnBrk="0" hangingPunct="1">
+              <a:lnSpc>
+                <a:spcPct val="100000"/>
+              </a:lnSpc>
+              <a:spcBef>
+                <a:spcPts val="0"/>
+              </a:spcBef>
+              <a:spcAft>
+                <a:spcPts val="0"/>
+              </a:spcAft>
+              <a:buClrTx/>
+              <a:buSzTx/>
+              <a:buFont typeface="Arial" panose="020B0604020202020204" pitchFamily="34" charset="0"/>
+              <a:buChar char="•"/>
+              <a:tabLst/>
+              <a:defRPr/>
+            </a:pPr>
+            <a:r>
+              <a:rPr lang="en-NZ" dirty="0"/>
+              <a:t>{Font-size: 16px;}</a:t>
+            </a:r>
+          </a:p>
+          <a:p>
+            <a:pPr marL="1085850" marR="0" lvl="2" indent="-171450" algn="l" defTabSz="914400" rtl="0" eaLnBrk="1" fontAlgn="auto" latinLnBrk="0" hangingPunct="1">
+              <a:lnSpc>
+                <a:spcPct val="100000"/>
+              </a:lnSpc>
+              <a:spcBef>
+                <a:spcPts val="0"/>
+              </a:spcBef>
+              <a:spcAft>
+                <a:spcPts val="0"/>
+              </a:spcAft>
+              <a:buClrTx/>
+              <a:buSzTx/>
+              <a:buFont typeface="Arial" panose="020B0604020202020204" pitchFamily="34" charset="0"/>
+              <a:buChar char="•"/>
+              <a:tabLst/>
+              <a:defRPr/>
+            </a:pPr>
+            <a:r>
+              <a:rPr lang="en-NZ" dirty="0"/>
+              <a:t>{Font-weight: bold;}</a:t>
+            </a:r>
+          </a:p>
+          <a:p>
+            <a:pPr marL="1085850" marR="0" lvl="2" indent="-171450" algn="l" defTabSz="914400" rtl="0" eaLnBrk="1" fontAlgn="auto" latinLnBrk="0" hangingPunct="1">
+              <a:lnSpc>
+                <a:spcPct val="100000"/>
+              </a:lnSpc>
+              <a:spcBef>
+                <a:spcPts val="0"/>
+              </a:spcBef>
+              <a:spcAft>
+                <a:spcPts val="0"/>
+              </a:spcAft>
+              <a:buClrTx/>
+              <a:buSzTx/>
+              <a:buFont typeface="Arial" panose="020B0604020202020204" pitchFamily="34" charset="0"/>
+              <a:buChar char="•"/>
+              <a:tabLst/>
+              <a:defRPr/>
+            </a:pPr>
+            <a:r>
+              <a:rPr lang="en-NZ" dirty="0"/>
+              <a:t>{</a:t>
+            </a:r>
+            <a:r>
+              <a:rPr lang="en-NZ" dirty="0" err="1"/>
+              <a:t>Text-decoration:underline</a:t>
+            </a:r>
+            <a:r>
+              <a:rPr lang="en-NZ" dirty="0"/>
+              <a:t>;}</a:t>
+            </a:r>
+          </a:p>
+          <a:p>
+            <a:pPr marL="1085850" marR="0" lvl="2" indent="-171450" algn="l" defTabSz="914400" rtl="0" eaLnBrk="1" fontAlgn="auto" latinLnBrk="0" hangingPunct="1">
+              <a:lnSpc>
+                <a:spcPct val="100000"/>
+              </a:lnSpc>
+              <a:spcBef>
+                <a:spcPts val="0"/>
+              </a:spcBef>
+              <a:spcAft>
+                <a:spcPts val="0"/>
+              </a:spcAft>
+              <a:buClrTx/>
+              <a:buSzTx/>
+              <a:buFont typeface="Arial" panose="020B0604020202020204" pitchFamily="34" charset="0"/>
+              <a:buChar char="•"/>
+              <a:tabLst/>
+              <a:defRPr/>
+            </a:pPr>
+            <a:r>
+              <a:rPr lang="en-NZ" dirty="0"/>
+              <a:t>{</a:t>
+            </a:r>
+            <a:r>
+              <a:rPr lang="en-NZ" dirty="0" err="1"/>
+              <a:t>text-transform:uppercase</a:t>
+            </a:r>
+            <a:r>
+              <a:rPr lang="en-NZ" dirty="0"/>
+              <a:t>};</a:t>
+            </a:r>
+          </a:p>
+          <a:p>
+            <a:pPr marL="1085850" marR="0" lvl="2" indent="-171450" algn="l" defTabSz="914400" rtl="0" eaLnBrk="1" fontAlgn="auto" latinLnBrk="0" hangingPunct="1">
+              <a:lnSpc>
+                <a:spcPct val="100000"/>
+              </a:lnSpc>
+              <a:spcBef>
+                <a:spcPts val="0"/>
+              </a:spcBef>
+              <a:spcAft>
+                <a:spcPts val="0"/>
+              </a:spcAft>
+              <a:buClrTx/>
+              <a:buSzTx/>
+              <a:buFont typeface="Arial" panose="020B0604020202020204" pitchFamily="34" charset="0"/>
+              <a:buChar char="•"/>
+              <a:tabLst/>
+              <a:defRPr/>
+            </a:pPr>
+            <a:r>
+              <a:rPr lang="en-NZ" dirty="0"/>
+              <a:t>{word-spacing: 1em;}</a:t>
+            </a:r>
+          </a:p>
+          <a:p>
+            <a:pPr marL="914400" marR="0" lvl="2" indent="0" algn="l" defTabSz="914400" rtl="0" eaLnBrk="1" fontAlgn="auto" latinLnBrk="0" hangingPunct="1">
+              <a:lnSpc>
+                <a:spcPct val="100000"/>
+              </a:lnSpc>
+              <a:spcBef>
+                <a:spcPts val="0"/>
+              </a:spcBef>
+              <a:spcAft>
+                <a:spcPts val="0"/>
+              </a:spcAft>
+              <a:buClrTx/>
+              <a:buSzTx/>
+              <a:buFont typeface="Arial" panose="020B0604020202020204" pitchFamily="34" charset="0"/>
+              <a:buNone/>
+              <a:tabLst/>
+              <a:defRPr/>
+            </a:pPr>
+            <a:r>
+              <a:rPr lang="en-NZ" dirty="0"/>
+              <a:t>Note: explain that we have use a shortcut in place of font-property. </a:t>
+            </a:r>
+            <a:r>
+              <a:rPr lang="en-NZ" dirty="0" err="1"/>
+              <a:t>I.e</a:t>
+            </a:r>
+            <a:r>
+              <a:rPr lang="en-NZ" dirty="0"/>
+              <a:t>: {font=normal, Arial, Helvetica;} </a:t>
+            </a:r>
+          </a:p>
+          <a:p>
+            <a:pPr marL="1085850" lvl="2" indent="-171450">
+              <a:buFont typeface="Arial" panose="020B0604020202020204" pitchFamily="34" charset="0"/>
+              <a:buChar char="•"/>
+            </a:pPr>
+            <a:r>
+              <a:rPr lang="en-NZ" dirty="0"/>
+              <a:t>{Line-height: 1.6em;} – explain that </a:t>
+            </a:r>
+            <a:r>
+              <a:rPr lang="en-NZ" dirty="0" err="1"/>
+              <a:t>em</a:t>
+            </a:r>
+            <a:r>
+              <a:rPr lang="en-NZ" dirty="0"/>
+              <a:t> is a unit of measure introduced more recently and useful to build responsive websites. Alternatively we can px or percent</a:t>
+            </a:r>
+          </a:p>
+          <a:p>
+            <a:pPr marL="1085850" lvl="2" indent="-171450">
+              <a:buFont typeface="Arial" panose="020B0604020202020204" pitchFamily="34" charset="0"/>
+              <a:buChar char="•"/>
+            </a:pPr>
+            <a:r>
+              <a:rPr lang="en-NZ" dirty="0"/>
+              <a:t>Explain Class (reusability) and IDs (uniqueness) and demo:</a:t>
+            </a:r>
+          </a:p>
+          <a:p>
+            <a:pPr marL="1543050" lvl="3" indent="-171450">
+              <a:buFont typeface="Arial" panose="020B0604020202020204" pitchFamily="34" charset="0"/>
+              <a:buChar char="•"/>
+            </a:pPr>
+            <a:r>
+              <a:rPr lang="en-NZ" dirty="0"/>
+              <a:t>&lt;</a:t>
+            </a:r>
+            <a:r>
+              <a:rPr lang="en-NZ" dirty="0" err="1"/>
+              <a:t>Div</a:t>
+            </a:r>
+            <a:r>
+              <a:rPr lang="en-NZ" dirty="0"/>
+              <a:t> class=“box1”&gt;</a:t>
+            </a:r>
+          </a:p>
+          <a:p>
+            <a:pPr marL="1543050" lvl="3" indent="-171450">
+              <a:buFont typeface="Arial" panose="020B0604020202020204" pitchFamily="34" charset="0"/>
+              <a:buChar char="•"/>
+            </a:pPr>
+            <a:r>
+              <a:rPr lang="en-NZ" dirty="0"/>
+              <a:t>.box1{background-</a:t>
+            </a:r>
+            <a:r>
+              <a:rPr lang="en-NZ" dirty="0" err="1"/>
+              <a:t>color</a:t>
+            </a:r>
+            <a:r>
+              <a:rPr lang="en-NZ" dirty="0"/>
+              <a:t>=blue; </a:t>
+            </a:r>
+            <a:r>
+              <a:rPr lang="en-NZ" dirty="0" err="1"/>
+              <a:t>color</a:t>
+            </a:r>
+            <a:r>
+              <a:rPr lang="en-NZ" dirty="0"/>
+              <a:t>=white;}</a:t>
+            </a:r>
+          </a:p>
+          <a:p>
+            <a:pPr marL="1543050" lvl="3" indent="-171450">
+              <a:buFont typeface="Arial" panose="020B0604020202020204" pitchFamily="34" charset="0"/>
+              <a:buChar char="•"/>
+            </a:pPr>
+            <a:r>
+              <a:rPr lang="en-NZ" dirty="0"/>
+              <a:t>.container{width=500px; margin=“auto”} auto margin will </a:t>
+            </a:r>
+            <a:r>
+              <a:rPr lang="en-NZ" dirty="0" err="1"/>
+              <a:t>center</a:t>
+            </a:r>
+            <a:r>
+              <a:rPr lang="en-NZ" dirty="0"/>
+              <a:t> the content and will make it responsive</a:t>
+            </a:r>
+          </a:p>
+          <a:p>
+            <a:pPr marL="1085850" lvl="2" indent="-171450">
+              <a:buFont typeface="Arial" panose="020B0604020202020204" pitchFamily="34" charset="0"/>
+              <a:buChar char="•"/>
+            </a:pPr>
+            <a:r>
+              <a:rPr lang="en-NZ" dirty="0"/>
+              <a:t>Box Model. </a:t>
+            </a:r>
+          </a:p>
+          <a:p>
+            <a:pPr marL="1543050" lvl="3" indent="-171450">
+              <a:buFont typeface="Arial" panose="020B0604020202020204" pitchFamily="34" charset="0"/>
+              <a:buChar char="•"/>
+            </a:pPr>
+            <a:r>
+              <a:rPr lang="en-NZ" dirty="0"/>
+              <a:t>Explain the various components of the Box model: Margin, Border, Padding and Content (add a slide to show this). </a:t>
+            </a:r>
+          </a:p>
+          <a:p>
+            <a:pPr marL="1543050" lvl="3" indent="-171450">
+              <a:buFont typeface="Arial" panose="020B0604020202020204" pitchFamily="34" charset="0"/>
+              <a:buChar char="•"/>
+            </a:pPr>
+            <a:r>
+              <a:rPr lang="en-NZ" dirty="0"/>
+              <a:t>Each of these properties have top, right, bottom, left. </a:t>
+            </a:r>
+          </a:p>
+          <a:p>
+            <a:pPr marL="1543050" lvl="3" indent="-171450">
+              <a:buFont typeface="Arial" panose="020B0604020202020204" pitchFamily="34" charset="0"/>
+              <a:buChar char="•"/>
+            </a:pPr>
+            <a:r>
+              <a:rPr lang="en-NZ" dirty="0"/>
+              <a:t>We can shortcut as {margin:5px 5px </a:t>
+            </a:r>
+            <a:r>
+              <a:rPr lang="en-NZ" dirty="0" err="1"/>
+              <a:t>5px</a:t>
+            </a:r>
+            <a:r>
+              <a:rPr lang="en-NZ" dirty="0"/>
+              <a:t> 5px}. Or {margin:5px 10px} or {margin:5px} (if all sides are 5px). Example: {border-right:5px solid red;}</a:t>
+            </a:r>
+          </a:p>
+          <a:p>
+            <a:pPr marL="1371600" lvl="3" indent="0">
+              <a:buFont typeface="Arial" panose="020B0604020202020204" pitchFamily="34" charset="0"/>
+              <a:buNone/>
+            </a:pPr>
+            <a:r>
+              <a:rPr lang="en-NZ" b="0" dirty="0"/>
+              <a:t>Note: explain some elements by default have padding. This can be visible in the development tools. This behaviour can however be overridden by using the styling *{margin:0; padding:0;}</a:t>
+            </a:r>
+          </a:p>
+          <a:p>
+            <a:pPr marL="1085850" lvl="2" indent="-171450">
+              <a:buFont typeface="Arial" panose="020B0604020202020204" pitchFamily="34" charset="0"/>
+              <a:buChar char="•"/>
+            </a:pPr>
+            <a:r>
+              <a:rPr lang="en-NZ" b="0" dirty="0"/>
+              <a:t>Apply styling to specific tags in containers using the following syntax</a:t>
+            </a:r>
+          </a:p>
+          <a:p>
+            <a:pPr marL="1543050" lvl="3" indent="-171450">
+              <a:buFont typeface="Arial" panose="020B0604020202020204" pitchFamily="34" charset="0"/>
+              <a:buChar char="•"/>
+            </a:pPr>
+            <a:r>
+              <a:rPr lang="en-NZ" b="0" dirty="0"/>
+              <a:t>.;box-1 h1{style…..}</a:t>
+            </a:r>
+            <a:endParaRPr lang="en-NZ" dirty="0"/>
+          </a:p>
+          <a:p>
+            <a:pPr marL="628650" marR="0" lvl="1" indent="-171450" algn="l" defTabSz="914400" rtl="0" eaLnBrk="1" fontAlgn="auto" latinLnBrk="0" hangingPunct="1">
+              <a:lnSpc>
+                <a:spcPct val="100000"/>
+              </a:lnSpc>
+              <a:spcBef>
+                <a:spcPts val="0"/>
+              </a:spcBef>
+              <a:spcAft>
+                <a:spcPts val="0"/>
+              </a:spcAft>
+              <a:buClrTx/>
+              <a:buSzTx/>
+              <a:buFont typeface="Arial" panose="020B0604020202020204" pitchFamily="34" charset="0"/>
+              <a:buChar char="•"/>
+              <a:tabLst/>
+              <a:defRPr/>
+            </a:pPr>
+            <a:r>
+              <a:rPr lang="en-NZ" dirty="0"/>
+              <a:t>Using Unordered Lists: &lt;div class=‘categories’&gt;&lt;</a:t>
+            </a:r>
+            <a:r>
+              <a:rPr lang="en-NZ" dirty="0" err="1"/>
+              <a:t>ol</a:t>
+            </a:r>
+            <a:r>
+              <a:rPr lang="en-NZ" dirty="0"/>
+              <a:t>&gt;&lt;li&gt;Category1&lt;li&gt;Category2:</a:t>
+            </a:r>
+          </a:p>
+          <a:p>
+            <a:pPr marL="1085850" marR="0" lvl="2" indent="-171450" algn="l" defTabSz="914400" rtl="0" eaLnBrk="1" fontAlgn="auto" latinLnBrk="0" hangingPunct="1">
+              <a:lnSpc>
+                <a:spcPct val="100000"/>
+              </a:lnSpc>
+              <a:spcBef>
+                <a:spcPts val="0"/>
+              </a:spcBef>
+              <a:spcAft>
+                <a:spcPts val="0"/>
+              </a:spcAft>
+              <a:buClrTx/>
+              <a:buSzTx/>
+              <a:buFont typeface="Arial" panose="020B0604020202020204" pitchFamily="34" charset="0"/>
+              <a:buChar char="•"/>
+              <a:tabLst/>
+              <a:defRPr/>
+            </a:pPr>
+            <a:r>
+              <a:rPr lang="en-NZ" dirty="0"/>
+              <a:t>.categories{border :1px #ccc solid;padding:10px; border-radious:15px}</a:t>
+            </a:r>
+          </a:p>
+          <a:p>
+            <a:pPr marL="1085850" marR="0" lvl="2" indent="-171450" algn="l" defTabSz="914400" rtl="0" eaLnBrk="1" fontAlgn="auto" latinLnBrk="0" hangingPunct="1">
+              <a:lnSpc>
+                <a:spcPct val="100000"/>
+              </a:lnSpc>
+              <a:spcBef>
+                <a:spcPts val="0"/>
+              </a:spcBef>
+              <a:spcAft>
+                <a:spcPts val="0"/>
+              </a:spcAft>
+              <a:buClrTx/>
+              <a:buSzTx/>
+              <a:buFont typeface="Arial" panose="020B0604020202020204" pitchFamily="34" charset="0"/>
+              <a:buChar char="•"/>
+              <a:tabLst/>
+              <a:defRPr/>
+            </a:pPr>
+            <a:r>
+              <a:rPr lang="en-NZ" dirty="0"/>
+              <a:t>.categories h2{</a:t>
+            </a:r>
+            <a:r>
+              <a:rPr lang="en-NZ" dirty="0" err="1"/>
+              <a:t>text-align:center</a:t>
+            </a:r>
+            <a:r>
+              <a:rPr lang="en-NZ" dirty="0"/>
+              <a:t>;}</a:t>
+            </a:r>
+          </a:p>
+          <a:p>
+            <a:pPr marL="1085850" marR="0" lvl="2" indent="-171450" algn="l" defTabSz="914400" rtl="0" eaLnBrk="1" fontAlgn="auto" latinLnBrk="0" hangingPunct="1">
+              <a:lnSpc>
+                <a:spcPct val="100000"/>
+              </a:lnSpc>
+              <a:spcBef>
+                <a:spcPts val="0"/>
+              </a:spcBef>
+              <a:spcAft>
+                <a:spcPts val="0"/>
+              </a:spcAft>
+              <a:buClrTx/>
+              <a:buSzTx/>
+              <a:buFont typeface="Arial" panose="020B0604020202020204" pitchFamily="34" charset="0"/>
+              <a:buChar char="•"/>
+              <a:tabLst/>
+              <a:defRPr/>
+            </a:pPr>
+            <a:r>
+              <a:rPr lang="en-NZ" dirty="0"/>
+              <a:t>.categories ul{padding:0;list-style:square/none;}</a:t>
+            </a:r>
+          </a:p>
+          <a:p>
+            <a:pPr marL="1085850" marR="0" lvl="2" indent="-171450" algn="l" defTabSz="914400" rtl="0" eaLnBrk="1" fontAlgn="auto" latinLnBrk="0" hangingPunct="1">
+              <a:lnSpc>
+                <a:spcPct val="100000"/>
+              </a:lnSpc>
+              <a:spcBef>
+                <a:spcPts val="0"/>
+              </a:spcBef>
+              <a:spcAft>
+                <a:spcPts val="0"/>
+              </a:spcAft>
+              <a:buClrTx/>
+              <a:buSzTx/>
+              <a:buFont typeface="Arial" panose="020B0604020202020204" pitchFamily="34" charset="0"/>
+              <a:buChar char="•"/>
+              <a:tabLst/>
+              <a:defRPr/>
+            </a:pPr>
+            <a:r>
+              <a:rPr lang="en-NZ" dirty="0"/>
+              <a:t>.categories li{padding-bottom:6px;border-bottom:dotted 1px #333: </a:t>
+            </a:r>
+            <a:r>
+              <a:rPr lang="en-NZ" dirty="0" err="1"/>
+              <a:t>list-style-image:url</a:t>
+            </a:r>
+            <a:r>
+              <a:rPr lang="en-NZ" dirty="0"/>
+              <a:t>(image.png)}</a:t>
+            </a:r>
+          </a:p>
+          <a:p>
+            <a:pPr marL="628650" marR="0" lvl="1" indent="-171450" algn="l" defTabSz="914400" rtl="0" eaLnBrk="1" fontAlgn="auto" latinLnBrk="0" hangingPunct="1">
+              <a:lnSpc>
+                <a:spcPct val="100000"/>
+              </a:lnSpc>
+              <a:spcBef>
+                <a:spcPts val="0"/>
+              </a:spcBef>
+              <a:spcAft>
+                <a:spcPts val="0"/>
+              </a:spcAft>
+              <a:buClrTx/>
+              <a:buSzTx/>
+              <a:buFont typeface="Arial" panose="020B0604020202020204" pitchFamily="34" charset="0"/>
+              <a:buChar char="•"/>
+              <a:tabLst/>
+              <a:defRPr/>
+            </a:pPr>
+            <a:r>
+              <a:rPr lang="en-NZ" dirty="0"/>
+              <a:t>Using Links &lt;a&gt;:</a:t>
+            </a:r>
+          </a:p>
+          <a:p>
+            <a:pPr marL="1085850" marR="0" lvl="2" indent="-171450" algn="l" defTabSz="914400" rtl="0" eaLnBrk="1" fontAlgn="auto" latinLnBrk="0" hangingPunct="1">
+              <a:lnSpc>
+                <a:spcPct val="100000"/>
+              </a:lnSpc>
+              <a:spcBef>
+                <a:spcPts val="0"/>
+              </a:spcBef>
+              <a:spcAft>
+                <a:spcPts val="0"/>
+              </a:spcAft>
+              <a:buClrTx/>
+              <a:buSzTx/>
+              <a:buFont typeface="Arial" panose="020B0604020202020204" pitchFamily="34" charset="0"/>
+              <a:buChar char="•"/>
+              <a:tabLst/>
+              <a:defRPr/>
+            </a:pPr>
+            <a:r>
+              <a:rPr lang="en-NZ" dirty="0"/>
+              <a:t>a{</a:t>
+            </a:r>
+            <a:r>
+              <a:rPr lang="en-NZ" dirty="0" err="1"/>
+              <a:t>text-decoration:none</a:t>
+            </a:r>
+            <a:r>
+              <a:rPr lang="en-NZ" dirty="0"/>
+              <a:t>; </a:t>
+            </a:r>
+            <a:r>
+              <a:rPr lang="en-NZ" dirty="0" err="1"/>
+              <a:t>color</a:t>
+            </a:r>
+            <a:r>
+              <a:rPr lang="en-NZ" dirty="0"/>
+              <a:t>:#000:}</a:t>
+            </a:r>
+          </a:p>
+          <a:p>
+            <a:pPr marL="1085850" marR="0" lvl="2" indent="-171450" algn="l" defTabSz="914400" rtl="0" eaLnBrk="1" fontAlgn="auto" latinLnBrk="0" hangingPunct="1">
+              <a:lnSpc>
+                <a:spcPct val="100000"/>
+              </a:lnSpc>
+              <a:spcBef>
+                <a:spcPts val="0"/>
+              </a:spcBef>
+              <a:spcAft>
+                <a:spcPts val="0"/>
+              </a:spcAft>
+              <a:buClrTx/>
+              <a:buSzTx/>
+              <a:buFont typeface="Arial" panose="020B0604020202020204" pitchFamily="34" charset="0"/>
+              <a:buChar char="•"/>
+              <a:tabLst/>
+              <a:defRPr/>
+            </a:pPr>
+            <a:r>
+              <a:rPr lang="en-NZ" dirty="0"/>
+              <a:t>a:hover{color:red;}</a:t>
+            </a:r>
+          </a:p>
+          <a:p>
+            <a:pPr marL="1085850" marR="0" lvl="2" indent="-171450" algn="l" defTabSz="914400" rtl="0" eaLnBrk="1" fontAlgn="auto" latinLnBrk="0" hangingPunct="1">
+              <a:lnSpc>
+                <a:spcPct val="100000"/>
+              </a:lnSpc>
+              <a:spcBef>
+                <a:spcPts val="0"/>
+              </a:spcBef>
+              <a:spcAft>
+                <a:spcPts val="0"/>
+              </a:spcAft>
+              <a:buClrTx/>
+              <a:buSzTx/>
+              <a:buFont typeface="Arial" panose="020B0604020202020204" pitchFamily="34" charset="0"/>
+              <a:buChar char="•"/>
+              <a:tabLst/>
+              <a:defRPr/>
+            </a:pPr>
+            <a:r>
+              <a:rPr lang="en-NZ" dirty="0"/>
+              <a:t>a:active{color:green;}</a:t>
+            </a:r>
+          </a:p>
+          <a:p>
+            <a:pPr marL="1085850" marR="0" lvl="2" indent="-171450" algn="l" defTabSz="914400" rtl="0" eaLnBrk="1" fontAlgn="auto" latinLnBrk="0" hangingPunct="1">
+              <a:lnSpc>
+                <a:spcPct val="100000"/>
+              </a:lnSpc>
+              <a:spcBef>
+                <a:spcPts val="0"/>
+              </a:spcBef>
+              <a:spcAft>
+                <a:spcPts val="0"/>
+              </a:spcAft>
+              <a:buClrTx/>
+              <a:buSzTx/>
+              <a:buFont typeface="Arial" panose="020B0604020202020204" pitchFamily="34" charset="0"/>
+              <a:buChar char="•"/>
+              <a:tabLst/>
+              <a:defRPr/>
+            </a:pPr>
+            <a:r>
+              <a:rPr lang="en-NZ" dirty="0" err="1"/>
+              <a:t>a.visit</a:t>
+            </a:r>
+            <a:r>
+              <a:rPr lang="en-NZ" dirty="0"/>
+              <a:t>{</a:t>
+            </a:r>
+            <a:r>
+              <a:rPr lang="en-NZ" dirty="0" err="1"/>
+              <a:t>color:bla</a:t>
+            </a:r>
+            <a:r>
+              <a:rPr lang="en-NZ" dirty="0"/>
+              <a:t>}</a:t>
+            </a:r>
+          </a:p>
+          <a:p>
+            <a:pPr marL="628650" marR="0" lvl="1" indent="-171450" algn="l" defTabSz="914400" rtl="0" eaLnBrk="1" fontAlgn="auto" latinLnBrk="0" hangingPunct="1">
+              <a:lnSpc>
+                <a:spcPct val="100000"/>
+              </a:lnSpc>
+              <a:spcBef>
+                <a:spcPts val="0"/>
+              </a:spcBef>
+              <a:spcAft>
+                <a:spcPts val="0"/>
+              </a:spcAft>
+              <a:buClrTx/>
+              <a:buSzTx/>
+              <a:buFont typeface="Arial" panose="020B0604020202020204" pitchFamily="34" charset="0"/>
+              <a:buChar char="•"/>
+              <a:tabLst/>
+              <a:defRPr/>
+            </a:pPr>
+            <a:r>
+              <a:rPr lang="en-NZ" dirty="0"/>
+              <a:t>Using Forms &lt;form class=“my-form”&gt;:</a:t>
+            </a:r>
+          </a:p>
+          <a:p>
+            <a:pPr marL="1085850" marR="0" lvl="2" indent="-171450" algn="l" defTabSz="914400" rtl="0" eaLnBrk="1" fontAlgn="auto" latinLnBrk="0" hangingPunct="1">
+              <a:lnSpc>
+                <a:spcPct val="100000"/>
+              </a:lnSpc>
+              <a:spcBef>
+                <a:spcPts val="0"/>
+              </a:spcBef>
+              <a:spcAft>
+                <a:spcPts val="0"/>
+              </a:spcAft>
+              <a:buClrTx/>
+              <a:buSzTx/>
+              <a:buFont typeface="Arial" panose="020B0604020202020204" pitchFamily="34" charset="0"/>
+              <a:buChar char="•"/>
+              <a:tabLst/>
+              <a:defRPr/>
+            </a:pPr>
+            <a:r>
+              <a:rPr lang="en-NZ" dirty="0"/>
+              <a:t>.my-form{padding:20px;}</a:t>
+            </a:r>
+          </a:p>
+          <a:p>
+            <a:pPr marL="1085850" marR="0" lvl="2" indent="-171450" algn="l" defTabSz="914400" rtl="0" eaLnBrk="1" fontAlgn="auto" latinLnBrk="0" hangingPunct="1">
+              <a:lnSpc>
+                <a:spcPct val="100000"/>
+              </a:lnSpc>
+              <a:spcBef>
+                <a:spcPts val="0"/>
+              </a:spcBef>
+              <a:spcAft>
+                <a:spcPts val="0"/>
+              </a:spcAft>
+              <a:buClrTx/>
+              <a:buSzTx/>
+              <a:buFont typeface="Arial" panose="020B0604020202020204" pitchFamily="34" charset="0"/>
+              <a:buChar char="•"/>
+              <a:tabLst/>
+              <a:defRPr/>
+            </a:pPr>
+            <a:r>
+              <a:rPr lang="en-NZ" dirty="0"/>
+              <a:t>.my-form label{</a:t>
+            </a:r>
+            <a:r>
+              <a:rPr lang="en-NZ" dirty="0" err="1"/>
+              <a:t>display:block</a:t>
+            </a:r>
+            <a:r>
+              <a:rPr lang="en-NZ" dirty="0"/>
+              <a:t>;}</a:t>
+            </a:r>
+          </a:p>
+          <a:p>
+            <a:pPr marL="1085850" marR="0" lvl="2" indent="-171450" algn="l" defTabSz="914400" rtl="0" eaLnBrk="1" fontAlgn="auto" latinLnBrk="0" hangingPunct="1">
+              <a:lnSpc>
+                <a:spcPct val="100000"/>
+              </a:lnSpc>
+              <a:spcBef>
+                <a:spcPts val="0"/>
+              </a:spcBef>
+              <a:spcAft>
+                <a:spcPts val="0"/>
+              </a:spcAft>
+              <a:buClrTx/>
+              <a:buSzTx/>
+              <a:buFont typeface="Arial" panose="020B0604020202020204" pitchFamily="34" charset="0"/>
+              <a:buChar char="•"/>
+              <a:tabLst/>
+              <a:defRPr/>
+            </a:pPr>
+            <a:r>
+              <a:rPr lang="en-NZ" dirty="0"/>
+              <a:t>.my-form input[type=“text”], .my-form </a:t>
+            </a:r>
+            <a:r>
+              <a:rPr lang="en-NZ" dirty="0" err="1"/>
+              <a:t>textarea</a:t>
+            </a:r>
+            <a:r>
+              <a:rPr lang="en-NZ" dirty="0"/>
+              <a:t>{padding:8px:width:100%;}</a:t>
+            </a:r>
+          </a:p>
+          <a:p>
+            <a:pPr marL="1085850" marR="0" lvl="2" indent="-171450" algn="l" defTabSz="914400" rtl="0" eaLnBrk="1" fontAlgn="auto" latinLnBrk="0" hangingPunct="1">
+              <a:lnSpc>
+                <a:spcPct val="100000"/>
+              </a:lnSpc>
+              <a:spcBef>
+                <a:spcPts val="0"/>
+              </a:spcBef>
+              <a:spcAft>
+                <a:spcPts val="0"/>
+              </a:spcAft>
+              <a:buClrTx/>
+              <a:buSzTx/>
+              <a:buFont typeface="Arial" panose="020B0604020202020204" pitchFamily="34" charset="0"/>
+              <a:buChar char="•"/>
+              <a:tabLst/>
+              <a:defRPr/>
+            </a:pPr>
+            <a:r>
+              <a:rPr lang="en-NZ" dirty="0"/>
+              <a:t>.my-form input[type=“submit”]{background-</a:t>
+            </a:r>
+            <a:r>
+              <a:rPr lang="en-NZ" dirty="0" err="1"/>
+              <a:t>color</a:t>
+            </a:r>
+            <a:r>
+              <a:rPr lang="en-NZ" dirty="0"/>
+              <a:t>:#333; </a:t>
+            </a:r>
+            <a:r>
+              <a:rPr lang="en-NZ" dirty="0" err="1"/>
+              <a:t>color</a:t>
+            </a:r>
+            <a:r>
+              <a:rPr lang="en-NZ" dirty="0"/>
+              <a:t>:#</a:t>
+            </a:r>
+            <a:r>
+              <a:rPr lang="en-NZ" dirty="0" err="1"/>
+              <a:t>fff</a:t>
+            </a:r>
+            <a:r>
+              <a:rPr lang="en-NZ" dirty="0"/>
+              <a:t>: padding:10px 15px;border:none;}</a:t>
+            </a:r>
+          </a:p>
+          <a:p>
+            <a:pPr marL="628650" marR="0" lvl="1" indent="-171450" algn="l" defTabSz="914400" rtl="0" eaLnBrk="1" fontAlgn="auto" latinLnBrk="0" hangingPunct="1">
+              <a:lnSpc>
+                <a:spcPct val="100000"/>
+              </a:lnSpc>
+              <a:spcBef>
+                <a:spcPts val="0"/>
+              </a:spcBef>
+              <a:spcAft>
+                <a:spcPts val="0"/>
+              </a:spcAft>
+              <a:buClrTx/>
+              <a:buSzTx/>
+              <a:buFont typeface="Arial" panose="020B0604020202020204" pitchFamily="34" charset="0"/>
+              <a:buChar char="•"/>
+              <a:tabLst/>
+              <a:defRPr/>
+            </a:pPr>
+            <a:r>
+              <a:rPr lang="en-NZ" dirty="0"/>
+              <a:t>Alignment and Floating, using 3 &lt;div class=‘block’&gt; with sample test data,:</a:t>
+            </a:r>
+          </a:p>
+          <a:p>
+            <a:pPr marL="1085850" marR="0" lvl="2" indent="-171450" algn="l" defTabSz="914400" rtl="0" eaLnBrk="1" fontAlgn="auto" latinLnBrk="0" hangingPunct="1">
+              <a:lnSpc>
+                <a:spcPct val="100000"/>
+              </a:lnSpc>
+              <a:spcBef>
+                <a:spcPts val="0"/>
+              </a:spcBef>
+              <a:spcAft>
+                <a:spcPts val="0"/>
+              </a:spcAft>
+              <a:buClrTx/>
+              <a:buSzTx/>
+              <a:buFont typeface="Arial" panose="020B0604020202020204" pitchFamily="34" charset="0"/>
+              <a:buChar char="•"/>
+              <a:tabLst/>
+              <a:defRPr/>
+            </a:pPr>
+            <a:r>
+              <a:rPr lang="en-NZ" dirty="0"/>
+              <a:t>.block{float-left; width:33.3%} this will present the in line</a:t>
+            </a:r>
+          </a:p>
+          <a:p>
+            <a:pPr marL="1085850" marR="0" lvl="2" indent="-171450" algn="l" defTabSz="914400" rtl="0" eaLnBrk="1" fontAlgn="auto" latinLnBrk="0" hangingPunct="1">
+              <a:lnSpc>
+                <a:spcPct val="100000"/>
+              </a:lnSpc>
+              <a:spcBef>
+                <a:spcPts val="0"/>
+              </a:spcBef>
+              <a:spcAft>
+                <a:spcPts val="0"/>
+              </a:spcAft>
+              <a:buClrTx/>
+              <a:buSzTx/>
+              <a:buFont typeface="Arial" panose="020B0604020202020204" pitchFamily="34" charset="0"/>
+              <a:buChar char="•"/>
+              <a:tabLst/>
+              <a:defRPr/>
+            </a:pPr>
+            <a:r>
+              <a:rPr lang="en-NZ" dirty="0"/>
+              <a:t>.block{float-left; width:33.3%; border:1px  solid; padding:10px:} this will mess-up the alignment and shift them down</a:t>
+            </a:r>
+          </a:p>
+          <a:p>
+            <a:pPr marL="1085850" marR="0" lvl="2" indent="-171450" algn="l" defTabSz="914400" rtl="0" eaLnBrk="1" fontAlgn="auto" latinLnBrk="0" hangingPunct="1">
+              <a:lnSpc>
+                <a:spcPct val="100000"/>
+              </a:lnSpc>
+              <a:spcBef>
+                <a:spcPts val="0"/>
+              </a:spcBef>
+              <a:spcAft>
+                <a:spcPts val="0"/>
+              </a:spcAft>
+              <a:buClrTx/>
+              <a:buSzTx/>
+              <a:buFont typeface="Arial" panose="020B0604020202020204" pitchFamily="34" charset="0"/>
+              <a:buChar char="•"/>
+              <a:tabLst/>
+              <a:defRPr/>
+            </a:pPr>
+            <a:r>
+              <a:rPr lang="en-NZ" dirty="0"/>
+              <a:t>.block{float-left; width:33.3%; border:1px  solid; padding:10px: box-sizing: border-box;} this will take into account the size of the boxes including padding, etc. </a:t>
+            </a:r>
+          </a:p>
+          <a:p>
+            <a:pPr marL="914400" marR="0" lvl="2" indent="0" algn="l" defTabSz="914400" rtl="0" eaLnBrk="1" fontAlgn="auto" latinLnBrk="0" hangingPunct="1">
+              <a:lnSpc>
+                <a:spcPct val="100000"/>
+              </a:lnSpc>
+              <a:spcBef>
+                <a:spcPts val="0"/>
+              </a:spcBef>
+              <a:spcAft>
+                <a:spcPts val="0"/>
+              </a:spcAft>
+              <a:buClrTx/>
+              <a:buSzTx/>
+              <a:buFont typeface="+mj-lt"/>
+              <a:buNone/>
+              <a:tabLst/>
+              <a:defRPr/>
+            </a:pPr>
+            <a:r>
+              <a:rPr lang="en-NZ" dirty="0"/>
+              <a:t>Note: explain that the flex-box will handle this nicely</a:t>
+            </a:r>
+          </a:p>
+          <a:p>
+            <a:pPr marL="914400" marR="0" lvl="2" indent="0" algn="l" defTabSz="914400" rtl="0" eaLnBrk="1" fontAlgn="auto" latinLnBrk="0" hangingPunct="1">
+              <a:lnSpc>
+                <a:spcPct val="100000"/>
+              </a:lnSpc>
+              <a:spcBef>
+                <a:spcPts val="0"/>
+              </a:spcBef>
+              <a:spcAft>
+                <a:spcPts val="0"/>
+              </a:spcAft>
+              <a:buClrTx/>
+              <a:buSzTx/>
+              <a:buFont typeface="+mj-lt"/>
+              <a:buNone/>
+              <a:tabLst/>
+              <a:defRPr/>
+            </a:pPr>
+            <a:r>
+              <a:rPr lang="en-NZ" dirty="0"/>
+              <a:t>Also, when we’re handling boxes with different sizes and need to clear the floating settings so that the next tag elements are not included messing up the presentation. This can be achieved by creating a global class like this:</a:t>
+            </a:r>
+          </a:p>
+          <a:p>
+            <a:pPr marL="1085850" marR="0" lvl="2" indent="-171450" algn="l" defTabSz="914400" rtl="0" eaLnBrk="1" fontAlgn="auto" latinLnBrk="0" hangingPunct="1">
+              <a:lnSpc>
+                <a:spcPct val="100000"/>
+              </a:lnSpc>
+              <a:spcBef>
+                <a:spcPts val="0"/>
+              </a:spcBef>
+              <a:spcAft>
+                <a:spcPts val="0"/>
+              </a:spcAft>
+              <a:buClrTx/>
+              <a:buSzTx/>
+              <a:buFont typeface="Arial" panose="020B0604020202020204" pitchFamily="34" charset="0"/>
+              <a:buChar char="•"/>
+              <a:tabLst/>
+              <a:defRPr/>
+            </a:pPr>
+            <a:r>
+              <a:rPr lang="en-NZ" dirty="0"/>
+              <a:t>.</a:t>
+            </a:r>
+            <a:r>
+              <a:rPr lang="en-NZ" dirty="0" err="1"/>
+              <a:t>clr</a:t>
+            </a:r>
+            <a:r>
+              <a:rPr lang="en-NZ" dirty="0"/>
+              <a:t>{clear-both;} when this class is called in a div, the next </a:t>
+            </a:r>
+            <a:r>
+              <a:rPr lang="en-NZ" dirty="0" err="1"/>
+              <a:t>pice</a:t>
+            </a:r>
+            <a:r>
+              <a:rPr lang="en-NZ" dirty="0"/>
+              <a:t> of html will no longer be applying any floating. </a:t>
+            </a:r>
+          </a:p>
+          <a:p>
+            <a:pPr marL="914400" marR="0" lvl="2" indent="0" algn="l" defTabSz="914400" rtl="0" eaLnBrk="1" fontAlgn="auto" latinLnBrk="0" hangingPunct="1">
+              <a:lnSpc>
+                <a:spcPct val="100000"/>
+              </a:lnSpc>
+              <a:spcBef>
+                <a:spcPts val="0"/>
+              </a:spcBef>
+              <a:spcAft>
+                <a:spcPts val="0"/>
+              </a:spcAft>
+              <a:buClrTx/>
+              <a:buSzTx/>
+              <a:buFont typeface="Arial" panose="020B0604020202020204" pitchFamily="34" charset="0"/>
+              <a:buNone/>
+              <a:tabLst/>
+              <a:defRPr/>
+            </a:pPr>
+            <a:r>
+              <a:rPr lang="en-NZ" dirty="0"/>
+              <a:t>Use an example with 2 &lt;div id=“main-block”&gt;&lt;div id=“sidebar”&gt;</a:t>
+            </a:r>
+          </a:p>
+          <a:p>
+            <a:pPr marL="1085850" marR="0" lvl="2" indent="-171450" algn="l" defTabSz="914400" rtl="0" eaLnBrk="1" fontAlgn="auto" latinLnBrk="0" hangingPunct="1">
+              <a:lnSpc>
+                <a:spcPct val="100000"/>
+              </a:lnSpc>
+              <a:spcBef>
+                <a:spcPts val="0"/>
+              </a:spcBef>
+              <a:spcAft>
+                <a:spcPts val="0"/>
+              </a:spcAft>
+              <a:buClrTx/>
+              <a:buSzTx/>
+              <a:buFont typeface="Arial" panose="020B0604020202020204" pitchFamily="34" charset="0"/>
+              <a:buChar char="•"/>
+              <a:tabLst/>
+              <a:defRPr/>
+            </a:pPr>
+            <a:r>
+              <a:rPr lang="en-NZ" dirty="0"/>
+              <a:t>#main-block{</a:t>
+            </a:r>
+            <a:r>
+              <a:rPr lang="en-NZ" dirty="0" err="1"/>
+              <a:t>float:left</a:t>
+            </a:r>
+            <a:r>
+              <a:rPr lang="en-NZ" dirty="0"/>
+              <a:t>; width:70%;}</a:t>
+            </a:r>
+          </a:p>
+          <a:p>
+            <a:pPr marL="1085850" marR="0" lvl="2" indent="-171450" algn="l" defTabSz="914400" rtl="0" eaLnBrk="1" fontAlgn="auto" latinLnBrk="0" hangingPunct="1">
+              <a:lnSpc>
+                <a:spcPct val="100000"/>
+              </a:lnSpc>
+              <a:spcBef>
+                <a:spcPts val="0"/>
+              </a:spcBef>
+              <a:spcAft>
+                <a:spcPts val="0"/>
+              </a:spcAft>
+              <a:buClrTx/>
+              <a:buSzTx/>
+              <a:buFont typeface="Arial" panose="020B0604020202020204" pitchFamily="34" charset="0"/>
+              <a:buChar char="•"/>
+              <a:tabLst/>
+              <a:defRPr/>
+            </a:pPr>
+            <a:r>
+              <a:rPr lang="en-NZ" dirty="0"/>
+              <a:t>#side-bar{</a:t>
+            </a:r>
+            <a:r>
+              <a:rPr lang="en-NZ" dirty="0" err="1"/>
+              <a:t>float-right;width</a:t>
+            </a:r>
+            <a:r>
+              <a:rPr lang="en-NZ" dirty="0"/>
+              <a:t>=30%;background-</a:t>
+            </a:r>
+            <a:r>
+              <a:rPr lang="en-NZ" dirty="0" err="1"/>
+              <a:t>color</a:t>
+            </a:r>
+            <a:r>
+              <a:rPr lang="en-NZ" dirty="0"/>
+              <a:t>:#333;color:#fff;padding:15px;box-sizing:border-box;}</a:t>
+            </a:r>
+          </a:p>
+          <a:p>
+            <a:pPr marL="914400" marR="0" lvl="2" indent="0" algn="l" defTabSz="914400" rtl="0" eaLnBrk="1" fontAlgn="auto" latinLnBrk="0" hangingPunct="1">
+              <a:lnSpc>
+                <a:spcPct val="100000"/>
+              </a:lnSpc>
+              <a:spcBef>
+                <a:spcPts val="0"/>
+              </a:spcBef>
+              <a:spcAft>
+                <a:spcPts val="0"/>
+              </a:spcAft>
+              <a:buClrTx/>
+              <a:buSzTx/>
+              <a:buFont typeface="Arial" panose="020B0604020202020204" pitchFamily="34" charset="0"/>
+              <a:buNone/>
+              <a:tabLst/>
+              <a:defRPr/>
+            </a:pPr>
+            <a:r>
+              <a:rPr lang="en-NZ" dirty="0"/>
+              <a:t>Using Absolute, Relative or fixed: &lt;div class=“</a:t>
+            </a:r>
+            <a:r>
+              <a:rPr lang="en-NZ" dirty="0" err="1"/>
+              <a:t>bla</a:t>
+            </a:r>
+            <a:r>
+              <a:rPr lang="en-NZ" dirty="0"/>
+              <a:t>”&gt;&lt;h1&gt;</a:t>
+            </a:r>
+          </a:p>
+          <a:p>
+            <a:pPr marL="1085850" marR="0" lvl="2" indent="-171450" algn="l" defTabSz="914400" rtl="0" eaLnBrk="1" fontAlgn="auto" latinLnBrk="0" hangingPunct="1">
+              <a:lnSpc>
+                <a:spcPct val="100000"/>
+              </a:lnSpc>
+              <a:spcBef>
+                <a:spcPts val="0"/>
+              </a:spcBef>
+              <a:spcAft>
+                <a:spcPts val="0"/>
+              </a:spcAft>
+              <a:buClrTx/>
+              <a:buSzTx/>
+              <a:buFont typeface="Arial" panose="020B0604020202020204" pitchFamily="34" charset="0"/>
+              <a:buChar char="•"/>
+              <a:tabLst/>
+              <a:defRPr/>
+            </a:pPr>
+            <a:r>
+              <a:rPr lang="en-NZ" dirty="0"/>
+              <a:t>h1{position: absolute; top:10px;} if this element is in a container not marked as relative, then the h1 will table the whole web page to position the element. To change that:</a:t>
+            </a:r>
+          </a:p>
+          <a:p>
+            <a:pPr marL="1085850" marR="0" lvl="2" indent="-171450" algn="l" defTabSz="914400" rtl="0" eaLnBrk="1" fontAlgn="auto" latinLnBrk="0" hangingPunct="1">
+              <a:lnSpc>
+                <a:spcPct val="100000"/>
+              </a:lnSpc>
+              <a:spcBef>
+                <a:spcPts val="0"/>
+              </a:spcBef>
+              <a:spcAft>
+                <a:spcPts val="0"/>
+              </a:spcAft>
+              <a:buClrTx/>
+              <a:buSzTx/>
+              <a:buFont typeface="Arial" panose="020B0604020202020204" pitchFamily="34" charset="0"/>
+              <a:buChar char="•"/>
+              <a:tabLst/>
+              <a:defRPr/>
+            </a:pPr>
+            <a:r>
+              <a:rPr lang="en-NZ" dirty="0"/>
+              <a:t>.class{</a:t>
+            </a:r>
+            <a:r>
+              <a:rPr lang="en-NZ" dirty="0" err="1"/>
+              <a:t>position:relative</a:t>
+            </a:r>
+            <a:r>
+              <a:rPr lang="en-NZ" dirty="0"/>
+              <a:t>} this will forge the inner element to take it’s position relative to the parent</a:t>
+            </a:r>
+          </a:p>
+          <a:p>
+            <a:pPr marL="914400" marR="0" lvl="2" indent="0" algn="l" defTabSz="914400" rtl="0" eaLnBrk="1" fontAlgn="auto" latinLnBrk="0" hangingPunct="1">
+              <a:lnSpc>
+                <a:spcPct val="100000"/>
+              </a:lnSpc>
+              <a:spcBef>
+                <a:spcPts val="0"/>
+              </a:spcBef>
+              <a:spcAft>
+                <a:spcPts val="0"/>
+              </a:spcAft>
+              <a:buClrTx/>
+              <a:buSzTx/>
+              <a:buFont typeface="Arial" panose="020B0604020202020204" pitchFamily="34" charset="0"/>
+              <a:buNone/>
+              <a:tabLst/>
+              <a:defRPr/>
+            </a:pPr>
+            <a:r>
+              <a:rPr lang="en-NZ" dirty="0"/>
+              <a:t>Using fixed we can place an element in a page that never moves away;</a:t>
+            </a:r>
+          </a:p>
+          <a:p>
+            <a:pPr marL="1085850" marR="0" lvl="2" indent="-171450" algn="l" defTabSz="914400" rtl="0" eaLnBrk="1" fontAlgn="auto" latinLnBrk="0" hangingPunct="1">
+              <a:lnSpc>
+                <a:spcPct val="100000"/>
+              </a:lnSpc>
+              <a:spcBef>
+                <a:spcPts val="0"/>
+              </a:spcBef>
+              <a:spcAft>
+                <a:spcPts val="0"/>
+              </a:spcAft>
+              <a:buClrTx/>
+              <a:buSzTx/>
+              <a:buFont typeface="Arial" panose="020B0604020202020204" pitchFamily="34" charset="0"/>
+              <a:buChar char="•"/>
+              <a:tabLst/>
+              <a:defRPr/>
+            </a:pPr>
+            <a:r>
+              <a:rPr lang="en-NZ" dirty="0"/>
+              <a:t>.fix-me{</a:t>
+            </a:r>
+            <a:r>
+              <a:rPr lang="en-NZ" dirty="0" err="1"/>
+              <a:t>position:fixed</a:t>
+            </a:r>
+            <a:r>
+              <a:rPr lang="en-NZ" dirty="0"/>
+              <a:t>; top:400px;}</a:t>
+            </a:r>
+          </a:p>
+          <a:p>
+            <a:pPr marL="628650" marR="0" lvl="1" indent="-171450" algn="l" defTabSz="914400" rtl="0" eaLnBrk="1" fontAlgn="auto" latinLnBrk="0" hangingPunct="1">
+              <a:lnSpc>
+                <a:spcPct val="100000"/>
+              </a:lnSpc>
+              <a:spcBef>
+                <a:spcPts val="0"/>
+              </a:spcBef>
+              <a:spcAft>
+                <a:spcPts val="0"/>
+              </a:spcAft>
+              <a:buClrTx/>
+              <a:buSzTx/>
+              <a:buFont typeface="Arial" panose="020B0604020202020204" pitchFamily="34" charset="0"/>
+              <a:buChar char="•"/>
+              <a:tabLst/>
+              <a:defRPr/>
+            </a:pPr>
+            <a:r>
+              <a:rPr lang="en-NZ" dirty="0"/>
+              <a:t>Image as background in a div, using a &lt;div class=“p-box”&gt;</a:t>
+            </a:r>
+          </a:p>
+          <a:p>
+            <a:pPr marL="1085850" marR="0" lvl="2" indent="-171450" algn="l" defTabSz="914400" rtl="0" eaLnBrk="1" fontAlgn="auto" latinLnBrk="0" hangingPunct="1">
+              <a:lnSpc>
+                <a:spcPct val="100000"/>
+              </a:lnSpc>
+              <a:spcBef>
+                <a:spcPts val="0"/>
+              </a:spcBef>
+              <a:spcAft>
+                <a:spcPts val="0"/>
+              </a:spcAft>
+              <a:buClrTx/>
+              <a:buSzTx/>
+              <a:buFont typeface="Arial" panose="020B0604020202020204" pitchFamily="34" charset="0"/>
+              <a:buChar char="•"/>
+              <a:tabLst/>
+              <a:defRPr/>
+            </a:pPr>
+            <a:r>
+              <a:rPr lang="en-NZ" dirty="0"/>
+              <a:t>.p-box{</a:t>
+            </a:r>
+            <a:r>
+              <a:rPr lang="en-NZ" dirty="0" err="1"/>
+              <a:t>background-image:url</a:t>
+            </a:r>
+            <a:r>
+              <a:rPr lang="en-NZ" dirty="0"/>
+              <a:t>(‘image’);background-position: 100px 200px;background-repeat:no-repeat;}</a:t>
+            </a:r>
+          </a:p>
+          <a:p>
+            <a:pPr marL="914400" marR="0" lvl="2" indent="0" algn="l" defTabSz="914400" rtl="0" eaLnBrk="1" fontAlgn="auto" latinLnBrk="0" hangingPunct="1">
+              <a:lnSpc>
+                <a:spcPct val="100000"/>
+              </a:lnSpc>
+              <a:spcBef>
+                <a:spcPts val="0"/>
+              </a:spcBef>
+              <a:spcAft>
+                <a:spcPts val="0"/>
+              </a:spcAft>
+              <a:buClrTx/>
+              <a:buSzTx/>
+              <a:buFont typeface="Arial" panose="020B0604020202020204" pitchFamily="34" charset="0"/>
+              <a:buNone/>
+              <a:tabLst/>
+              <a:defRPr/>
+            </a:pPr>
+            <a:r>
+              <a:rPr lang="en-NZ" dirty="0"/>
+              <a:t>or {background-position: </a:t>
+            </a:r>
+            <a:r>
+              <a:rPr lang="en-NZ" dirty="0" err="1"/>
+              <a:t>center</a:t>
+            </a:r>
+            <a:r>
+              <a:rPr lang="en-NZ" dirty="0"/>
+              <a:t> </a:t>
+            </a:r>
+            <a:r>
+              <a:rPr lang="en-NZ" dirty="0" err="1"/>
+              <a:t>center</a:t>
+            </a:r>
+            <a:r>
+              <a:rPr lang="en-NZ" dirty="0"/>
+              <a:t>;}</a:t>
+            </a:r>
+          </a:p>
+          <a:p>
+            <a:pPr marL="628650" marR="0" lvl="1" indent="-171450" algn="l" defTabSz="914400" rtl="0" eaLnBrk="1" fontAlgn="auto" latinLnBrk="0" hangingPunct="1">
+              <a:lnSpc>
+                <a:spcPct val="100000"/>
+              </a:lnSpc>
+              <a:spcBef>
+                <a:spcPts val="0"/>
+              </a:spcBef>
+              <a:spcAft>
+                <a:spcPts val="0"/>
+              </a:spcAft>
+              <a:buClrTx/>
+              <a:buSzTx/>
+              <a:buFont typeface="Arial" panose="020B0604020202020204" pitchFamily="34" charset="0"/>
+              <a:buChar char="•"/>
+              <a:tabLst/>
+              <a:defRPr/>
+            </a:pPr>
+            <a:r>
+              <a:rPr lang="en-NZ" dirty="0"/>
+              <a:t>Pseudo Classes – this can be demonstrated with unordered lists. &lt;ul class=“my-list”&gt;&lt;li&gt;&lt;li&gt;&lt;li&gt;</a:t>
+            </a:r>
+          </a:p>
+          <a:p>
+            <a:pPr marL="1085850" marR="0" lvl="2" indent="-171450" algn="l" defTabSz="914400" rtl="0" eaLnBrk="1" fontAlgn="auto" latinLnBrk="0" hangingPunct="1">
+              <a:lnSpc>
+                <a:spcPct val="100000"/>
+              </a:lnSpc>
+              <a:spcBef>
+                <a:spcPts val="0"/>
+              </a:spcBef>
+              <a:spcAft>
+                <a:spcPts val="0"/>
+              </a:spcAft>
+              <a:buClrTx/>
+              <a:buSzTx/>
+              <a:buFont typeface="Arial" panose="020B0604020202020204" pitchFamily="34" charset="0"/>
+              <a:buChar char="•"/>
+              <a:tabLst/>
+              <a:defRPr/>
+            </a:pPr>
+            <a:r>
+              <a:rPr lang="en-NZ" dirty="0"/>
+              <a:t>.my-list </a:t>
+            </a:r>
+            <a:r>
+              <a:rPr lang="en-NZ" dirty="0" err="1"/>
+              <a:t>li:first-child</a:t>
+            </a:r>
+            <a:r>
+              <a:rPr lang="en-NZ" dirty="0"/>
+              <a:t>{</a:t>
+            </a:r>
+            <a:r>
+              <a:rPr lang="en-NZ" dirty="0" err="1"/>
+              <a:t>background:red</a:t>
+            </a:r>
+            <a:r>
+              <a:rPr lang="en-NZ" dirty="0"/>
+              <a:t>;}</a:t>
+            </a:r>
+          </a:p>
+          <a:p>
+            <a:pPr marL="1085850" marR="0" lvl="2" indent="-171450" algn="l" defTabSz="914400" rtl="0" eaLnBrk="1" fontAlgn="auto" latinLnBrk="0" hangingPunct="1">
+              <a:lnSpc>
+                <a:spcPct val="100000"/>
+              </a:lnSpc>
+              <a:spcBef>
+                <a:spcPts val="0"/>
+              </a:spcBef>
+              <a:spcAft>
+                <a:spcPts val="0"/>
+              </a:spcAft>
+              <a:buClrTx/>
+              <a:buSzTx/>
+              <a:buFont typeface="Arial" panose="020B0604020202020204" pitchFamily="34" charset="0"/>
+              <a:buChar char="•"/>
+              <a:tabLst/>
+              <a:defRPr/>
+            </a:pPr>
+            <a:r>
+              <a:rPr lang="en-NZ" dirty="0"/>
+              <a:t>.my-list </a:t>
+            </a:r>
+            <a:r>
+              <a:rPr lang="en-NZ" dirty="0" err="1"/>
+              <a:t>li:last-child</a:t>
+            </a:r>
+            <a:r>
+              <a:rPr lang="en-NZ" dirty="0"/>
+              <a:t>{</a:t>
+            </a:r>
+            <a:r>
+              <a:rPr lang="en-NZ" dirty="0" err="1"/>
+              <a:t>background:blue</a:t>
+            </a:r>
+            <a:r>
+              <a:rPr lang="en-NZ" dirty="0"/>
+              <a:t>;}</a:t>
+            </a:r>
+          </a:p>
+          <a:p>
+            <a:pPr marL="1085850" marR="0" lvl="2" indent="-171450" algn="l" defTabSz="914400" rtl="0" eaLnBrk="1" fontAlgn="auto" latinLnBrk="0" hangingPunct="1">
+              <a:lnSpc>
+                <a:spcPct val="100000"/>
+              </a:lnSpc>
+              <a:spcBef>
+                <a:spcPts val="0"/>
+              </a:spcBef>
+              <a:spcAft>
+                <a:spcPts val="0"/>
+              </a:spcAft>
+              <a:buClrTx/>
+              <a:buSzTx/>
+              <a:buFont typeface="Arial" panose="020B0604020202020204" pitchFamily="34" charset="0"/>
+              <a:buChar char="•"/>
+              <a:tabLst/>
+              <a:defRPr/>
+            </a:pPr>
+            <a:r>
+              <a:rPr lang="en-NZ" dirty="0"/>
+              <a:t>.my-list </a:t>
+            </a:r>
+            <a:r>
+              <a:rPr lang="en-NZ" dirty="0" err="1"/>
+              <a:t>li:nth-child</a:t>
+            </a:r>
+            <a:r>
+              <a:rPr lang="en-NZ" dirty="0"/>
+              <a:t>(5){</a:t>
+            </a:r>
+            <a:r>
+              <a:rPr lang="en-NZ" dirty="0" err="1"/>
+              <a:t>background:yellow</a:t>
+            </a:r>
+            <a:r>
+              <a:rPr lang="en-NZ" dirty="0"/>
+              <a:t>;}</a:t>
+            </a:r>
+          </a:p>
+          <a:p>
+            <a:pPr marL="1085850" marR="0" lvl="2" indent="-171450" algn="l" defTabSz="914400" rtl="0" eaLnBrk="1" fontAlgn="auto" latinLnBrk="0" hangingPunct="1">
+              <a:lnSpc>
+                <a:spcPct val="100000"/>
+              </a:lnSpc>
+              <a:spcBef>
+                <a:spcPts val="0"/>
+              </a:spcBef>
+              <a:spcAft>
+                <a:spcPts val="0"/>
+              </a:spcAft>
+              <a:buClrTx/>
+              <a:buSzTx/>
+              <a:buFont typeface="Arial" panose="020B0604020202020204" pitchFamily="34" charset="0"/>
+              <a:buChar char="•"/>
+              <a:tabLst/>
+              <a:defRPr/>
+            </a:pPr>
+            <a:r>
+              <a:rPr lang="en-NZ" dirty="0"/>
+              <a:t>.my-list </a:t>
+            </a:r>
+            <a:r>
+              <a:rPr lang="en-NZ" dirty="0" err="1"/>
+              <a:t>li:nth-child</a:t>
+            </a:r>
+            <a:r>
+              <a:rPr lang="en-NZ" dirty="0"/>
+              <a:t>(even){</a:t>
+            </a:r>
+            <a:r>
+              <a:rPr lang="en-NZ" dirty="0" err="1"/>
+              <a:t>background:yellow</a:t>
+            </a:r>
+            <a:r>
+              <a:rPr lang="en-NZ" dirty="0"/>
+              <a:t>;}</a:t>
+            </a:r>
+          </a:p>
+          <a:p>
+            <a:pPr marL="1085850" marR="0" lvl="2" indent="-171450" algn="l" defTabSz="914400" rtl="0" eaLnBrk="1" fontAlgn="auto" latinLnBrk="0" hangingPunct="1">
+              <a:lnSpc>
+                <a:spcPct val="100000"/>
+              </a:lnSpc>
+              <a:spcBef>
+                <a:spcPts val="0"/>
+              </a:spcBef>
+              <a:spcAft>
+                <a:spcPts val="0"/>
+              </a:spcAft>
+              <a:buClrTx/>
+              <a:buSzTx/>
+              <a:buFont typeface="Arial" panose="020B0604020202020204" pitchFamily="34" charset="0"/>
+              <a:buChar char="•"/>
+              <a:tabLst/>
+              <a:defRPr/>
+            </a:pPr>
+            <a:r>
+              <a:rPr lang="en-NZ" dirty="0"/>
+              <a:t>.my-list </a:t>
+            </a:r>
+            <a:r>
+              <a:rPr lang="en-NZ" dirty="0" err="1"/>
+              <a:t>li:nth-child</a:t>
+            </a:r>
+            <a:r>
+              <a:rPr lang="en-NZ" dirty="0"/>
+              <a:t>(odd){</a:t>
+            </a:r>
+            <a:r>
+              <a:rPr lang="en-NZ" dirty="0" err="1"/>
+              <a:t>background:yellow</a:t>
+            </a:r>
+            <a:r>
+              <a:rPr lang="en-NZ" dirty="0"/>
+              <a:t>;}</a:t>
+            </a:r>
+          </a:p>
+        </p:txBody>
+      </p:sp>
+      <p:sp>
+        <p:nvSpPr>
+          <p:cNvPr id="4" name="Slide Number Placeholder 3"/>
+          <p:cNvSpPr>
+            <a:spLocks noGrp="1"/>
+          </p:cNvSpPr>
+          <p:nvPr>
+            <p:ph type="sldNum" sz="quarter" idx="5"/>
+          </p:nvPr>
+        </p:nvSpPr>
+        <p:spPr/>
+        <p:txBody>
+          <a:bodyPr/>
+          <a:lstStyle/>
+          <a:p>
+            <a:fld id="{AA6AEB39-020A-432B-83F5-EFCAD66B5A24}" type="slidenum">
+              <a:rPr lang="en-NZ" smtClean="0"/>
+              <a:t>5</a:t>
+            </a:fld>
+            <a:endParaRPr lang="en-NZ"/>
+          </a:p>
+        </p:txBody>
+      </p:sp>
+    </p:spTree>
+    <p:extLst>
+      <p:ext uri="{BB962C8B-B14F-4D97-AF65-F5344CB8AC3E}">
+        <p14:creationId xmlns:p14="http://schemas.microsoft.com/office/powerpoint/2010/main" val="460663038"/>
+      </p:ext>
+    </p:extLst>
+  </p:cSld>
+  <p:clrMapOvr>
+    <a:masterClrMapping/>
+  </p:clrMapOvr>
+</p:notes>
+</file>
+
+<file path=ppt/notesSlides/notesSlide6.xml><?xml version="1.0" encoding="utf-8"?>
+<p:notes xmlns:a="http://schemas.openxmlformats.org/drawingml/2006/main" xmlns:r="http://schemas.openxmlformats.org/officeDocument/2006/relationships" xmlns:p="http://schemas.openxmlformats.org/presentationml/2006/main">
+  <p:cSld>
+    <p:spTree>
+      <p:nvGrpSpPr>
+        <p:cNvPr id="1" name=""/>
+        <p:cNvGrpSpPr/>
+        <p:nvPr/>
+      </p:nvGrpSpPr>
+      <p:grpSpPr>
+        <a:xfrm>
+          <a:off x="0" y="0"/>
+          <a:ext cx="0" cy="0"/>
+          <a:chOff x="0" y="0"/>
+          <a:chExt cx="0" cy="0"/>
+        </a:xfrm>
+      </p:grpSpPr>
+      <p:sp>
+        <p:nvSpPr>
+          <p:cNvPr id="2" name="Slide Image Placeholder 1"/>
+          <p:cNvSpPr>
+            <a:spLocks noGrp="1" noRot="1" noChangeAspect="1"/>
+          </p:cNvSpPr>
+          <p:nvPr>
+            <p:ph type="sldImg"/>
+          </p:nvPr>
+        </p:nvSpPr>
+        <p:spPr/>
+      </p:sp>
+      <p:sp>
+        <p:nvSpPr>
+          <p:cNvPr id="3" name="Notes Placeholder 2"/>
+          <p:cNvSpPr>
+            <a:spLocks noGrp="1"/>
+          </p:cNvSpPr>
+          <p:nvPr>
+            <p:ph type="body" idx="1"/>
+          </p:nvPr>
+        </p:nvSpPr>
+        <p:spPr/>
+        <p:txBody>
+          <a:bodyPr/>
+          <a:lstStyle/>
+          <a:p>
+            <a:pPr marL="171450" indent="-171450">
+              <a:buFont typeface="Arial" panose="020B0604020202020204" pitchFamily="34" charset="0"/>
+              <a:buChar char="•"/>
+            </a:pPr>
+            <a:r>
+              <a:rPr lang="en-NZ" dirty="0"/>
+              <a:t>Watch podcast “CSS Grid Layout Crash Course.mp4”</a:t>
+            </a:r>
+          </a:p>
+        </p:txBody>
+      </p:sp>
+      <p:sp>
+        <p:nvSpPr>
+          <p:cNvPr id="4" name="Slide Number Placeholder 3"/>
+          <p:cNvSpPr>
+            <a:spLocks noGrp="1"/>
+          </p:cNvSpPr>
+          <p:nvPr>
+            <p:ph type="sldNum" sz="quarter" idx="5"/>
+          </p:nvPr>
+        </p:nvSpPr>
+        <p:spPr/>
+        <p:txBody>
+          <a:bodyPr/>
+          <a:lstStyle/>
+          <a:p>
+            <a:fld id="{AA6AEB39-020A-432B-83F5-EFCAD66B5A24}" type="slidenum">
+              <a:rPr lang="en-NZ" smtClean="0"/>
               <a:t>6</a:t>
             </a:fld>
             <a:endParaRPr lang="en-NZ"/>
@@ -1081,6 +4434,2172 @@
     <p:extLst>
       <p:ext uri="{BB962C8B-B14F-4D97-AF65-F5344CB8AC3E}">
         <p14:creationId xmlns:p14="http://schemas.microsoft.com/office/powerpoint/2010/main" val="245842613"/>
+      </p:ext>
+    </p:extLst>
+  </p:cSld>
+  <p:clrMapOvr>
+    <a:masterClrMapping/>
+  </p:clrMapOvr>
+</p:notes>
+</file>
+
+<file path=ppt/notesSlides/notesSlide7.xml><?xml version="1.0" encoding="utf-8"?>
+<p:notes xmlns:a="http://schemas.openxmlformats.org/drawingml/2006/main" xmlns:r="http://schemas.openxmlformats.org/officeDocument/2006/relationships" xmlns:p="http://schemas.openxmlformats.org/presentationml/2006/main">
+  <p:cSld>
+    <p:spTree>
+      <p:nvGrpSpPr>
+        <p:cNvPr id="1" name=""/>
+        <p:cNvGrpSpPr/>
+        <p:nvPr/>
+      </p:nvGrpSpPr>
+      <p:grpSpPr>
+        <a:xfrm>
+          <a:off x="0" y="0"/>
+          <a:ext cx="0" cy="0"/>
+          <a:chOff x="0" y="0"/>
+          <a:chExt cx="0" cy="0"/>
+        </a:xfrm>
+      </p:grpSpPr>
+      <p:sp>
+        <p:nvSpPr>
+          <p:cNvPr id="2" name="Slide Image Placeholder 1"/>
+          <p:cNvSpPr>
+            <a:spLocks noGrp="1" noRot="1" noChangeAspect="1"/>
+          </p:cNvSpPr>
+          <p:nvPr>
+            <p:ph type="sldImg"/>
+          </p:nvPr>
+        </p:nvSpPr>
+        <p:spPr/>
+      </p:sp>
+      <p:sp>
+        <p:nvSpPr>
+          <p:cNvPr id="3" name="Notes Placeholder 2"/>
+          <p:cNvSpPr>
+            <a:spLocks noGrp="1"/>
+          </p:cNvSpPr>
+          <p:nvPr>
+            <p:ph type="body" idx="1"/>
+          </p:nvPr>
+        </p:nvSpPr>
+        <p:spPr/>
+        <p:txBody>
+          <a:bodyPr/>
+          <a:lstStyle/>
+          <a:p>
+            <a:r>
+              <a:rPr lang="en-NZ" sz="1200" b="1" i="0" kern="1200" dirty="0">
+                <a:solidFill>
+                  <a:schemeClr val="tx1"/>
+                </a:solidFill>
+                <a:effectLst/>
+                <a:latin typeface="+mn-lt"/>
+                <a:ea typeface="+mn-ea"/>
+                <a:cs typeface="+mn-cs"/>
+              </a:rPr>
+              <a:t>1. Set your purpose and goals:</a:t>
+            </a:r>
+          </a:p>
+          <a:p>
+            <a:endParaRPr lang="en-NZ" sz="1200" b="0" i="0" kern="1200" dirty="0">
+              <a:solidFill>
+                <a:schemeClr val="tx1"/>
+              </a:solidFill>
+              <a:effectLst/>
+              <a:latin typeface="+mn-lt"/>
+              <a:ea typeface="+mn-ea"/>
+              <a:cs typeface="+mn-cs"/>
+            </a:endParaRPr>
+          </a:p>
+          <a:p>
+            <a:r>
+              <a:rPr lang="en-NZ" sz="1200" b="0" i="0" kern="1200" dirty="0">
+                <a:solidFill>
+                  <a:schemeClr val="tx1"/>
+                </a:solidFill>
+                <a:effectLst/>
+                <a:latin typeface="+mn-lt"/>
+                <a:ea typeface="+mn-ea"/>
+                <a:cs typeface="+mn-cs"/>
+              </a:rPr>
+              <a:t>What is the purpose of your website? Is it to gain publicity for your business? To sell your inventory? To rally support behind a cause? It’s important to identify your website’s purpose, as well as your target audience. You should also define your goals. How many visitors do you expect per month? How many do you expect will sign up for your newsletter? How much in sales do you expect to make? Set measurable, specific goals for your website that are in line with your marketing goals. An analytics tool like Google Analytics will allow you to monitor your website’s performance over time.</a:t>
+            </a:r>
+          </a:p>
+          <a:p>
+            <a:endParaRPr lang="en-NZ" sz="1200" b="0" i="0" kern="1200" dirty="0">
+              <a:solidFill>
+                <a:schemeClr val="tx1"/>
+              </a:solidFill>
+              <a:effectLst/>
+              <a:latin typeface="+mn-lt"/>
+              <a:ea typeface="+mn-ea"/>
+              <a:cs typeface="+mn-cs"/>
+            </a:endParaRPr>
+          </a:p>
+          <a:p>
+            <a:r>
+              <a:rPr lang="en-NZ" sz="1200" b="1" i="0" kern="1200" dirty="0">
+                <a:solidFill>
+                  <a:schemeClr val="tx1"/>
+                </a:solidFill>
+                <a:effectLst/>
+                <a:latin typeface="+mn-lt"/>
+                <a:ea typeface="+mn-ea"/>
+                <a:cs typeface="+mn-cs"/>
+              </a:rPr>
+              <a:t>2. Create a budget:</a:t>
+            </a:r>
+          </a:p>
+          <a:p>
+            <a:endParaRPr lang="en-NZ" sz="1200" b="0" i="0" kern="1200" dirty="0">
+              <a:solidFill>
+                <a:schemeClr val="tx1"/>
+              </a:solidFill>
+              <a:effectLst/>
+              <a:latin typeface="+mn-lt"/>
+              <a:ea typeface="+mn-ea"/>
+              <a:cs typeface="+mn-cs"/>
+            </a:endParaRPr>
+          </a:p>
+          <a:p>
+            <a:r>
+              <a:rPr lang="en-NZ" sz="1200" b="0" i="0" kern="1200" dirty="0">
+                <a:solidFill>
+                  <a:schemeClr val="tx1"/>
+                </a:solidFill>
+                <a:effectLst/>
+                <a:latin typeface="+mn-lt"/>
+                <a:ea typeface="+mn-ea"/>
+                <a:cs typeface="+mn-cs"/>
+              </a:rPr>
+              <a:t>Whether you’re an established, mid-sized organization or a fledgling start-up, you should always set a budget for your website expenses. This will probably include funds for web design, programming, and web hosting (though other expenses may apply). Research the market by shopping around and consulting with professionals. Don’t sell yourself short by comparing prices alone. What you save in money you may later pay for with a </a:t>
+            </a:r>
+            <a:r>
+              <a:rPr lang="en-NZ" sz="1200" b="0" i="0" kern="1200" dirty="0" err="1">
+                <a:solidFill>
+                  <a:schemeClr val="tx1"/>
+                </a:solidFill>
+                <a:effectLst/>
+                <a:latin typeface="+mn-lt"/>
+                <a:ea typeface="+mn-ea"/>
+                <a:cs typeface="+mn-cs"/>
+              </a:rPr>
+              <a:t>lackluster</a:t>
+            </a:r>
+            <a:r>
+              <a:rPr lang="en-NZ" sz="1200" b="0" i="0" kern="1200" dirty="0">
+                <a:solidFill>
+                  <a:schemeClr val="tx1"/>
+                </a:solidFill>
+                <a:effectLst/>
+                <a:latin typeface="+mn-lt"/>
+                <a:ea typeface="+mn-ea"/>
+                <a:cs typeface="+mn-cs"/>
+              </a:rPr>
+              <a:t> site and lots of headaches. It’s better to choose team members based on experience, insightfulness, references, and examples of work.</a:t>
+            </a:r>
+          </a:p>
+          <a:p>
+            <a:endParaRPr lang="en-NZ" sz="1200" b="0" i="0" kern="1200" dirty="0">
+              <a:solidFill>
+                <a:schemeClr val="tx1"/>
+              </a:solidFill>
+              <a:effectLst/>
+              <a:latin typeface="+mn-lt"/>
+              <a:ea typeface="+mn-ea"/>
+              <a:cs typeface="+mn-cs"/>
+            </a:endParaRPr>
+          </a:p>
+          <a:p>
+            <a:r>
+              <a:rPr lang="en-NZ" sz="1200" b="1" i="0" kern="1200" dirty="0">
+                <a:solidFill>
+                  <a:schemeClr val="tx1"/>
+                </a:solidFill>
+                <a:effectLst/>
+                <a:latin typeface="+mn-lt"/>
+                <a:ea typeface="+mn-ea"/>
+                <a:cs typeface="+mn-cs"/>
+              </a:rPr>
+              <a:t>3. Assign roles:</a:t>
+            </a:r>
+          </a:p>
+          <a:p>
+            <a:endParaRPr lang="en-NZ" sz="1200" b="0" i="0" kern="1200" dirty="0">
+              <a:solidFill>
+                <a:schemeClr val="tx1"/>
+              </a:solidFill>
+              <a:effectLst/>
+              <a:latin typeface="+mn-lt"/>
+              <a:ea typeface="+mn-ea"/>
+              <a:cs typeface="+mn-cs"/>
+            </a:endParaRPr>
+          </a:p>
+          <a:p>
+            <a:r>
+              <a:rPr lang="en-NZ" sz="1200" b="0" i="0" kern="1200" dirty="0">
+                <a:solidFill>
+                  <a:schemeClr val="tx1"/>
+                </a:solidFill>
+                <a:effectLst/>
+                <a:latin typeface="+mn-lt"/>
+                <a:ea typeface="+mn-ea"/>
+                <a:cs typeface="+mn-cs"/>
+              </a:rPr>
+              <a:t>Company stakeholders (owner, marketing manager, or whoever else represents a primary function of the business)</a:t>
+            </a:r>
+          </a:p>
+          <a:p>
+            <a:r>
+              <a:rPr lang="en-NZ" sz="1200" b="0" i="0" kern="1200" dirty="0">
+                <a:solidFill>
+                  <a:schemeClr val="tx1"/>
+                </a:solidFill>
+                <a:effectLst/>
+                <a:latin typeface="+mn-lt"/>
+                <a:ea typeface="+mn-ea"/>
+                <a:cs typeface="+mn-cs"/>
+              </a:rPr>
+              <a:t>Web developer</a:t>
+            </a:r>
+          </a:p>
+          <a:p>
+            <a:r>
+              <a:rPr lang="en-NZ" sz="1200" b="0" i="0" kern="1200" dirty="0">
+                <a:solidFill>
+                  <a:schemeClr val="tx1"/>
+                </a:solidFill>
+                <a:effectLst/>
+                <a:latin typeface="+mn-lt"/>
+                <a:ea typeface="+mn-ea"/>
+                <a:cs typeface="+mn-cs"/>
+              </a:rPr>
+              <a:t>Content writer and/or editor</a:t>
+            </a:r>
+          </a:p>
+          <a:p>
+            <a:r>
+              <a:rPr lang="en-NZ" sz="1200" b="0" i="0" kern="1200" dirty="0">
+                <a:solidFill>
+                  <a:schemeClr val="tx1"/>
+                </a:solidFill>
+                <a:effectLst/>
+                <a:latin typeface="+mn-lt"/>
+                <a:ea typeface="+mn-ea"/>
+                <a:cs typeface="+mn-cs"/>
+              </a:rPr>
+              <a:t>HTML/CSS professional</a:t>
+            </a:r>
+          </a:p>
+          <a:p>
+            <a:r>
+              <a:rPr lang="en-NZ" sz="1200" b="0" i="0" kern="1200" dirty="0">
+                <a:solidFill>
+                  <a:schemeClr val="tx1"/>
+                </a:solidFill>
+                <a:effectLst/>
+                <a:latin typeface="+mn-lt"/>
+                <a:ea typeface="+mn-ea"/>
+                <a:cs typeface="+mn-cs"/>
+              </a:rPr>
+              <a:t>Web and graphic designer</a:t>
+            </a:r>
+          </a:p>
+          <a:p>
+            <a:r>
+              <a:rPr lang="en-NZ" sz="1200" b="0" i="0" kern="1200" dirty="0">
+                <a:solidFill>
+                  <a:schemeClr val="tx1"/>
+                </a:solidFill>
+                <a:effectLst/>
+                <a:latin typeface="+mn-lt"/>
+                <a:ea typeface="+mn-ea"/>
+                <a:cs typeface="+mn-cs"/>
+              </a:rPr>
+              <a:t>Make sure everyone on your team knows their role and what is expected of them, and that they stay abreast of deadlines and new developments.</a:t>
+            </a:r>
+          </a:p>
+          <a:p>
+            <a:endParaRPr lang="en-NZ" sz="1200" b="0" i="0" kern="1200" dirty="0">
+              <a:solidFill>
+                <a:schemeClr val="tx1"/>
+              </a:solidFill>
+              <a:effectLst/>
+              <a:latin typeface="+mn-lt"/>
+              <a:ea typeface="+mn-ea"/>
+              <a:cs typeface="+mn-cs"/>
+            </a:endParaRPr>
+          </a:p>
+          <a:p>
+            <a:r>
+              <a:rPr lang="en-NZ" sz="1200" b="1" i="0" kern="1200" dirty="0">
+                <a:solidFill>
+                  <a:schemeClr val="tx1"/>
+                </a:solidFill>
+                <a:effectLst/>
+                <a:latin typeface="+mn-lt"/>
+                <a:ea typeface="+mn-ea"/>
+                <a:cs typeface="+mn-cs"/>
+              </a:rPr>
+              <a:t>4. Create a content strategy:</a:t>
+            </a:r>
+          </a:p>
+          <a:p>
+            <a:endParaRPr lang="en-NZ" sz="1200" b="0" i="0" kern="1200" dirty="0">
+              <a:solidFill>
+                <a:schemeClr val="tx1"/>
+              </a:solidFill>
+              <a:effectLst/>
+              <a:latin typeface="+mn-lt"/>
+              <a:ea typeface="+mn-ea"/>
+              <a:cs typeface="+mn-cs"/>
+            </a:endParaRPr>
+          </a:p>
+          <a:p>
+            <a:r>
+              <a:rPr lang="en-NZ" sz="1200" b="0" i="0" kern="1200" dirty="0">
+                <a:solidFill>
+                  <a:schemeClr val="tx1"/>
+                </a:solidFill>
+                <a:effectLst/>
+                <a:latin typeface="+mn-lt"/>
+                <a:ea typeface="+mn-ea"/>
+                <a:cs typeface="+mn-cs"/>
+              </a:rPr>
+              <a:t>What kind of content will you be displaying on your website? Content is basically anything that gives your visitors information. It can include, but is not limited to:</a:t>
+            </a:r>
+          </a:p>
+          <a:p>
+            <a:r>
+              <a:rPr lang="en-NZ" sz="1200" b="0" i="0" kern="1200" dirty="0">
+                <a:solidFill>
+                  <a:schemeClr val="tx1"/>
+                </a:solidFill>
+                <a:effectLst/>
+                <a:latin typeface="+mn-lt"/>
+                <a:ea typeface="+mn-ea"/>
+                <a:cs typeface="+mn-cs"/>
+              </a:rPr>
+              <a:t>Blog posts</a:t>
+            </a:r>
+          </a:p>
+          <a:p>
+            <a:r>
+              <a:rPr lang="en-NZ" sz="1200" b="0" i="0" kern="1200" dirty="0">
+                <a:solidFill>
+                  <a:schemeClr val="tx1"/>
+                </a:solidFill>
+                <a:effectLst/>
+                <a:latin typeface="+mn-lt"/>
+                <a:ea typeface="+mn-ea"/>
+                <a:cs typeface="+mn-cs"/>
+              </a:rPr>
+              <a:t>Documents</a:t>
+            </a:r>
+          </a:p>
+          <a:p>
+            <a:r>
+              <a:rPr lang="en-NZ" sz="1200" b="0" i="0" kern="1200" dirty="0">
+                <a:solidFill>
+                  <a:schemeClr val="tx1"/>
+                </a:solidFill>
+                <a:effectLst/>
+                <a:latin typeface="+mn-lt"/>
+                <a:ea typeface="+mn-ea"/>
+                <a:cs typeface="+mn-cs"/>
+              </a:rPr>
+              <a:t>Video</a:t>
+            </a:r>
+          </a:p>
+          <a:p>
+            <a:r>
+              <a:rPr lang="en-NZ" sz="1200" b="0" i="0" kern="1200" dirty="0">
+                <a:solidFill>
+                  <a:schemeClr val="tx1"/>
+                </a:solidFill>
+                <a:effectLst/>
+                <a:latin typeface="+mn-lt"/>
+                <a:ea typeface="+mn-ea"/>
+                <a:cs typeface="+mn-cs"/>
+              </a:rPr>
+              <a:t>Pictures (such as in a gallery)</a:t>
+            </a:r>
+          </a:p>
+          <a:p>
+            <a:r>
+              <a:rPr lang="en-NZ" sz="1200" b="0" i="0" kern="1200" dirty="0">
+                <a:solidFill>
+                  <a:schemeClr val="tx1"/>
+                </a:solidFill>
+                <a:effectLst/>
+                <a:latin typeface="+mn-lt"/>
+                <a:ea typeface="+mn-ea"/>
+                <a:cs typeface="+mn-cs"/>
+              </a:rPr>
+              <a:t>Slideshows</a:t>
+            </a:r>
+          </a:p>
+          <a:p>
+            <a:r>
+              <a:rPr lang="en-NZ" sz="1200" b="0" i="0" kern="1200" dirty="0">
+                <a:solidFill>
+                  <a:schemeClr val="tx1"/>
+                </a:solidFill>
+                <a:effectLst/>
+                <a:latin typeface="+mn-lt"/>
+                <a:ea typeface="+mn-ea"/>
+                <a:cs typeface="+mn-cs"/>
+              </a:rPr>
+              <a:t>Embedded social media feeds (such as your Twitter stream or Facebook page updates)</a:t>
+            </a:r>
+          </a:p>
+          <a:p>
+            <a:r>
+              <a:rPr lang="en-NZ" sz="1200" b="0" i="0" kern="1200" dirty="0">
+                <a:solidFill>
+                  <a:schemeClr val="tx1"/>
+                </a:solidFill>
+                <a:effectLst/>
+                <a:latin typeface="+mn-lt"/>
+                <a:ea typeface="+mn-ea"/>
+                <a:cs typeface="+mn-cs"/>
+              </a:rPr>
+              <a:t>Your </a:t>
+            </a:r>
+            <a:r>
+              <a:rPr lang="en-NZ" sz="1200" b="0" i="0" u="sng" kern="1200" dirty="0">
+                <a:solidFill>
+                  <a:schemeClr val="tx1"/>
+                </a:solidFill>
+                <a:effectLst/>
+                <a:latin typeface="+mn-lt"/>
+                <a:ea typeface="+mn-ea"/>
+                <a:cs typeface="+mn-cs"/>
+                <a:hlinkClick r:id="rId3"/>
+              </a:rPr>
+              <a:t>content strategy</a:t>
+            </a:r>
+            <a:r>
+              <a:rPr lang="en-NZ" sz="1200" b="0" i="0" kern="1200" dirty="0">
+                <a:solidFill>
+                  <a:schemeClr val="tx1"/>
+                </a:solidFill>
+                <a:effectLst/>
+                <a:latin typeface="+mn-lt"/>
+                <a:ea typeface="+mn-ea"/>
+                <a:cs typeface="+mn-cs"/>
+              </a:rPr>
+              <a:t> is the way that you plan to present your content over time. For instance, you may want to publish two blog posts a month, and put out a free quarterly report for your subscribers to download four times a year. Since content is such a vital aspect of a website, bring in help if you need it. Hire a writer who is experienced with writing for the web, and invest in some professional looking pictures of your storefront and employees.</a:t>
+            </a:r>
+          </a:p>
+          <a:p>
+            <a:r>
+              <a:rPr lang="en-NZ" sz="1200" b="0" i="0" kern="1200" dirty="0">
+                <a:solidFill>
+                  <a:schemeClr val="tx1"/>
+                </a:solidFill>
+                <a:effectLst/>
+                <a:latin typeface="+mn-lt"/>
+                <a:ea typeface="+mn-ea"/>
+                <a:cs typeface="+mn-cs"/>
+              </a:rPr>
+              <a:t>5. Structure your website.</a:t>
+            </a:r>
+          </a:p>
+          <a:p>
+            <a:r>
+              <a:rPr lang="en-NZ" sz="1200" b="0" i="0" kern="1200" dirty="0">
+                <a:solidFill>
+                  <a:schemeClr val="tx1"/>
+                </a:solidFill>
+                <a:effectLst/>
+                <a:latin typeface="+mn-lt"/>
+                <a:ea typeface="+mn-ea"/>
+                <a:cs typeface="+mn-cs"/>
+              </a:rPr>
+              <a:t>Decide what pages you’ll be using and what features will be on each one. Most websites have an About and Contact page, but the pages you use should meet your business’ needs.</a:t>
+            </a:r>
+          </a:p>
+          <a:p>
+            <a:endParaRPr lang="en-NZ" sz="1200" b="0" i="0" kern="1200" dirty="0">
+              <a:solidFill>
+                <a:schemeClr val="tx1"/>
+              </a:solidFill>
+              <a:effectLst/>
+              <a:latin typeface="+mn-lt"/>
+              <a:ea typeface="+mn-ea"/>
+              <a:cs typeface="+mn-cs"/>
+            </a:endParaRPr>
+          </a:p>
+          <a:p>
+            <a:r>
+              <a:rPr lang="en-NZ" sz="1200" b="1" i="0" kern="1200" dirty="0">
+                <a:solidFill>
+                  <a:schemeClr val="tx1"/>
+                </a:solidFill>
+                <a:effectLst/>
+                <a:latin typeface="+mn-lt"/>
+                <a:ea typeface="+mn-ea"/>
+                <a:cs typeface="+mn-cs"/>
+              </a:rPr>
+              <a:t>6. Create a mock-up:</a:t>
+            </a:r>
+          </a:p>
+          <a:p>
+            <a:endParaRPr lang="en-NZ" sz="1200" b="0" i="0" kern="1200" dirty="0">
+              <a:solidFill>
+                <a:schemeClr val="tx1"/>
+              </a:solidFill>
+              <a:effectLst/>
+              <a:latin typeface="+mn-lt"/>
+              <a:ea typeface="+mn-ea"/>
+              <a:cs typeface="+mn-cs"/>
+            </a:endParaRPr>
+          </a:p>
+          <a:p>
+            <a:r>
+              <a:rPr lang="en-NZ" sz="1200" b="0" i="0" kern="1200" dirty="0">
+                <a:solidFill>
+                  <a:schemeClr val="tx1"/>
+                </a:solidFill>
+                <a:effectLst/>
+                <a:latin typeface="+mn-lt"/>
+                <a:ea typeface="+mn-ea"/>
+                <a:cs typeface="+mn-cs"/>
+              </a:rPr>
+              <a:t>A page mock-up, also know as a wireframe, is essentially the outline of your website (with the initial design being the first draft). Usually created in Photoshop or Fireworks, you don’t have to put too much detail into your mock-up.  Use placeholder text to fill pages, and don’t worry about details. This is just to give everyone an idea of what the website will look like.</a:t>
+            </a:r>
+          </a:p>
+          <a:p>
+            <a:r>
+              <a:rPr lang="en-NZ" sz="1200" b="0" i="0" kern="1200" dirty="0">
+                <a:solidFill>
+                  <a:schemeClr val="tx1"/>
+                </a:solidFill>
+                <a:effectLst/>
+                <a:latin typeface="+mn-lt"/>
+                <a:ea typeface="+mn-ea"/>
+                <a:cs typeface="+mn-cs"/>
+              </a:rPr>
+              <a:t>If you don’t have a design program, you can also map it out with pen and paper! When you have a general feel of what you’d like, you can send it to a designer to create or do so yourself.</a:t>
+            </a:r>
+          </a:p>
+          <a:p>
+            <a:endParaRPr lang="en-NZ" sz="1200" b="0" i="0" kern="1200" dirty="0">
+              <a:solidFill>
+                <a:schemeClr val="tx1"/>
+              </a:solidFill>
+              <a:effectLst/>
+              <a:latin typeface="+mn-lt"/>
+              <a:ea typeface="+mn-ea"/>
+              <a:cs typeface="+mn-cs"/>
+            </a:endParaRPr>
+          </a:p>
+          <a:p>
+            <a:r>
+              <a:rPr lang="en-NZ" sz="1200" b="1" i="0" kern="1200" dirty="0">
+                <a:solidFill>
+                  <a:schemeClr val="tx1"/>
+                </a:solidFill>
+                <a:effectLst/>
+                <a:latin typeface="+mn-lt"/>
+                <a:ea typeface="+mn-ea"/>
+                <a:cs typeface="+mn-cs"/>
+              </a:rPr>
+              <a:t>7. Start designing:</a:t>
+            </a:r>
+          </a:p>
+          <a:p>
+            <a:endParaRPr lang="en-NZ" sz="1200" b="0" i="0" kern="1200" dirty="0">
+              <a:solidFill>
+                <a:schemeClr val="tx1"/>
+              </a:solidFill>
+              <a:effectLst/>
+              <a:latin typeface="+mn-lt"/>
+              <a:ea typeface="+mn-ea"/>
+              <a:cs typeface="+mn-cs"/>
+            </a:endParaRPr>
+          </a:p>
+          <a:p>
+            <a:r>
+              <a:rPr lang="en-NZ" sz="1200" b="0" i="0" kern="1200" dirty="0">
+                <a:solidFill>
+                  <a:schemeClr val="tx1"/>
+                </a:solidFill>
+                <a:effectLst/>
+                <a:latin typeface="+mn-lt"/>
+                <a:ea typeface="+mn-ea"/>
+                <a:cs typeface="+mn-cs"/>
+              </a:rPr>
+              <a:t>The importance of good web design can’t be stressed enough. Good website design includes both usability and aesthetics. An ugly website will drive away visitors, as will a website that’s difficult to navigate. Keep in mind some basic concepts of usability as you go:</a:t>
+            </a:r>
+          </a:p>
+          <a:p>
+            <a:r>
+              <a:rPr lang="en-NZ" sz="1200" b="0" i="0" kern="1200" dirty="0">
+                <a:solidFill>
+                  <a:schemeClr val="tx1"/>
+                </a:solidFill>
+                <a:effectLst/>
+                <a:latin typeface="+mn-lt"/>
+                <a:ea typeface="+mn-ea"/>
+                <a:cs typeface="+mn-cs"/>
+              </a:rPr>
+              <a:t>Make your navigation easy to understand and easy to find. Research shows that most users expect website navigation to be vertical and </a:t>
+            </a:r>
+            <a:r>
+              <a:rPr lang="en-NZ" sz="1200" b="0" i="0" kern="1200" dirty="0" err="1">
+                <a:solidFill>
+                  <a:schemeClr val="tx1"/>
+                </a:solidFill>
+                <a:effectLst/>
+                <a:latin typeface="+mn-lt"/>
+                <a:ea typeface="+mn-ea"/>
+                <a:cs typeface="+mn-cs"/>
+              </a:rPr>
+              <a:t>centered</a:t>
+            </a:r>
+            <a:r>
+              <a:rPr lang="en-NZ" sz="1200" b="0" i="0" kern="1200" dirty="0">
+                <a:solidFill>
+                  <a:schemeClr val="tx1"/>
+                </a:solidFill>
+                <a:effectLst/>
+                <a:latin typeface="+mn-lt"/>
+                <a:ea typeface="+mn-ea"/>
+                <a:cs typeface="+mn-cs"/>
+              </a:rPr>
+              <a:t> at the top of the page.</a:t>
+            </a:r>
+          </a:p>
+          <a:p>
+            <a:r>
+              <a:rPr lang="en-NZ" sz="1200" b="0" i="0" kern="1200" dirty="0">
+                <a:solidFill>
+                  <a:schemeClr val="tx1"/>
+                </a:solidFill>
+                <a:effectLst/>
+                <a:latin typeface="+mn-lt"/>
+                <a:ea typeface="+mn-ea"/>
+                <a:cs typeface="+mn-cs"/>
+              </a:rPr>
+              <a:t>Use an easy-to-read font for blocks of text. Choose a background </a:t>
+            </a:r>
+            <a:r>
+              <a:rPr lang="en-NZ" sz="1200" b="0" i="0" kern="1200" dirty="0" err="1">
+                <a:solidFill>
+                  <a:schemeClr val="tx1"/>
+                </a:solidFill>
+                <a:effectLst/>
+                <a:latin typeface="+mn-lt"/>
+                <a:ea typeface="+mn-ea"/>
+                <a:cs typeface="+mn-cs"/>
+              </a:rPr>
+              <a:t>color</a:t>
+            </a:r>
+            <a:r>
+              <a:rPr lang="en-NZ" sz="1200" b="0" i="0" kern="1200" dirty="0">
+                <a:solidFill>
+                  <a:schemeClr val="tx1"/>
+                </a:solidFill>
+                <a:effectLst/>
+                <a:latin typeface="+mn-lt"/>
+                <a:ea typeface="+mn-ea"/>
+                <a:cs typeface="+mn-cs"/>
+              </a:rPr>
+              <a:t> and text </a:t>
+            </a:r>
+            <a:r>
+              <a:rPr lang="en-NZ" sz="1200" b="0" i="0" kern="1200" dirty="0" err="1">
+                <a:solidFill>
+                  <a:schemeClr val="tx1"/>
+                </a:solidFill>
+                <a:effectLst/>
+                <a:latin typeface="+mn-lt"/>
+                <a:ea typeface="+mn-ea"/>
+                <a:cs typeface="+mn-cs"/>
+              </a:rPr>
+              <a:t>color</a:t>
+            </a:r>
+            <a:r>
+              <a:rPr lang="en-NZ" sz="1200" b="0" i="0" kern="1200" dirty="0">
+                <a:solidFill>
+                  <a:schemeClr val="tx1"/>
+                </a:solidFill>
+                <a:effectLst/>
+                <a:latin typeface="+mn-lt"/>
+                <a:ea typeface="+mn-ea"/>
+                <a:cs typeface="+mn-cs"/>
+              </a:rPr>
+              <a:t> that contrast well (Hint: No red text on a hot pink background).</a:t>
+            </a:r>
+          </a:p>
+          <a:p>
+            <a:r>
+              <a:rPr lang="en-NZ" sz="1200" b="0" i="0" kern="1200" dirty="0">
+                <a:solidFill>
+                  <a:schemeClr val="tx1"/>
+                </a:solidFill>
+                <a:effectLst/>
+                <a:latin typeface="+mn-lt"/>
+                <a:ea typeface="+mn-ea"/>
+                <a:cs typeface="+mn-cs"/>
+              </a:rPr>
+              <a:t>Make sure your site fits the screen. Use </a:t>
+            </a:r>
+            <a:r>
+              <a:rPr lang="en-NZ" sz="1200" b="0" i="0" u="sng" kern="1200" dirty="0">
+                <a:solidFill>
+                  <a:schemeClr val="tx1"/>
+                </a:solidFill>
+                <a:effectLst/>
+                <a:latin typeface="+mn-lt"/>
+                <a:ea typeface="+mn-ea"/>
+                <a:cs typeface="+mn-cs"/>
+                <a:hlinkClick r:id="rId4"/>
+              </a:rPr>
+              <a:t>responsive design</a:t>
+            </a:r>
+            <a:r>
+              <a:rPr lang="en-NZ" sz="1200" b="0" i="0" kern="1200" dirty="0">
+                <a:solidFill>
+                  <a:schemeClr val="tx1"/>
+                </a:solidFill>
+                <a:effectLst/>
+                <a:latin typeface="+mn-lt"/>
+                <a:ea typeface="+mn-ea"/>
+                <a:cs typeface="+mn-cs"/>
+              </a:rPr>
+              <a:t> (or an equally effective approach) to make your website one that adapts to all screen sizes.</a:t>
+            </a:r>
+          </a:p>
+          <a:p>
+            <a:r>
+              <a:rPr lang="en-NZ" sz="1200" b="0" i="0" kern="1200" dirty="0">
+                <a:solidFill>
+                  <a:schemeClr val="tx1"/>
+                </a:solidFill>
+                <a:effectLst/>
+                <a:latin typeface="+mn-lt"/>
+                <a:ea typeface="+mn-ea"/>
+                <a:cs typeface="+mn-cs"/>
+              </a:rPr>
+              <a:t>Keep your website light so that it loads quickly.</a:t>
+            </a:r>
+          </a:p>
+          <a:p>
+            <a:r>
+              <a:rPr lang="en-NZ" sz="1200" b="0" i="0" kern="1200" dirty="0">
+                <a:solidFill>
+                  <a:schemeClr val="tx1"/>
+                </a:solidFill>
+                <a:effectLst/>
+                <a:latin typeface="+mn-lt"/>
+                <a:ea typeface="+mn-ea"/>
+                <a:cs typeface="+mn-cs"/>
+              </a:rPr>
+              <a:t>Make the company logo and tag line prominent on the page.</a:t>
+            </a:r>
+          </a:p>
+          <a:p>
+            <a:r>
+              <a:rPr lang="en-NZ" sz="1200" b="0" i="0" kern="1200" dirty="0">
+                <a:solidFill>
+                  <a:schemeClr val="tx1"/>
+                </a:solidFill>
+                <a:effectLst/>
+                <a:latin typeface="+mn-lt"/>
+                <a:ea typeface="+mn-ea"/>
+                <a:cs typeface="+mn-cs"/>
+              </a:rPr>
+              <a:t>Keep styles and </a:t>
+            </a:r>
+            <a:r>
+              <a:rPr lang="en-NZ" sz="1200" b="0" i="0" kern="1200" dirty="0" err="1">
+                <a:solidFill>
+                  <a:schemeClr val="tx1"/>
+                </a:solidFill>
+                <a:effectLst/>
+                <a:latin typeface="+mn-lt"/>
+                <a:ea typeface="+mn-ea"/>
+                <a:cs typeface="+mn-cs"/>
+              </a:rPr>
+              <a:t>colors</a:t>
+            </a:r>
+            <a:r>
+              <a:rPr lang="en-NZ" sz="1200" b="0" i="0" kern="1200" dirty="0">
+                <a:solidFill>
+                  <a:schemeClr val="tx1"/>
+                </a:solidFill>
+                <a:effectLst/>
+                <a:latin typeface="+mn-lt"/>
+                <a:ea typeface="+mn-ea"/>
+                <a:cs typeface="+mn-cs"/>
+              </a:rPr>
+              <a:t> consistent across the website.</a:t>
+            </a:r>
+          </a:p>
+          <a:p>
+            <a:r>
+              <a:rPr lang="en-NZ" sz="1200" b="0" i="0" kern="1200" dirty="0">
+                <a:solidFill>
+                  <a:schemeClr val="tx1"/>
+                </a:solidFill>
+                <a:effectLst/>
+                <a:latin typeface="+mn-lt"/>
+                <a:ea typeface="+mn-ea"/>
+                <a:cs typeface="+mn-cs"/>
+              </a:rPr>
+              <a:t>Make copy clear and concise, and put important information and features (e.g., your newsletter sign-up form) above the fold.</a:t>
+            </a:r>
+          </a:p>
+          <a:p>
+            <a:r>
+              <a:rPr lang="en-NZ" sz="1200" b="0" i="0" kern="1200" dirty="0">
+                <a:solidFill>
+                  <a:schemeClr val="tx1"/>
+                </a:solidFill>
+                <a:effectLst/>
+                <a:latin typeface="+mn-lt"/>
+                <a:ea typeface="+mn-ea"/>
+                <a:cs typeface="+mn-cs"/>
+              </a:rPr>
+              <a:t>Make notes about what to include in the style sheet as you design, as you want to keep style and function separate. This is important, not only to comply with </a:t>
+            </a:r>
+            <a:r>
+              <a:rPr lang="en-NZ" sz="1200" b="0" i="0" u="sng" kern="1200" dirty="0">
+                <a:solidFill>
+                  <a:schemeClr val="tx1"/>
+                </a:solidFill>
+                <a:effectLst/>
+                <a:latin typeface="+mn-lt"/>
+                <a:ea typeface="+mn-ea"/>
+                <a:cs typeface="+mn-cs"/>
+                <a:hlinkClick r:id="rId5"/>
+              </a:rPr>
+              <a:t>web standards</a:t>
+            </a:r>
+            <a:r>
+              <a:rPr lang="en-NZ" sz="1200" b="0" i="0" kern="1200" dirty="0">
+                <a:solidFill>
+                  <a:schemeClr val="tx1"/>
+                </a:solidFill>
+                <a:effectLst/>
+                <a:latin typeface="+mn-lt"/>
+                <a:ea typeface="+mn-ea"/>
+                <a:cs typeface="+mn-cs"/>
+              </a:rPr>
+              <a:t>, but to make it easier to change something in the future if you need to.</a:t>
+            </a:r>
+          </a:p>
+          <a:p>
+            <a:r>
+              <a:rPr lang="en-NZ" sz="1200" b="0" i="0" kern="1200" dirty="0">
+                <a:solidFill>
+                  <a:schemeClr val="tx1"/>
+                </a:solidFill>
+                <a:effectLst/>
+                <a:latin typeface="+mn-lt"/>
+                <a:ea typeface="+mn-ea"/>
+                <a:cs typeface="+mn-cs"/>
+              </a:rPr>
+              <a:t>You should also design with the future in mind. For instance, your website may only have a few blog posts now, but what about when you have two hundred?</a:t>
+            </a:r>
+          </a:p>
+          <a:p>
+            <a:endParaRPr lang="en-NZ" sz="1200" b="0" i="0" kern="1200" dirty="0">
+              <a:solidFill>
+                <a:schemeClr val="tx1"/>
+              </a:solidFill>
+              <a:effectLst/>
+              <a:latin typeface="+mn-lt"/>
+              <a:ea typeface="+mn-ea"/>
+              <a:cs typeface="+mn-cs"/>
+            </a:endParaRPr>
+          </a:p>
+          <a:p>
+            <a:r>
+              <a:rPr lang="en-NZ" sz="1200" b="1" i="0" kern="1200" dirty="0">
+                <a:solidFill>
+                  <a:schemeClr val="tx1"/>
+                </a:solidFill>
+                <a:effectLst/>
+                <a:latin typeface="+mn-lt"/>
+                <a:ea typeface="+mn-ea"/>
+                <a:cs typeface="+mn-cs"/>
+              </a:rPr>
+              <a:t>8. Test it out:</a:t>
+            </a:r>
+          </a:p>
+          <a:p>
+            <a:endParaRPr lang="en-NZ" sz="1200" b="0" i="0" kern="1200" dirty="0">
+              <a:solidFill>
+                <a:schemeClr val="tx1"/>
+              </a:solidFill>
+              <a:effectLst/>
+              <a:latin typeface="+mn-lt"/>
+              <a:ea typeface="+mn-ea"/>
+              <a:cs typeface="+mn-cs"/>
+            </a:endParaRPr>
+          </a:p>
+          <a:p>
+            <a:r>
+              <a:rPr lang="en-NZ" sz="1200" b="0" i="0" kern="1200" dirty="0">
+                <a:solidFill>
+                  <a:schemeClr val="tx1"/>
+                </a:solidFill>
+                <a:effectLst/>
+                <a:latin typeface="+mn-lt"/>
+                <a:ea typeface="+mn-ea"/>
+                <a:cs typeface="+mn-cs"/>
+              </a:rPr>
+              <a:t>Testing is important for getting out bugs out and catching details that you might have missed initially. Make sure your website shows up the way you want it to in all browsers, including Chrome, Firefox, Internet Explorer, and mobile web browsers like Safari and Opera Mini. Test it on your cell phone, your tablet, and your colleague’s cell phones and tablets too. You want your site to have a consistent appearance no matter what screen it shows up on. Make sure all of the links work, that the images are properly sized, and that you’ve replaced all of the placeholders with actual content. See to it that all of the forms and other input fields are working.</a:t>
+            </a:r>
+          </a:p>
+          <a:p>
+            <a:endParaRPr lang="en-NZ" sz="1200" b="0" i="0" kern="1200" dirty="0">
+              <a:solidFill>
+                <a:schemeClr val="tx1"/>
+              </a:solidFill>
+              <a:effectLst/>
+              <a:latin typeface="+mn-lt"/>
+              <a:ea typeface="+mn-ea"/>
+              <a:cs typeface="+mn-cs"/>
+            </a:endParaRPr>
+          </a:p>
+          <a:p>
+            <a:r>
+              <a:rPr lang="en-NZ" sz="1200" b="1" i="0" kern="1200" dirty="0">
+                <a:solidFill>
+                  <a:schemeClr val="tx1"/>
+                </a:solidFill>
+                <a:effectLst/>
+                <a:latin typeface="+mn-lt"/>
+                <a:ea typeface="+mn-ea"/>
+                <a:cs typeface="+mn-cs"/>
+              </a:rPr>
+              <a:t>9. Maintain your site:</a:t>
+            </a:r>
+          </a:p>
+          <a:p>
+            <a:endParaRPr lang="en-NZ" sz="1200" b="0" i="0" kern="1200" dirty="0">
+              <a:solidFill>
+                <a:schemeClr val="tx1"/>
+              </a:solidFill>
+              <a:effectLst/>
+              <a:latin typeface="+mn-lt"/>
+              <a:ea typeface="+mn-ea"/>
+              <a:cs typeface="+mn-cs"/>
+            </a:endParaRPr>
+          </a:p>
+          <a:p>
+            <a:r>
+              <a:rPr lang="en-NZ" sz="1200" b="0" i="0" kern="1200" dirty="0">
+                <a:solidFill>
+                  <a:schemeClr val="tx1"/>
+                </a:solidFill>
+                <a:effectLst/>
+                <a:latin typeface="+mn-lt"/>
+                <a:ea typeface="+mn-ea"/>
+                <a:cs typeface="+mn-cs"/>
+              </a:rPr>
+              <a:t>Once your site is launched, the work isn’t over. A website is an ongoing entity that continuously represents your company, so maintenance is very important. Monitor your analytics software to see how your website is performing with the public. Keep an eye on metrics like your number of unique visitors, bounce rate, and which pages are most popular on your website. You might find that certain metrics are more useful to you than others, but that is information you’ll find out over time.</a:t>
+            </a:r>
+          </a:p>
+          <a:p>
+            <a:r>
+              <a:rPr lang="en-NZ" sz="1200" b="0" i="0" kern="1200" dirty="0">
+                <a:solidFill>
+                  <a:schemeClr val="tx1"/>
+                </a:solidFill>
+                <a:effectLst/>
+                <a:latin typeface="+mn-lt"/>
+                <a:ea typeface="+mn-ea"/>
+                <a:cs typeface="+mn-cs"/>
+              </a:rPr>
+              <a:t>You should also have a plan for maintaining the website, such as who is responsible for posting new content or monitoring site security. And of course, get feedback from your users. Feedback is a valuable tool for improvement.</a:t>
+            </a:r>
+          </a:p>
+          <a:p>
+            <a:r>
+              <a:rPr lang="en-NZ" sz="1200" b="0" i="0" kern="1200" dirty="0">
+                <a:solidFill>
+                  <a:schemeClr val="tx1"/>
+                </a:solidFill>
+                <a:effectLst/>
+                <a:latin typeface="+mn-lt"/>
+                <a:ea typeface="+mn-ea"/>
+                <a:cs typeface="+mn-cs"/>
+              </a:rPr>
+              <a:t>Planning a website ahead of time is just as important as planning anything else in business, yet this step often gets overlooked by those anxious to claim their piece of internet real estate. Taking the time to plan your website is a great investment, and it will better you chances of having a finished product that serves you well for as long as you need it.</a:t>
+            </a:r>
+          </a:p>
+          <a:p>
+            <a:pPr marL="0" indent="0">
+              <a:buFont typeface="Arial" panose="020B0604020202020204" pitchFamily="34" charset="0"/>
+              <a:buNone/>
+            </a:pPr>
+            <a:endParaRPr lang="en-NZ" dirty="0"/>
+          </a:p>
+        </p:txBody>
+      </p:sp>
+      <p:sp>
+        <p:nvSpPr>
+          <p:cNvPr id="4" name="Slide Number Placeholder 3"/>
+          <p:cNvSpPr>
+            <a:spLocks noGrp="1"/>
+          </p:cNvSpPr>
+          <p:nvPr>
+            <p:ph type="sldNum" sz="quarter" idx="5"/>
+          </p:nvPr>
+        </p:nvSpPr>
+        <p:spPr/>
+        <p:txBody>
+          <a:bodyPr/>
+          <a:lstStyle/>
+          <a:p>
+            <a:fld id="{AA6AEB39-020A-432B-83F5-EFCAD66B5A24}" type="slidenum">
+              <a:rPr lang="en-NZ" smtClean="0"/>
+              <a:t>7</a:t>
+            </a:fld>
+            <a:endParaRPr lang="en-NZ"/>
+          </a:p>
+        </p:txBody>
+      </p:sp>
+    </p:spTree>
+    <p:extLst>
+      <p:ext uri="{BB962C8B-B14F-4D97-AF65-F5344CB8AC3E}">
+        <p14:creationId xmlns:p14="http://schemas.microsoft.com/office/powerpoint/2010/main" val="1808143172"/>
+      </p:ext>
+    </p:extLst>
+  </p:cSld>
+  <p:clrMapOvr>
+    <a:masterClrMapping/>
+  </p:clrMapOvr>
+</p:notes>
+</file>
+
+<file path=ppt/notesSlides/notesSlide8.xml><?xml version="1.0" encoding="utf-8"?>
+<p:notes xmlns:a="http://schemas.openxmlformats.org/drawingml/2006/main" xmlns:r="http://schemas.openxmlformats.org/officeDocument/2006/relationships" xmlns:p="http://schemas.openxmlformats.org/presentationml/2006/main">
+  <p:cSld>
+    <p:spTree>
+      <p:nvGrpSpPr>
+        <p:cNvPr id="1" name=""/>
+        <p:cNvGrpSpPr/>
+        <p:nvPr/>
+      </p:nvGrpSpPr>
+      <p:grpSpPr>
+        <a:xfrm>
+          <a:off x="0" y="0"/>
+          <a:ext cx="0" cy="0"/>
+          <a:chOff x="0" y="0"/>
+          <a:chExt cx="0" cy="0"/>
+        </a:xfrm>
+      </p:grpSpPr>
+      <p:sp>
+        <p:nvSpPr>
+          <p:cNvPr id="2" name="Slide Image Placeholder 1"/>
+          <p:cNvSpPr>
+            <a:spLocks noGrp="1" noRot="1" noChangeAspect="1"/>
+          </p:cNvSpPr>
+          <p:nvPr>
+            <p:ph type="sldImg"/>
+          </p:nvPr>
+        </p:nvSpPr>
+        <p:spPr/>
+      </p:sp>
+      <p:sp>
+        <p:nvSpPr>
+          <p:cNvPr id="3" name="Notes Placeholder 2"/>
+          <p:cNvSpPr>
+            <a:spLocks noGrp="1"/>
+          </p:cNvSpPr>
+          <p:nvPr>
+            <p:ph type="body" idx="1"/>
+          </p:nvPr>
+        </p:nvSpPr>
+        <p:spPr/>
+        <p:txBody>
+          <a:bodyPr/>
+          <a:lstStyle/>
+          <a:p>
+            <a:r>
+              <a:rPr lang="en-NZ" dirty="0" err="1"/>
+              <a:t>Css</a:t>
+            </a:r>
+            <a:endParaRPr lang="en-NZ" dirty="0"/>
+          </a:p>
+          <a:p>
+            <a:pPr marL="0" indent="0">
+              <a:buFont typeface="Arial" panose="020B0604020202020204" pitchFamily="34" charset="0"/>
+              <a:buNone/>
+            </a:pPr>
+            <a:r>
+              <a:rPr lang="en-NZ" dirty="0"/>
+              <a:t>Body{</a:t>
+            </a:r>
+          </a:p>
+          <a:p>
+            <a:pPr marL="0" indent="0">
+              <a:buFont typeface="Arial" panose="020B0604020202020204" pitchFamily="34" charset="0"/>
+              <a:buNone/>
+            </a:pPr>
+            <a:r>
+              <a:rPr lang="en-NZ" dirty="0"/>
+              <a:t>        Background-</a:t>
+            </a:r>
+            <a:r>
+              <a:rPr lang="en-NZ" dirty="0" err="1"/>
+              <a:t>color</a:t>
+            </a:r>
+            <a:r>
+              <a:rPr lang="en-NZ" dirty="0"/>
+              <a:t>:#f4f4f4;</a:t>
+            </a:r>
+          </a:p>
+          <a:p>
+            <a:pPr marL="0" indent="0">
+              <a:buFont typeface="Arial" panose="020B0604020202020204" pitchFamily="34" charset="0"/>
+              <a:buNone/>
+            </a:pPr>
+            <a:r>
+              <a:rPr lang="en-NZ" dirty="0"/>
+              <a:t>        </a:t>
+            </a:r>
+            <a:r>
+              <a:rPr lang="en-NZ" dirty="0" err="1"/>
+              <a:t>color</a:t>
+            </a:r>
+            <a:r>
+              <a:rPr lang="en-NZ" dirty="0"/>
+              <a:t>:#555;</a:t>
+            </a:r>
+          </a:p>
+          <a:p>
+            <a:pPr marL="0" indent="0">
+              <a:buFont typeface="Arial" panose="020B0604020202020204" pitchFamily="34" charset="0"/>
+              <a:buNone/>
+            </a:pPr>
+            <a:r>
+              <a:rPr lang="en-NZ" dirty="0"/>
+              <a:t>        </a:t>
+            </a:r>
+            <a:r>
+              <a:rPr lang="en-NZ" dirty="0" err="1"/>
+              <a:t>font-family:arial</a:t>
+            </a:r>
+            <a:r>
+              <a:rPr lang="en-NZ" dirty="0"/>
+              <a:t>, Helvetica, sans-serif;</a:t>
+            </a:r>
+          </a:p>
+          <a:p>
+            <a:pPr marL="0" indent="0">
+              <a:buFont typeface="Arial" panose="020B0604020202020204" pitchFamily="34" charset="0"/>
+              <a:buNone/>
+            </a:pPr>
+            <a:r>
+              <a:rPr lang="en-NZ" dirty="0"/>
+              <a:t>        font-size:16px;</a:t>
+            </a:r>
+          </a:p>
+          <a:p>
+            <a:pPr marL="0" indent="0">
+              <a:buFont typeface="Arial" panose="020B0604020202020204" pitchFamily="34" charset="0"/>
+              <a:buNone/>
+            </a:pPr>
+            <a:r>
+              <a:rPr lang="en-NZ" dirty="0"/>
+              <a:t>        line-height:1.6em;</a:t>
+            </a:r>
+          </a:p>
+          <a:p>
+            <a:pPr marL="0" indent="0">
+              <a:buFont typeface="Arial" panose="020B0604020202020204" pitchFamily="34" charset="0"/>
+              <a:buNone/>
+            </a:pPr>
+            <a:r>
+              <a:rPr lang="en-NZ" dirty="0"/>
+              <a:t>        margin:0;</a:t>
+            </a:r>
+          </a:p>
+          <a:p>
+            <a:pPr marL="0" indent="0">
+              <a:buFont typeface="Arial" panose="020B0604020202020204" pitchFamily="34" charset="0"/>
+              <a:buNone/>
+            </a:pPr>
+            <a:r>
+              <a:rPr lang="en-NZ" dirty="0"/>
+              <a:t>}</a:t>
+            </a:r>
+          </a:p>
+          <a:p>
+            <a:pPr marL="0" indent="0">
+              <a:buFont typeface="Arial" panose="020B0604020202020204" pitchFamily="34" charset="0"/>
+              <a:buNone/>
+            </a:pPr>
+            <a:r>
+              <a:rPr lang="en-NZ" dirty="0"/>
+              <a:t>.container{</a:t>
+            </a:r>
+          </a:p>
+          <a:p>
+            <a:pPr marL="0" indent="0">
+              <a:buFont typeface="Arial" panose="020B0604020202020204" pitchFamily="34" charset="0"/>
+              <a:buNone/>
+            </a:pPr>
+            <a:r>
+              <a:rPr lang="en-NZ" dirty="0"/>
+              <a:t>        width:80%;</a:t>
+            </a:r>
+          </a:p>
+          <a:p>
+            <a:pPr marL="0" indent="0">
+              <a:buFont typeface="Arial" panose="020B0604020202020204" pitchFamily="34" charset="0"/>
+              <a:buNone/>
+            </a:pPr>
+            <a:r>
+              <a:rPr lang="en-NZ" dirty="0"/>
+              <a:t>        </a:t>
+            </a:r>
+            <a:r>
+              <a:rPr lang="en-NZ" dirty="0" err="1"/>
+              <a:t>margin:auto</a:t>
+            </a:r>
+            <a:r>
+              <a:rPr lang="en-NZ" dirty="0"/>
+              <a:t>;</a:t>
+            </a:r>
+          </a:p>
+          <a:p>
+            <a:pPr marL="0" indent="0">
+              <a:buFont typeface="Arial" panose="020B0604020202020204" pitchFamily="34" charset="0"/>
+              <a:buNone/>
+            </a:pPr>
+            <a:r>
+              <a:rPr lang="en-NZ" dirty="0"/>
+              <a:t>        </a:t>
+            </a:r>
+            <a:r>
+              <a:rPr lang="en-NZ" dirty="0" err="1"/>
+              <a:t>overflow:hidden</a:t>
+            </a:r>
+            <a:r>
+              <a:rPr lang="en-NZ" dirty="0"/>
+              <a:t>;</a:t>
+            </a:r>
+          </a:p>
+          <a:p>
+            <a:pPr marL="0" indent="0">
+              <a:buFont typeface="Arial" panose="020B0604020202020204" pitchFamily="34" charset="0"/>
+              <a:buNone/>
+            </a:pPr>
+            <a:r>
+              <a:rPr lang="en-NZ" dirty="0"/>
+              <a:t>}</a:t>
+            </a:r>
+          </a:p>
+          <a:p>
+            <a:pPr marL="0" indent="0">
+              <a:buFont typeface="Arial" panose="020B0604020202020204" pitchFamily="34" charset="0"/>
+              <a:buNone/>
+            </a:pPr>
+            <a:r>
+              <a:rPr lang="en-NZ" dirty="0"/>
+              <a:t>#main-header{</a:t>
+            </a:r>
+          </a:p>
+          <a:p>
+            <a:pPr marL="0" indent="0">
+              <a:buFont typeface="Arial" panose="020B0604020202020204" pitchFamily="34" charset="0"/>
+              <a:buNone/>
+            </a:pPr>
+            <a:r>
+              <a:rPr lang="en-NZ" dirty="0"/>
+              <a:t>     </a:t>
+            </a:r>
+            <a:r>
+              <a:rPr lang="en-NZ" dirty="0" err="1"/>
+              <a:t>background-color:coral</a:t>
+            </a:r>
+            <a:r>
+              <a:rPr lang="en-NZ" dirty="0"/>
+              <a:t>;</a:t>
+            </a:r>
+          </a:p>
+          <a:p>
+            <a:pPr marL="0" indent="0">
+              <a:buFont typeface="Arial" panose="020B0604020202020204" pitchFamily="34" charset="0"/>
+              <a:buNone/>
+            </a:pPr>
+            <a:r>
+              <a:rPr lang="en-NZ" dirty="0"/>
+              <a:t>     </a:t>
+            </a:r>
+            <a:r>
+              <a:rPr lang="en-NZ" dirty="0" err="1"/>
+              <a:t>color</a:t>
+            </a:r>
+            <a:r>
+              <a:rPr lang="en-NZ" dirty="0"/>
+              <a:t>: #</a:t>
+            </a:r>
+            <a:r>
+              <a:rPr lang="en-NZ" dirty="0" err="1"/>
+              <a:t>fff</a:t>
+            </a:r>
+            <a:r>
+              <a:rPr lang="en-NZ" dirty="0"/>
+              <a:t>;</a:t>
+            </a:r>
+          </a:p>
+          <a:p>
+            <a:pPr marL="0" indent="0">
+              <a:buFont typeface="Arial" panose="020B0604020202020204" pitchFamily="34" charset="0"/>
+              <a:buNone/>
+            </a:pPr>
+            <a:r>
+              <a:rPr lang="en-NZ" dirty="0"/>
+              <a:t>}</a:t>
+            </a:r>
+          </a:p>
+          <a:p>
+            <a:pPr marL="0" indent="0">
+              <a:buFont typeface="Arial" panose="020B0604020202020204" pitchFamily="34" charset="0"/>
+              <a:buNone/>
+            </a:pPr>
+            <a:r>
+              <a:rPr lang="en-NZ" dirty="0"/>
+              <a:t>#navbar{</a:t>
+            </a:r>
+          </a:p>
+          <a:p>
+            <a:pPr marL="0" indent="0">
+              <a:buFont typeface="Arial" panose="020B0604020202020204" pitchFamily="34" charset="0"/>
+              <a:buNone/>
+            </a:pPr>
+            <a:r>
+              <a:rPr lang="en-NZ" dirty="0"/>
+              <a:t>     background-</a:t>
+            </a:r>
+            <a:r>
+              <a:rPr lang="en-NZ" dirty="0" err="1"/>
+              <a:t>color</a:t>
+            </a:r>
+            <a:r>
+              <a:rPr lang="en-NZ" dirty="0"/>
+              <a:t>:#333;</a:t>
+            </a:r>
+          </a:p>
+          <a:p>
+            <a:pPr marL="0" indent="0">
+              <a:buFont typeface="Arial" panose="020B0604020202020204" pitchFamily="34" charset="0"/>
+              <a:buNone/>
+            </a:pPr>
+            <a:r>
+              <a:rPr lang="en-NZ" dirty="0"/>
+              <a:t>     </a:t>
+            </a:r>
+            <a:r>
+              <a:rPr lang="en-NZ" dirty="0" err="1"/>
+              <a:t>color</a:t>
+            </a:r>
+            <a:r>
+              <a:rPr lang="en-NZ" dirty="0"/>
+              <a:t>:#</a:t>
+            </a:r>
+            <a:r>
+              <a:rPr lang="en-NZ" dirty="0" err="1"/>
+              <a:t>fff</a:t>
+            </a:r>
+            <a:r>
+              <a:rPr lang="en-NZ" dirty="0"/>
+              <a:t>;</a:t>
+            </a:r>
+          </a:p>
+          <a:p>
+            <a:pPr marL="0" indent="0">
+              <a:buFont typeface="Arial" panose="020B0604020202020204" pitchFamily="34" charset="0"/>
+              <a:buNone/>
+            </a:pPr>
+            <a:r>
+              <a:rPr lang="en-NZ" dirty="0"/>
+              <a:t>     </a:t>
+            </a:r>
+          </a:p>
+          <a:p>
+            <a:pPr marL="0" indent="0">
+              <a:buFont typeface="Arial" panose="020B0604020202020204" pitchFamily="34" charset="0"/>
+              <a:buNone/>
+            </a:pPr>
+            <a:r>
+              <a:rPr lang="en-NZ" dirty="0"/>
+              <a:t>}</a:t>
+            </a:r>
+          </a:p>
+          <a:p>
+            <a:pPr marL="0" indent="0">
+              <a:buFont typeface="Arial" panose="020B0604020202020204" pitchFamily="34" charset="0"/>
+              <a:buNone/>
+            </a:pPr>
+            <a:r>
+              <a:rPr lang="en-NZ" dirty="0"/>
+              <a:t>#navbar ul{</a:t>
+            </a:r>
+          </a:p>
+          <a:p>
+            <a:pPr marL="0" indent="0">
+              <a:buFont typeface="Arial" panose="020B0604020202020204" pitchFamily="34" charset="0"/>
+              <a:buNone/>
+            </a:pPr>
+            <a:r>
+              <a:rPr lang="en-NZ" dirty="0"/>
+              <a:t>     padding:0;</a:t>
+            </a:r>
+          </a:p>
+          <a:p>
+            <a:pPr marL="0" indent="0">
+              <a:buFont typeface="Arial" panose="020B0604020202020204" pitchFamily="34" charset="0"/>
+              <a:buNone/>
+            </a:pPr>
+            <a:r>
+              <a:rPr lang="en-NZ" dirty="0"/>
+              <a:t>     </a:t>
+            </a:r>
+            <a:r>
+              <a:rPr lang="en-NZ" dirty="0" err="1"/>
+              <a:t>list-style:none</a:t>
+            </a:r>
+            <a:r>
+              <a:rPr lang="en-NZ" dirty="0"/>
+              <a:t>;</a:t>
+            </a:r>
+          </a:p>
+          <a:p>
+            <a:pPr marL="0" indent="0">
+              <a:buFont typeface="Arial" panose="020B0604020202020204" pitchFamily="34" charset="0"/>
+              <a:buNone/>
+            </a:pPr>
+            <a:r>
+              <a:rPr lang="en-NZ" dirty="0"/>
+              <a:t>}</a:t>
+            </a:r>
+          </a:p>
+          <a:p>
+            <a:pPr marL="0" indent="0">
+              <a:buFont typeface="Arial" panose="020B0604020202020204" pitchFamily="34" charset="0"/>
+              <a:buNone/>
+            </a:pPr>
+            <a:r>
+              <a:rPr lang="en-NZ" dirty="0"/>
+              <a:t>#navbar li{</a:t>
+            </a:r>
+          </a:p>
+          <a:p>
+            <a:pPr marL="0" indent="0">
+              <a:buFont typeface="Arial" panose="020B0604020202020204" pitchFamily="34" charset="0"/>
+              <a:buNone/>
+            </a:pPr>
+            <a:r>
+              <a:rPr lang="en-NZ" dirty="0"/>
+              <a:t>     display: inline;</a:t>
+            </a:r>
+          </a:p>
+          <a:p>
+            <a:pPr marL="0" indent="0">
+              <a:buFont typeface="Arial" panose="020B0604020202020204" pitchFamily="34" charset="0"/>
+              <a:buNone/>
+            </a:pPr>
+            <a:r>
+              <a:rPr lang="en-NZ" dirty="0"/>
+              <a:t>}</a:t>
+            </a:r>
+          </a:p>
+          <a:p>
+            <a:pPr marL="0" indent="0">
+              <a:buFont typeface="Arial" panose="020B0604020202020204" pitchFamily="34" charset="0"/>
+              <a:buNone/>
+            </a:pPr>
+            <a:r>
+              <a:rPr lang="en-NZ" dirty="0"/>
+              <a:t>#navbar a{</a:t>
+            </a:r>
+          </a:p>
+          <a:p>
+            <a:pPr marL="0" indent="0">
+              <a:buFont typeface="Arial" panose="020B0604020202020204" pitchFamily="34" charset="0"/>
+              <a:buNone/>
+            </a:pPr>
+            <a:r>
+              <a:rPr lang="en-NZ" dirty="0"/>
+              <a:t>     </a:t>
+            </a:r>
+            <a:r>
+              <a:rPr lang="en-NZ" dirty="0" err="1"/>
+              <a:t>color</a:t>
+            </a:r>
+            <a:r>
+              <a:rPr lang="en-NZ" dirty="0"/>
+              <a:t>:#</a:t>
+            </a:r>
+            <a:r>
+              <a:rPr lang="en-NZ" dirty="0" err="1"/>
+              <a:t>fff</a:t>
+            </a:r>
+            <a:r>
+              <a:rPr lang="en-NZ" dirty="0"/>
+              <a:t>;</a:t>
+            </a:r>
+          </a:p>
+          <a:p>
+            <a:pPr marL="0" indent="0">
+              <a:buFont typeface="Arial" panose="020B0604020202020204" pitchFamily="34" charset="0"/>
+              <a:buNone/>
+            </a:pPr>
+            <a:r>
+              <a:rPr lang="en-NZ" dirty="0"/>
+              <a:t>     text-decoration: none;</a:t>
+            </a:r>
+          </a:p>
+          <a:p>
+            <a:pPr marL="0" indent="0">
+              <a:buFont typeface="Arial" panose="020B0604020202020204" pitchFamily="34" charset="0"/>
+              <a:buNone/>
+            </a:pPr>
+            <a:r>
+              <a:rPr lang="en-NZ" dirty="0"/>
+              <a:t>     font-size:18px;</a:t>
+            </a:r>
+          </a:p>
+          <a:p>
+            <a:pPr marL="0" indent="0">
+              <a:buFont typeface="Arial" panose="020B0604020202020204" pitchFamily="34" charset="0"/>
+              <a:buNone/>
+            </a:pPr>
+            <a:r>
+              <a:rPr lang="en-NZ" dirty="0"/>
+              <a:t>     padding-right:15px;</a:t>
+            </a:r>
+          </a:p>
+          <a:p>
+            <a:pPr marL="0" indent="0">
+              <a:buFont typeface="Arial" panose="020B0604020202020204" pitchFamily="34" charset="0"/>
+              <a:buNone/>
+            </a:pPr>
+            <a:r>
+              <a:rPr lang="en-NZ" dirty="0"/>
+              <a:t>}</a:t>
+            </a:r>
+          </a:p>
+          <a:p>
+            <a:pPr marL="0" indent="0">
+              <a:buFont typeface="Arial" panose="020B0604020202020204" pitchFamily="34" charset="0"/>
+              <a:buNone/>
+            </a:pPr>
+            <a:r>
+              <a:rPr lang="en-NZ" dirty="0"/>
+              <a:t>#showcase{</a:t>
+            </a:r>
+          </a:p>
+          <a:p>
+            <a:pPr marL="0" indent="0">
+              <a:buFont typeface="Arial" panose="020B0604020202020204" pitchFamily="34" charset="0"/>
+              <a:buNone/>
+            </a:pPr>
+            <a:r>
+              <a:rPr lang="en-NZ" dirty="0"/>
+              <a:t>     </a:t>
+            </a:r>
+            <a:r>
+              <a:rPr lang="en-NZ" dirty="0" err="1"/>
+              <a:t>background-image:url</a:t>
+            </a:r>
+            <a:r>
+              <a:rPr lang="en-NZ" dirty="0"/>
+              <a:t>(‘../images/my_image.jpg’); </a:t>
+            </a:r>
+          </a:p>
+          <a:p>
+            <a:pPr marL="0" indent="0">
+              <a:buFont typeface="Arial" panose="020B0604020202020204" pitchFamily="34" charset="0"/>
+              <a:buNone/>
+            </a:pPr>
+            <a:r>
+              <a:rPr lang="en-NZ" dirty="0"/>
+              <a:t>     </a:t>
+            </a:r>
+            <a:r>
+              <a:rPr lang="en-NZ" dirty="0" err="1"/>
+              <a:t>background-position:center</a:t>
+            </a:r>
+            <a:r>
+              <a:rPr lang="en-NZ" dirty="0"/>
+              <a:t> right;</a:t>
+            </a:r>
+          </a:p>
+          <a:p>
+            <a:pPr marL="0" indent="0">
+              <a:buFont typeface="Arial" panose="020B0604020202020204" pitchFamily="34" charset="0"/>
+              <a:buNone/>
+            </a:pPr>
+            <a:r>
+              <a:rPr lang="en-NZ" dirty="0"/>
+              <a:t>     min-height: 300px;</a:t>
+            </a:r>
+          </a:p>
+          <a:p>
+            <a:pPr marL="0" indent="0">
+              <a:buFont typeface="Arial" panose="020B0604020202020204" pitchFamily="34" charset="0"/>
+              <a:buNone/>
+            </a:pPr>
+            <a:r>
+              <a:rPr lang="en-NZ" dirty="0"/>
+              <a:t>     margin-bottom:30px;</a:t>
+            </a:r>
+          </a:p>
+          <a:p>
+            <a:pPr marL="0" indent="0">
+              <a:buFont typeface="Arial" panose="020B0604020202020204" pitchFamily="34" charset="0"/>
+              <a:buNone/>
+            </a:pPr>
+            <a:r>
+              <a:rPr lang="en-NZ" dirty="0"/>
+              <a:t>     text-align: </a:t>
+            </a:r>
+            <a:r>
+              <a:rPr lang="en-NZ" dirty="0" err="1"/>
+              <a:t>center</a:t>
+            </a:r>
+            <a:r>
+              <a:rPr lang="en-NZ" dirty="0"/>
+              <a:t>;</a:t>
+            </a:r>
+          </a:p>
+          <a:p>
+            <a:pPr marL="0" indent="0">
+              <a:buFont typeface="Arial" panose="020B0604020202020204" pitchFamily="34" charset="0"/>
+              <a:buNone/>
+            </a:pPr>
+            <a:r>
+              <a:rPr lang="en-NZ" dirty="0"/>
+              <a:t>}</a:t>
+            </a:r>
+          </a:p>
+          <a:p>
+            <a:pPr marL="0" indent="0">
+              <a:buFont typeface="Arial" panose="020B0604020202020204" pitchFamily="34" charset="0"/>
+              <a:buNone/>
+            </a:pPr>
+            <a:r>
+              <a:rPr lang="en-NZ" dirty="0"/>
+              <a:t>#showcase h1{</a:t>
+            </a:r>
+          </a:p>
+          <a:p>
+            <a:pPr marL="0" indent="0">
+              <a:buFont typeface="Arial" panose="020B0604020202020204" pitchFamily="34" charset="0"/>
+              <a:buNone/>
+            </a:pPr>
+            <a:r>
+              <a:rPr lang="en-NZ" dirty="0"/>
+              <a:t>     </a:t>
+            </a:r>
+            <a:r>
+              <a:rPr lang="en-NZ" dirty="0" err="1"/>
+              <a:t>color</a:t>
+            </a:r>
+            <a:r>
+              <a:rPr lang="en-NZ" dirty="0"/>
+              <a:t>:#</a:t>
+            </a:r>
+            <a:r>
+              <a:rPr lang="en-NZ" dirty="0" err="1"/>
+              <a:t>fff</a:t>
+            </a:r>
+            <a:r>
+              <a:rPr lang="en-NZ" dirty="0"/>
+              <a:t>;</a:t>
+            </a:r>
+          </a:p>
+          <a:p>
+            <a:pPr marL="0" indent="0">
+              <a:buFont typeface="Arial" panose="020B0604020202020204" pitchFamily="34" charset="0"/>
+              <a:buNone/>
+            </a:pPr>
+            <a:r>
+              <a:rPr lang="en-NZ" dirty="0"/>
+              <a:t>     font-size:50px;</a:t>
+            </a:r>
+          </a:p>
+          <a:p>
+            <a:pPr marL="0" indent="0">
+              <a:buFont typeface="Arial" panose="020B0604020202020204" pitchFamily="34" charset="0"/>
+              <a:buNone/>
+            </a:pPr>
+            <a:r>
+              <a:rPr lang="en-NZ" dirty="0"/>
+              <a:t>     line-hight:1.6em;</a:t>
+            </a:r>
+          </a:p>
+          <a:p>
+            <a:pPr marL="0" indent="0">
+              <a:buFont typeface="Arial" panose="020B0604020202020204" pitchFamily="34" charset="0"/>
+              <a:buNone/>
+            </a:pPr>
+            <a:r>
+              <a:rPr lang="en-NZ" dirty="0"/>
+              <a:t>     padding-top:30px;</a:t>
+            </a:r>
+          </a:p>
+          <a:p>
+            <a:pPr marL="0" indent="0">
+              <a:buFont typeface="Arial" panose="020B0604020202020204" pitchFamily="34" charset="0"/>
+              <a:buNone/>
+            </a:pPr>
+            <a:r>
+              <a:rPr lang="en-NZ" dirty="0"/>
+              <a:t>}</a:t>
+            </a:r>
+          </a:p>
+          <a:p>
+            <a:pPr marL="0" indent="0">
+              <a:buFont typeface="Arial" panose="020B0604020202020204" pitchFamily="34" charset="0"/>
+              <a:buNone/>
+            </a:pPr>
+            <a:r>
+              <a:rPr lang="en-NZ" dirty="0"/>
+              <a:t>#main{</a:t>
+            </a:r>
+          </a:p>
+          <a:p>
+            <a:pPr marL="0" indent="0">
+              <a:buFont typeface="Arial" panose="020B0604020202020204" pitchFamily="34" charset="0"/>
+              <a:buNone/>
+            </a:pPr>
+            <a:r>
+              <a:rPr lang="en-NZ" dirty="0"/>
+              <a:t>     </a:t>
+            </a:r>
+            <a:r>
+              <a:rPr lang="en-NZ" dirty="0" err="1"/>
+              <a:t>float:left</a:t>
+            </a:r>
+            <a:r>
+              <a:rPr lang="en-NZ" dirty="0"/>
+              <a:t>;</a:t>
+            </a:r>
+          </a:p>
+          <a:p>
+            <a:pPr marL="0" indent="0">
+              <a:buFont typeface="Arial" panose="020B0604020202020204" pitchFamily="34" charset="0"/>
+              <a:buNone/>
+            </a:pPr>
+            <a:r>
+              <a:rPr lang="en-NZ" dirty="0"/>
+              <a:t>     width:70%;</a:t>
+            </a:r>
+          </a:p>
+          <a:p>
+            <a:pPr marL="0" indent="0">
+              <a:buFont typeface="Arial" panose="020B0604020202020204" pitchFamily="34" charset="0"/>
+              <a:buNone/>
+            </a:pPr>
+            <a:r>
+              <a:rPr lang="en-NZ" dirty="0"/>
+              <a:t>     padding:0 30px;</a:t>
+            </a:r>
+          </a:p>
+          <a:p>
+            <a:pPr marL="0" indent="0">
+              <a:buFont typeface="Arial" panose="020B0604020202020204" pitchFamily="34" charset="0"/>
+              <a:buNone/>
+            </a:pPr>
+            <a:r>
+              <a:rPr lang="en-NZ" dirty="0"/>
+              <a:t>     box-sizing: border-box;</a:t>
+            </a:r>
+          </a:p>
+          <a:p>
+            <a:pPr marL="0" indent="0">
+              <a:buFont typeface="Arial" panose="020B0604020202020204" pitchFamily="34" charset="0"/>
+              <a:buNone/>
+            </a:pPr>
+            <a:r>
+              <a:rPr lang="en-NZ" dirty="0"/>
+              <a:t>}</a:t>
+            </a:r>
+          </a:p>
+          <a:p>
+            <a:pPr marL="0" indent="0">
+              <a:buFont typeface="Arial" panose="020B0604020202020204" pitchFamily="34" charset="0"/>
+              <a:buNone/>
+            </a:pPr>
+            <a:r>
+              <a:rPr lang="en-NZ" dirty="0"/>
+              <a:t>#sidebar{</a:t>
+            </a:r>
+          </a:p>
+          <a:p>
+            <a:pPr marL="0" indent="0">
+              <a:buFont typeface="Arial" panose="020B0604020202020204" pitchFamily="34" charset="0"/>
+              <a:buNone/>
+            </a:pPr>
+            <a:r>
+              <a:rPr lang="en-NZ" dirty="0"/>
+              <a:t>     </a:t>
+            </a:r>
+            <a:r>
+              <a:rPr lang="en-NZ" dirty="0" err="1"/>
+              <a:t>float:right</a:t>
+            </a:r>
+            <a:r>
+              <a:rPr lang="en-NZ" dirty="0"/>
+              <a:t>;</a:t>
+            </a:r>
+          </a:p>
+          <a:p>
+            <a:pPr marL="0" indent="0">
+              <a:buFont typeface="Arial" panose="020B0604020202020204" pitchFamily="34" charset="0"/>
+              <a:buNone/>
+            </a:pPr>
+            <a:r>
+              <a:rPr lang="en-NZ" dirty="0"/>
+              <a:t>     width:30%;</a:t>
+            </a:r>
+          </a:p>
+          <a:p>
+            <a:pPr marL="0" indent="0">
+              <a:buFont typeface="Arial" panose="020B0604020202020204" pitchFamily="34" charset="0"/>
+              <a:buNone/>
+            </a:pPr>
+            <a:r>
+              <a:rPr lang="en-NZ" dirty="0"/>
+              <a:t>     background: #333;</a:t>
+            </a:r>
+          </a:p>
+          <a:p>
+            <a:pPr marL="0" indent="0">
+              <a:buFont typeface="Arial" panose="020B0604020202020204" pitchFamily="34" charset="0"/>
+              <a:buNone/>
+            </a:pPr>
+            <a:r>
+              <a:rPr lang="en-NZ" dirty="0"/>
+              <a:t>     </a:t>
+            </a:r>
+            <a:r>
+              <a:rPr lang="en-NZ" dirty="0" err="1"/>
+              <a:t>color</a:t>
+            </a:r>
+            <a:r>
+              <a:rPr lang="en-NZ" dirty="0"/>
+              <a:t>: #</a:t>
+            </a:r>
+            <a:r>
+              <a:rPr lang="en-NZ" dirty="0" err="1"/>
+              <a:t>fff</a:t>
+            </a:r>
+            <a:r>
+              <a:rPr lang="en-NZ" dirty="0"/>
+              <a:t>;</a:t>
+            </a:r>
+          </a:p>
+          <a:p>
+            <a:pPr marL="0" indent="0">
+              <a:buFont typeface="Arial" panose="020B0604020202020204" pitchFamily="34" charset="0"/>
+              <a:buNone/>
+            </a:pPr>
+            <a:r>
+              <a:rPr lang="en-NZ" dirty="0"/>
+              <a:t>     padding:10px;</a:t>
+            </a:r>
+          </a:p>
+          <a:p>
+            <a:pPr marL="0" indent="0">
+              <a:buFont typeface="Arial" panose="020B0604020202020204" pitchFamily="34" charset="0"/>
+              <a:buNone/>
+            </a:pPr>
+            <a:r>
+              <a:rPr lang="en-NZ" dirty="0"/>
+              <a:t>     box-sizing: border-box;</a:t>
+            </a:r>
+          </a:p>
+          <a:p>
+            <a:pPr marL="0" indent="0">
+              <a:buFont typeface="Arial" panose="020B0604020202020204" pitchFamily="34" charset="0"/>
+              <a:buNone/>
+            </a:pPr>
+            <a:r>
+              <a:rPr lang="en-NZ" dirty="0"/>
+              <a:t>}</a:t>
+            </a:r>
+          </a:p>
+          <a:p>
+            <a:pPr marL="0" indent="0">
+              <a:buFont typeface="Arial" panose="020B0604020202020204" pitchFamily="34" charset="0"/>
+              <a:buNone/>
+            </a:pPr>
+            <a:r>
+              <a:rPr lang="en-NZ" dirty="0"/>
+              <a:t>#main-</a:t>
+            </a:r>
+            <a:r>
+              <a:rPr lang="en-NZ" dirty="0" err="1"/>
+              <a:t>fotter</a:t>
+            </a:r>
+            <a:r>
+              <a:rPr lang="en-NZ" dirty="0"/>
+              <a:t>{</a:t>
+            </a:r>
+          </a:p>
+          <a:p>
+            <a:pPr marL="0" indent="0">
+              <a:buFont typeface="Arial" panose="020B0604020202020204" pitchFamily="34" charset="0"/>
+              <a:buNone/>
+            </a:pPr>
+            <a:r>
+              <a:rPr lang="en-NZ" dirty="0"/>
+              <a:t>     background: #333;</a:t>
+            </a:r>
+          </a:p>
+          <a:p>
+            <a:pPr marL="0" indent="0">
+              <a:buFont typeface="Arial" panose="020B0604020202020204" pitchFamily="34" charset="0"/>
+              <a:buNone/>
+            </a:pPr>
+            <a:r>
+              <a:rPr lang="en-NZ" dirty="0"/>
+              <a:t>     </a:t>
+            </a:r>
+            <a:r>
+              <a:rPr lang="en-NZ" dirty="0" err="1"/>
+              <a:t>color</a:t>
+            </a:r>
+            <a:r>
+              <a:rPr lang="en-NZ" dirty="0"/>
+              <a:t>: #</a:t>
+            </a:r>
+            <a:r>
+              <a:rPr lang="en-NZ" dirty="0" err="1"/>
+              <a:t>fff</a:t>
+            </a:r>
+            <a:r>
+              <a:rPr lang="en-NZ" dirty="0"/>
+              <a:t>;</a:t>
+            </a:r>
+          </a:p>
+          <a:p>
+            <a:pPr marL="0" indent="0">
+              <a:buFont typeface="Arial" panose="020B0604020202020204" pitchFamily="34" charset="0"/>
+              <a:buNone/>
+            </a:pPr>
+            <a:r>
+              <a:rPr lang="en-NZ" dirty="0"/>
+              <a:t>     text-align: </a:t>
+            </a:r>
+            <a:r>
+              <a:rPr lang="en-NZ" dirty="0" err="1"/>
+              <a:t>center</a:t>
+            </a:r>
+            <a:r>
+              <a:rPr lang="en-NZ" dirty="0"/>
+              <a:t>;</a:t>
+            </a:r>
+          </a:p>
+          <a:p>
+            <a:pPr marL="0" indent="0">
+              <a:buFont typeface="Arial" panose="020B0604020202020204" pitchFamily="34" charset="0"/>
+              <a:buNone/>
+            </a:pPr>
+            <a:r>
+              <a:rPr lang="en-NZ" dirty="0"/>
+              <a:t>     padding:20px;</a:t>
+            </a:r>
+          </a:p>
+          <a:p>
+            <a:pPr marL="0" indent="0">
+              <a:buFont typeface="Arial" panose="020B0604020202020204" pitchFamily="34" charset="0"/>
+              <a:buNone/>
+            </a:pPr>
+            <a:r>
+              <a:rPr lang="en-NZ" dirty="0"/>
+              <a:t>     box-sizing: border-box;</a:t>
+            </a:r>
+          </a:p>
+          <a:p>
+            <a:pPr marL="0" indent="0">
+              <a:buFont typeface="Arial" panose="020B0604020202020204" pitchFamily="34" charset="0"/>
+              <a:buNone/>
+            </a:pPr>
+            <a:r>
+              <a:rPr lang="en-NZ" dirty="0"/>
+              <a:t>     margin-top:40px;</a:t>
+            </a:r>
+          </a:p>
+          <a:p>
+            <a:pPr marL="0" indent="0">
+              <a:buFont typeface="Arial" panose="020B0604020202020204" pitchFamily="34" charset="0"/>
+              <a:buNone/>
+            </a:pPr>
+            <a:r>
+              <a:rPr lang="en-NZ" dirty="0"/>
+              <a:t>}</a:t>
+            </a:r>
+          </a:p>
+          <a:p>
+            <a:pPr marL="0" indent="0">
+              <a:buFont typeface="Arial" panose="020B0604020202020204" pitchFamily="34" charset="0"/>
+              <a:buNone/>
+            </a:pPr>
+            <a:r>
+              <a:rPr lang="en-NZ" dirty="0"/>
+              <a:t>@media(max-width:600px){</a:t>
+            </a:r>
+          </a:p>
+          <a:p>
+            <a:pPr marL="0" indent="0">
+              <a:buFont typeface="Arial" panose="020B0604020202020204" pitchFamily="34" charset="0"/>
+              <a:buNone/>
+            </a:pPr>
+            <a:r>
+              <a:rPr lang="en-NZ" dirty="0"/>
+              <a:t>     #main{</a:t>
+            </a:r>
+          </a:p>
+          <a:p>
+            <a:pPr marL="0" indent="0">
+              <a:buFont typeface="Arial" panose="020B0604020202020204" pitchFamily="34" charset="0"/>
+              <a:buNone/>
+            </a:pPr>
+            <a:r>
+              <a:rPr lang="en-NZ" dirty="0"/>
+              <a:t>          with:100%;</a:t>
+            </a:r>
+          </a:p>
+          <a:p>
+            <a:pPr marL="0" indent="0">
+              <a:buFont typeface="Arial" panose="020B0604020202020204" pitchFamily="34" charset="0"/>
+              <a:buNone/>
+            </a:pPr>
+            <a:r>
+              <a:rPr lang="en-NZ" dirty="0"/>
+              <a:t>          </a:t>
+            </a:r>
+            <a:r>
+              <a:rPr lang="en-NZ" dirty="0" err="1"/>
+              <a:t>float:none</a:t>
+            </a:r>
+            <a:r>
+              <a:rPr lang="en-NZ" dirty="0"/>
+              <a:t>;</a:t>
+            </a:r>
+          </a:p>
+          <a:p>
+            <a:pPr marL="0" indent="0">
+              <a:buFont typeface="Arial" panose="020B0604020202020204" pitchFamily="34" charset="0"/>
+              <a:buNone/>
+            </a:pPr>
+            <a:r>
+              <a:rPr lang="en-NZ" dirty="0"/>
+              <a:t>     }</a:t>
+            </a:r>
+          </a:p>
+          <a:p>
+            <a:pPr marL="0" indent="0">
+              <a:buFont typeface="Arial" panose="020B0604020202020204" pitchFamily="34" charset="0"/>
+              <a:buNone/>
+            </a:pPr>
+            <a:r>
+              <a:rPr lang="en-NZ" dirty="0"/>
+              <a:t>     #sidebar{</a:t>
+            </a:r>
+          </a:p>
+          <a:p>
+            <a:pPr marL="0" indent="0">
+              <a:buFont typeface="Arial" panose="020B0604020202020204" pitchFamily="34" charset="0"/>
+              <a:buNone/>
+            </a:pPr>
+            <a:r>
+              <a:rPr lang="en-NZ" dirty="0"/>
+              <a:t>          with:100%;</a:t>
+            </a:r>
+          </a:p>
+          <a:p>
+            <a:pPr marL="0" indent="0">
+              <a:buFont typeface="Arial" panose="020B0604020202020204" pitchFamily="34" charset="0"/>
+              <a:buNone/>
+            </a:pPr>
+            <a:r>
+              <a:rPr lang="en-NZ" dirty="0"/>
+              <a:t>          </a:t>
+            </a:r>
+            <a:r>
+              <a:rPr lang="en-NZ" dirty="0" err="1"/>
+              <a:t>float:none</a:t>
+            </a:r>
+            <a:r>
+              <a:rPr lang="en-NZ" dirty="0"/>
+              <a:t>;</a:t>
+            </a:r>
+          </a:p>
+          <a:p>
+            <a:pPr marL="0" indent="0">
+              <a:buFont typeface="Arial" panose="020B0604020202020204" pitchFamily="34" charset="0"/>
+              <a:buNone/>
+            </a:pPr>
+            <a:r>
+              <a:rPr lang="en-NZ" dirty="0"/>
+              <a:t>     }</a:t>
+            </a:r>
+          </a:p>
+          <a:p>
+            <a:pPr marL="0" indent="0">
+              <a:buFont typeface="Arial" panose="020B0604020202020204" pitchFamily="34" charset="0"/>
+              <a:buNone/>
+            </a:pPr>
+            <a:r>
+              <a:rPr lang="en-NZ" dirty="0"/>
+              <a:t>}</a:t>
+            </a:r>
+          </a:p>
+          <a:p>
+            <a:pPr marL="0" indent="0">
+              <a:buFont typeface="Arial" panose="020B0604020202020204" pitchFamily="34" charset="0"/>
+              <a:buNone/>
+            </a:pPr>
+            <a:endParaRPr lang="en-NZ" dirty="0"/>
+          </a:p>
+          <a:p>
+            <a:endParaRPr lang="en-NZ" dirty="0"/>
+          </a:p>
+        </p:txBody>
+      </p:sp>
+      <p:sp>
+        <p:nvSpPr>
+          <p:cNvPr id="4" name="Slide Number Placeholder 3"/>
+          <p:cNvSpPr>
+            <a:spLocks noGrp="1"/>
+          </p:cNvSpPr>
+          <p:nvPr>
+            <p:ph type="sldNum" sz="quarter" idx="5"/>
+          </p:nvPr>
+        </p:nvSpPr>
+        <p:spPr/>
+        <p:txBody>
+          <a:bodyPr/>
+          <a:lstStyle/>
+          <a:p>
+            <a:fld id="{AA6AEB39-020A-432B-83F5-EFCAD66B5A24}" type="slidenum">
+              <a:rPr lang="en-NZ" smtClean="0"/>
+              <a:t>8</a:t>
+            </a:fld>
+            <a:endParaRPr lang="en-NZ"/>
+          </a:p>
+        </p:txBody>
+      </p:sp>
+    </p:spTree>
+    <p:extLst>
+      <p:ext uri="{BB962C8B-B14F-4D97-AF65-F5344CB8AC3E}">
+        <p14:creationId xmlns:p14="http://schemas.microsoft.com/office/powerpoint/2010/main" val="43757262"/>
       </p:ext>
     </p:extLst>
   </p:cSld>
@@ -1279,7 +6798,7 @@
             <a:fld id="{B61BEF0D-F0BB-DE4B-95CE-6DB70DBA9567}" type="datetimeFigureOut">
               <a:rPr lang="en-US" dirty="0"/>
               <a:pPr/>
-              <a:t>12/22/2018</a:t>
+              <a:t>1/3/2019</a:t>
             </a:fld>
             <a:endParaRPr lang="en-US" dirty="0"/>
           </a:p>
@@ -1614,7 +7133,7 @@
             <a:fld id="{B61BEF0D-F0BB-DE4B-95CE-6DB70DBA9567}" type="datetimeFigureOut">
               <a:rPr lang="en-US" dirty="0"/>
               <a:pPr/>
-              <a:t>12/22/2018</a:t>
+              <a:t>1/3/2019</a:t>
             </a:fld>
             <a:endParaRPr lang="en-US" dirty="0"/>
           </a:p>
@@ -2012,7 +7531,7 @@
             <a:fld id="{B61BEF0D-F0BB-DE4B-95CE-6DB70DBA9567}" type="datetimeFigureOut">
               <a:rPr lang="en-US" dirty="0"/>
               <a:pPr/>
-              <a:t>12/22/2018</a:t>
+              <a:t>1/3/2019</a:t>
             </a:fld>
             <a:endParaRPr lang="en-US" dirty="0"/>
           </a:p>
@@ -2345,7 +7864,7 @@
             <a:fld id="{B61BEF0D-F0BB-DE4B-95CE-6DB70DBA9567}" type="datetimeFigureOut">
               <a:rPr lang="en-US" dirty="0"/>
               <a:pPr/>
-              <a:t>12/22/2018</a:t>
+              <a:t>1/3/2019</a:t>
             </a:fld>
             <a:endParaRPr lang="en-US" dirty="0"/>
           </a:p>
@@ -2662,7 +8181,7 @@
             <a:fld id="{B61BEF0D-F0BB-DE4B-95CE-6DB70DBA9567}" type="datetimeFigureOut">
               <a:rPr lang="en-US" dirty="0"/>
               <a:pPr/>
-              <a:t>12/22/2018</a:t>
+              <a:t>1/3/2019</a:t>
             </a:fld>
             <a:endParaRPr lang="en-US" dirty="0"/>
           </a:p>
@@ -3055,7 +8574,7 @@
             <a:fld id="{B61BEF0D-F0BB-DE4B-95CE-6DB70DBA9567}" type="datetimeFigureOut">
               <a:rPr lang="en-US" dirty="0"/>
               <a:pPr/>
-              <a:t>12/22/2018</a:t>
+              <a:t>1/3/2019</a:t>
             </a:fld>
             <a:endParaRPr lang="en-US" dirty="0"/>
           </a:p>
@@ -3309,7 +8828,7 @@
             <a:fld id="{B61BEF0D-F0BB-DE4B-95CE-6DB70DBA9567}" type="datetimeFigureOut">
               <a:rPr lang="en-US" dirty="0"/>
               <a:pPr/>
-              <a:t>12/22/2018</a:t>
+              <a:t>1/3/2019</a:t>
             </a:fld>
             <a:endParaRPr lang="en-US" dirty="0"/>
           </a:p>
@@ -3568,7 +9087,7 @@
             <a:fld id="{B61BEF0D-F0BB-DE4B-95CE-6DB70DBA9567}" type="datetimeFigureOut">
               <a:rPr lang="en-US" dirty="0"/>
               <a:pPr/>
-              <a:t>12/22/2018</a:t>
+              <a:t>1/3/2019</a:t>
             </a:fld>
             <a:endParaRPr lang="en-US" dirty="0"/>
           </a:p>
@@ -3827,7 +9346,7 @@
             <a:fld id="{B61BEF0D-F0BB-DE4B-95CE-6DB70DBA9567}" type="datetimeFigureOut">
               <a:rPr lang="en-US" dirty="0"/>
               <a:pPr/>
-              <a:t>12/22/2018</a:t>
+              <a:t>1/3/2019</a:t>
             </a:fld>
             <a:endParaRPr lang="en-US" dirty="0"/>
           </a:p>
@@ -4153,7 +9672,7 @@
             <a:fld id="{B61BEF0D-F0BB-DE4B-95CE-6DB70DBA9567}" type="datetimeFigureOut">
               <a:rPr lang="en-US" dirty="0"/>
               <a:pPr/>
-              <a:t>12/22/2018</a:t>
+              <a:t>1/3/2019</a:t>
             </a:fld>
             <a:endParaRPr lang="en-US" dirty="0"/>
           </a:p>
@@ -4473,7 +9992,7 @@
             <a:fld id="{B61BEF0D-F0BB-DE4B-95CE-6DB70DBA9567}" type="datetimeFigureOut">
               <a:rPr lang="en-US" dirty="0"/>
               <a:pPr/>
-              <a:t>12/22/2018</a:t>
+              <a:t>1/3/2019</a:t>
             </a:fld>
             <a:endParaRPr lang="en-US" dirty="0"/>
           </a:p>
@@ -4927,7 +10446,7 @@
             <a:fld id="{B61BEF0D-F0BB-DE4B-95CE-6DB70DBA9567}" type="datetimeFigureOut">
               <a:rPr lang="en-US" dirty="0"/>
               <a:pPr/>
-              <a:t>12/22/2018</a:t>
+              <a:t>1/3/2019</a:t>
             </a:fld>
             <a:endParaRPr lang="en-US" dirty="0"/>
           </a:p>
@@ -5129,7 +10648,7 @@
             <a:fld id="{B61BEF0D-F0BB-DE4B-95CE-6DB70DBA9567}" type="datetimeFigureOut">
               <a:rPr lang="en-US" dirty="0"/>
               <a:pPr/>
-              <a:t>12/22/2018</a:t>
+              <a:t>1/3/2019</a:t>
             </a:fld>
             <a:endParaRPr lang="en-US" dirty="0"/>
           </a:p>
@@ -5303,7 +10822,7 @@
             <a:fld id="{B61BEF0D-F0BB-DE4B-95CE-6DB70DBA9567}" type="datetimeFigureOut">
               <a:rPr lang="en-US" dirty="0"/>
               <a:pPr/>
-              <a:t>12/22/2018</a:t>
+              <a:t>1/3/2019</a:t>
             </a:fld>
             <a:endParaRPr lang="en-US" dirty="0"/>
           </a:p>
@@ -5633,7 +11152,7 @@
             <a:fld id="{B61BEF0D-F0BB-DE4B-95CE-6DB70DBA9567}" type="datetimeFigureOut">
               <a:rPr lang="en-US" dirty="0"/>
               <a:pPr/>
-              <a:t>12/22/2018</a:t>
+              <a:t>1/3/2019</a:t>
             </a:fld>
             <a:endParaRPr lang="en-US" dirty="0"/>
           </a:p>
@@ -5975,7 +11494,7 @@
             <a:fld id="{B61BEF0D-F0BB-DE4B-95CE-6DB70DBA9567}" type="datetimeFigureOut">
               <a:rPr lang="en-US" dirty="0"/>
               <a:pPr/>
-              <a:t>12/22/2018</a:t>
+              <a:t>1/3/2019</a:t>
             </a:fld>
             <a:endParaRPr lang="en-US" dirty="0"/>
           </a:p>
@@ -8089,7 +13608,7 @@
             <a:fld id="{B61BEF0D-F0BB-DE4B-95CE-6DB70DBA9567}" type="datetimeFigureOut">
               <a:rPr lang="en-US" dirty="0"/>
               <a:pPr/>
-              <a:t>12/22/2018</a:t>
+              <a:t>1/3/2019</a:t>
             </a:fld>
             <a:endParaRPr lang="en-US" dirty="0"/>
           </a:p>
@@ -8627,41 +14146,8 @@
           <a:p>
             <a:r>
               <a:rPr lang="en-NZ" sz="4800" dirty="0"/>
-              <a:t>Web Design </a:t>
-            </a:r>
-            <a:r>
-              <a:rPr lang="en-NZ" sz="2800" dirty="0"/>
-              <a:t>&amp;</a:t>
-            </a:r>
-            <a:r>
-              <a:rPr lang="en-NZ" sz="4800" dirty="0"/>
-              <a:t> Development</a:t>
-            </a:r>
-          </a:p>
-        </p:txBody>
-      </p:sp>
-      <p:sp>
-        <p:nvSpPr>
-          <p:cNvPr id="3" name="Subtitle 2">
-            <a:extLst>
-              <a:ext uri="{FF2B5EF4-FFF2-40B4-BE49-F238E27FC236}">
-                <a16:creationId xmlns:a16="http://schemas.microsoft.com/office/drawing/2014/main" id="{D50C2F8B-9D75-4195-8C62-E8C32975B1D3}"/>
-              </a:ext>
-            </a:extLst>
-          </p:cNvPr>
-          <p:cNvSpPr>
-            <a:spLocks noGrp="1"/>
-          </p:cNvSpPr>
-          <p:nvPr>
-            <p:ph type="subTitle" idx="1"/>
-          </p:nvPr>
-        </p:nvSpPr>
-        <p:spPr/>
-        <p:txBody>
-          <a:bodyPr/>
-          <a:lstStyle/>
-          <a:p>
-            <a:endParaRPr lang="en-NZ" dirty="0"/>
+              <a:t>Web Design / Development</a:t>
+            </a:r>
           </a:p>
         </p:txBody>
       </p:sp>
@@ -8680,7 +14166,7 @@
           <p:nvPr/>
         </p:nvPicPr>
         <p:blipFill>
-          <a:blip r:embed="rId2"/>
+          <a:blip r:embed="rId3"/>
           <a:stretch>
             <a:fillRect/>
           </a:stretch>
@@ -8782,32 +14268,31 @@
           <a:p>
             <a:r>
               <a:rPr lang="en-NZ" dirty="0"/>
+              <a:t> Plan a basic web site </a:t>
+            </a:r>
+          </a:p>
+          <a:p>
+            <a:r>
+              <a:rPr lang="en-NZ" dirty="0"/>
               <a:t> Code a basic website using HTML5 and CSS3 using Sublime Text 2 </a:t>
             </a:r>
           </a:p>
           <a:p>
             <a:r>
               <a:rPr lang="en-NZ" dirty="0"/>
-              <a:t> Plan a basic web site </a:t>
-            </a:r>
-          </a:p>
-          <a:p>
-            <a:r>
-              <a:rPr lang="en-NZ" dirty="0"/>
               <a:t> Check and validate your webpages </a:t>
             </a:r>
           </a:p>
           <a:p>
             <a:r>
               <a:rPr lang="en-NZ" dirty="0"/>
-              <a:t> Research web hosting and domain name options</a:t>
-            </a:r>
-          </a:p>
-          <a:p>
-            <a:r>
-              <a:rPr lang="en-NZ" dirty="0"/>
-              <a:t> What’s next</a:t>
-            </a:r>
+              <a:t> Research web hosting and domain </a:t>
+            </a:r>
+            <a:r>
+              <a:rPr lang="en-NZ"/>
+              <a:t>name options</a:t>
+            </a:r>
+            <a:endParaRPr lang="en-NZ" dirty="0"/>
           </a:p>
         </p:txBody>
       </p:sp>
@@ -8912,6 +14397,18 @@
           <a:p>
             <a:r>
               <a:rPr lang="en-NZ" dirty="0"/>
+              <a:t> What are HTML tags</a:t>
+            </a:r>
+          </a:p>
+          <a:p>
+            <a:r>
+              <a:rPr lang="en-NZ" dirty="0"/>
+              <a:t> What is the structure of a HTML Document</a:t>
+            </a:r>
+          </a:p>
+          <a:p>
+            <a:r>
+              <a:rPr lang="en-NZ" dirty="0"/>
               <a:t>	Create a good folder structure</a:t>
             </a:r>
           </a:p>
@@ -8924,23 +14421,7 @@
           <a:p>
             <a:r>
               <a:rPr lang="en-NZ" dirty="0"/>
-              <a:t>	Styling your Website </a:t>
-            </a:r>
-            <a:r>
-              <a:rPr lang="en-NZ" sz="1400" dirty="0"/>
-              <a:t>(Cascading Style Sheets, aka: </a:t>
-            </a:r>
-            <a:r>
-              <a:rPr lang="en-NZ" sz="1400" dirty="0" err="1"/>
-              <a:t>css</a:t>
-            </a:r>
-            <a:r>
-              <a:rPr lang="en-NZ" sz="1400" dirty="0"/>
-              <a:t>)</a:t>
-            </a:r>
-            <a:r>
-              <a:rPr lang="en-NZ" dirty="0"/>
-              <a:t> </a:t>
+              <a:t>	(simple) Styling your Website</a:t>
             </a:r>
           </a:p>
         </p:txBody>
@@ -9037,15 +14518,7 @@
           <a:p>
             <a:r>
               <a:rPr lang="en-NZ" dirty="0"/>
-              <a:t>HTML5</a:t>
-            </a:r>
-            <a:r>
-              <a:rPr lang="en-NZ" sz="2600" dirty="0"/>
-              <a:t> (cont.)</a:t>
-            </a:r>
-            <a:r>
-              <a:rPr lang="en-NZ" dirty="0"/>
-              <a:t> </a:t>
+              <a:t>HTML5 &lt;Tags&gt; </a:t>
             </a:r>
           </a:p>
         </p:txBody>
@@ -9069,67 +14542,56 @@
         <p:spPr/>
         <p:txBody>
           <a:bodyPr>
-            <a:normAutofit lnSpcReduction="10000"/>
+            <a:normAutofit/>
           </a:bodyPr>
           <a:lstStyle/>
           <a:p>
             <a:r>
               <a:rPr lang="en-NZ" dirty="0"/>
-              <a:t> Title tags and meta tags</a:t>
-            </a:r>
-          </a:p>
-          <a:p>
-            <a:r>
-              <a:rPr lang="en-NZ" dirty="0"/>
-              <a:t>	Body tags</a:t>
-            </a:r>
-          </a:p>
-          <a:p>
-            <a:r>
-              <a:rPr lang="en-NZ" dirty="0"/>
-              <a:t>	Comments</a:t>
-            </a:r>
-          </a:p>
-          <a:p>
-            <a:r>
-              <a:rPr lang="en-NZ" dirty="0"/>
-              <a:t> Headings / Paragraphs / Breaks</a:t>
-            </a:r>
-          </a:p>
-          <a:p>
-            <a:r>
-              <a:rPr lang="en-NZ" dirty="0"/>
-              <a:t>	Horizontal rulers</a:t>
-            </a:r>
-          </a:p>
-          <a:p>
-            <a:r>
-              <a:rPr lang="en-NZ" dirty="0"/>
-              <a:t>	Lists (ordered and unordered)</a:t>
-            </a:r>
-          </a:p>
-          <a:p>
-            <a:r>
-              <a:rPr lang="en-NZ" dirty="0"/>
-              <a:t>	Block elements v/s inline elements</a:t>
-            </a:r>
-          </a:p>
-          <a:p>
-            <a:r>
-              <a:rPr lang="en-NZ" dirty="0"/>
-              <a:t>	Insert images</a:t>
-            </a:r>
-          </a:p>
-          <a:p>
-            <a:r>
-              <a:rPr lang="en-NZ" dirty="0"/>
-              <a:t>	Connect your pages with hyperlinks</a:t>
-            </a:r>
-          </a:p>
-          <a:p>
-            <a:r>
-              <a:rPr lang="en-NZ" dirty="0"/>
-              <a:t>HTML5 semantic tags</a:t>
+              <a:t> !</a:t>
+            </a:r>
+            <a:r>
+              <a:rPr lang="en-NZ" dirty="0" err="1"/>
+              <a:t>DocType</a:t>
+            </a:r>
+            <a:endParaRPr lang="en-NZ" dirty="0"/>
+          </a:p>
+          <a:p>
+            <a:r>
+              <a:rPr lang="en-NZ" dirty="0"/>
+              <a:t> Head and Metadata tags</a:t>
+            </a:r>
+          </a:p>
+          <a:p>
+            <a:r>
+              <a:rPr lang="en-NZ" dirty="0"/>
+              <a:t>Body tags</a:t>
+            </a:r>
+          </a:p>
+          <a:p>
+            <a:pPr lvl="1"/>
+            <a:r>
+              <a:rPr lang="en-NZ" dirty="0"/>
+              <a:t> Generic tags (HTML 4 compatible)</a:t>
+            </a:r>
+          </a:p>
+          <a:p>
+            <a:pPr lvl="1"/>
+            <a:r>
+              <a:rPr lang="en-NZ" dirty="0"/>
+              <a:t> Semantic tags (HTML5 new)</a:t>
+            </a:r>
+          </a:p>
+          <a:p>
+            <a:r>
+              <a:rPr lang="en-NZ" dirty="0"/>
+              <a:t> Use a good folder structure, </a:t>
+            </a:r>
+          </a:p>
+          <a:p>
+            <a:r>
+              <a:rPr lang="en-NZ" dirty="0"/>
+              <a:t> A little of Cascading Style Sheets (CSS)</a:t>
             </a:r>
           </a:p>
         </p:txBody>
@@ -9278,8 +14740,15 @@
           <a:p>
             <a:r>
               <a:rPr lang="en-NZ" dirty="0"/>
-              <a:t> Fonts and web safe fonts</a:t>
-            </a:r>
+              <a:t> Fonts and </a:t>
+            </a:r>
+            <a:r>
+              <a:rPr lang="en-NZ" dirty="0">
+                <a:hlinkClick r:id="rId3"/>
+              </a:rPr>
+              <a:t>web safe fonts</a:t>
+            </a:r>
+            <a:endParaRPr lang="en-NZ" dirty="0"/>
           </a:p>
           <a:p>
             <a:r>
@@ -9439,7 +14908,7 @@
           <a:p>
             <a:r>
               <a:rPr lang="en-NZ" dirty="0"/>
-              <a:t>Floats</a:t>
+              <a:t>Responsiveness</a:t>
             </a:r>
           </a:p>
           <a:p>
@@ -9455,10 +14924,7 @@
             </a:r>
           </a:p>
           <a:p>
-            <a:r>
-              <a:rPr lang="en-NZ" dirty="0"/>
-              <a:t>Plan Your own Website</a:t>
-            </a:r>
+            <a:endParaRPr lang="en-NZ" dirty="0"/>
           </a:p>
         </p:txBody>
       </p:sp>
@@ -9583,15 +15049,114 @@
             <p:ph idx="1"/>
           </p:nvPr>
         </p:nvSpPr>
-        <p:spPr/>
+        <p:spPr>
+          <a:xfrm>
+            <a:off x="2592924" y="1540188"/>
+            <a:ext cx="9477155" cy="5145091"/>
+          </a:xfrm>
+        </p:spPr>
         <p:txBody>
-          <a:bodyPr/>
+          <a:bodyPr>
+            <a:normAutofit/>
+          </a:bodyPr>
           <a:lstStyle/>
           <a:p>
             <a:r>
               <a:rPr lang="en-NZ" dirty="0"/>
-              <a:t>Put what you’ve leant into practice</a:t>
-            </a:r>
+              <a:t>Set your purpose and goals</a:t>
+            </a:r>
+          </a:p>
+          <a:p>
+            <a:r>
+              <a:rPr lang="en-NZ" dirty="0"/>
+              <a:t>Create a budget</a:t>
+            </a:r>
+          </a:p>
+          <a:p>
+            <a:r>
+              <a:rPr lang="en-NZ" dirty="0"/>
+              <a:t>Assign roles:</a:t>
+            </a:r>
+          </a:p>
+          <a:p>
+            <a:pPr lvl="1"/>
+            <a:r>
+              <a:rPr lang="en-NZ" dirty="0"/>
+              <a:t>Company stakeholders (owner, marketing manager / champion etc)</a:t>
+            </a:r>
+          </a:p>
+          <a:p>
+            <a:pPr lvl="1"/>
+            <a:r>
+              <a:rPr lang="en-NZ" dirty="0"/>
+              <a:t>Content writer and/or editor</a:t>
+            </a:r>
+          </a:p>
+          <a:p>
+            <a:pPr lvl="1"/>
+            <a:r>
+              <a:rPr lang="en-NZ" dirty="0"/>
+              <a:t>HTML/CSS professional</a:t>
+            </a:r>
+          </a:p>
+          <a:p>
+            <a:pPr lvl="1"/>
+            <a:r>
+              <a:rPr lang="en-NZ" dirty="0"/>
+              <a:t>Web and graphic designer</a:t>
+            </a:r>
+          </a:p>
+          <a:p>
+            <a:r>
+              <a:rPr lang="en-NZ" dirty="0"/>
+              <a:t>Create a content strategy</a:t>
+            </a:r>
+          </a:p>
+          <a:p>
+            <a:r>
+              <a:rPr lang="en-NZ" dirty="0"/>
+              <a:t>Structure your website</a:t>
+            </a:r>
+          </a:p>
+          <a:p>
+            <a:r>
+              <a:rPr lang="en-NZ" dirty="0"/>
+              <a:t>Create a mock-up</a:t>
+            </a:r>
+          </a:p>
+          <a:p>
+            <a:r>
+              <a:rPr lang="en-NZ" dirty="0"/>
+              <a:t>Start designing</a:t>
+            </a:r>
+          </a:p>
+          <a:p>
+            <a:r>
+              <a:rPr lang="en-NZ" dirty="0"/>
+              <a:t>Test it out</a:t>
+            </a:r>
+          </a:p>
+          <a:p>
+            <a:r>
+              <a:rPr lang="en-NZ" dirty="0"/>
+              <a:t>Maintain your site</a:t>
+            </a:r>
+          </a:p>
+          <a:p>
+            <a:endParaRPr lang="en-NZ" dirty="0"/>
+          </a:p>
+          <a:p>
+            <a:pPr lvl="1"/>
+            <a:endParaRPr lang="en-NZ" dirty="0"/>
+          </a:p>
+          <a:p>
+            <a:endParaRPr lang="en-NZ" dirty="0"/>
+          </a:p>
+          <a:p>
+            <a:endParaRPr lang="en-NZ" dirty="0"/>
+          </a:p>
+          <a:p>
+            <a:endParaRPr lang="en-NZ" dirty="0"/>
           </a:p>
         </p:txBody>
       </p:sp>
@@ -9874,25 +15439,41 @@
           <a:p>
             <a:r>
               <a:rPr lang="en-NZ" dirty="0"/>
-              <a:t>	Sum up and make a glossary</a:t>
-            </a:r>
-          </a:p>
-          <a:p>
-            <a:r>
-              <a:rPr lang="en-NZ" dirty="0"/>
-              <a:t>	Look at alternatives to web authoring software (WIX, dream weaver etc.)</a:t>
-            </a:r>
-          </a:p>
-          <a:p>
-            <a:r>
-              <a:rPr lang="en-NZ" dirty="0"/>
-              <a:t>	Research web hosting and domain name options</a:t>
-            </a:r>
-          </a:p>
-          <a:p>
-            <a:r>
-              <a:rPr lang="en-NZ" dirty="0"/>
-              <a:t>	Where to next?</a:t>
+              <a:t> Sum up and make a glossary</a:t>
+            </a:r>
+          </a:p>
+          <a:p>
+            <a:r>
+              <a:rPr lang="en-NZ" dirty="0"/>
+              <a:t> Frameworks: Bootstrap</a:t>
+            </a:r>
+          </a:p>
+          <a:p>
+            <a:r>
+              <a:rPr lang="en-NZ" dirty="0"/>
+              <a:t> Look at alternatives to web authoring software (</a:t>
+            </a:r>
+            <a:r>
+              <a:rPr lang="en-NZ" dirty="0" err="1">
+                <a:hlinkClick r:id="rId2"/>
+              </a:rPr>
+              <a:t>Wordpress</a:t>
+            </a:r>
+            <a:r>
+              <a:rPr lang="en-NZ" dirty="0"/>
+              <a:t>, WIX, dream weaver)</a:t>
+            </a:r>
+          </a:p>
+          <a:p>
+            <a:r>
+              <a:rPr lang="en-NZ" dirty="0"/>
+              <a:t> Research web hosting and domain name options</a:t>
+            </a:r>
+          </a:p>
+          <a:p>
+            <a:r>
+              <a:rPr lang="en-NZ" dirty="0"/>
+              <a:t> Where to next?</a:t>
             </a:r>
           </a:p>
         </p:txBody>
